--- a/dotfiles/.pandoc/reference.pptx
+++ b/dotfiles/.pandoc/reference.pptx
@@ -1,24 +1,24 @@
 
 <file path=ppt/presentation.xml><?xml version="1.0" encoding="utf-8"?>
-<p:presentation xmlns:a="http://schemas.openxmlformats.org/drawingml/2006/main" xmlns:r="http://schemas.openxmlformats.org/officeDocument/2006/relationships" xmlns:p="http://schemas.openxmlformats.org/presentationml/2006/main" saveSubsetFonts="1" autoCompressPictures="0">
+<p:presentation xmlns:a="http://schemas.openxmlformats.org/drawingml/2006/main" xmlns:r="http://schemas.openxmlformats.org/officeDocument/2006/relationships" xmlns:p="http://schemas.openxmlformats.org/presentationml/2006/main" autoCompressPictures="0">
   <p:sldMasterIdLst>
     <p:sldMasterId id="2147483648" r:id="rId1"/>
   </p:sldMasterIdLst>
   <p:notesMasterIdLst>
-    <p:NotesMasterId r:id="rId13"/>
+    <p:notesMasterId r:id="rId6"/>
   </p:notesMasterIdLst>
   <p:sldIdLst>
-    <p:sldId id="256" r:id="rId2"/>
-    <p:sldId id="257" r:id="rId3"/>
-    <p:sldId id="258" r:id="rId4"/>
-    <p:sldId id="259" r:id="rId5"/>
-    <p:sldId id="260" r:id="rId6"/>
-    <p:sldId id="261" r:id="rId7"/>
-    <p:sldId id="262" r:id="rId8"/>
-    <p:sldId id="263" r:id="rId9"/>
-    <p:sldId id="264" r:id="rId10"/>
-    <p:sldId id="265" r:id="rId11"/>
-    <p:sldId id="266" r:id="rId12"/>
+    <p:sldId id="256" r:id="rId3"/>
+    <p:sldId id="257" r:id="rId4"/>
+    <p:sldId id="258" r:id="rId5"/>
+    <p:sldId id="259" r:id="rId7"/>
+    <p:sldId id="260" r:id="rId8"/>
+    <p:sldId id="261" r:id="rId9"/>
+    <p:sldId id="262" r:id="rId10"/>
+    <p:sldId id="263" r:id="rId11"/>
+    <p:sldId id="264" r:id="rId12"/>
+    <p:sldId id="265" r:id="rId13"/>
+    <p:sldId id="266" r:id="rId14"/>
   </p:sldIdLst>
   <p:sldSz cx="9144000" cy="6858000" type="screen4x3"/>
   <p:notesSz cx="6858000" cy="9144000"/>
@@ -117,22 +117,6 @@
       </a:defRPr>
     </a:lvl9pPr>
   </p:defaultTextStyle>
-  <p:extLst>
-    <p:ext uri="{EFAFB233-063F-42B5-8137-9DF3F51BA10A}">
-      <p15:sldGuideLst xmlns:p15="http://schemas.microsoft.com/office/powerpoint/2012/main">
-        <p15:guide id="1" orient="horz" pos="2160">
-          <p15:clr>
-            <a:srgbClr val="A4A3A4"/>
-          </p15:clr>
-        </p15:guide>
-        <p15:guide id="2" pos="2880">
-          <p15:clr>
-            <a:srgbClr val="A4A3A4"/>
-          </p15:clr>
-        </p15:guide>
-      </p15:sldGuideLst>
-    </p:ext>
-  </p:extLst>
 </p:presentation>
 </file>
 
@@ -162,7 +146,7 @@
         <p:nvSpPr>
           <p:cNvPr id="2" name="Header Placeholder 1"/>
           <p:cNvSpPr>
-            <a:spLocks noGrp="1"/>
+            <a:spLocks noGrp="true"/>
           </p:cNvSpPr>
           <p:nvPr>
             <p:ph type="hdr" sz="quarter"/>
@@ -193,7 +177,7 @@
         <p:nvSpPr>
           <p:cNvPr id="3" name="Date Placeholder 2"/>
           <p:cNvSpPr>
-            <a:spLocks noGrp="1"/>
+            <a:spLocks noGrp="true"/>
           </p:cNvSpPr>
           <p:nvPr>
             <p:ph type="dt" idx="1"/>
@@ -218,7 +202,6 @@
           <a:p>
             <a:fld id="{0F9C1CCF-B725-44A7-AA57-5E433BD85C9F}" type="datetimeFigureOut">
               <a:rPr lang="en-US" smtClean="0"/>
-              <a:t>4/5/2019</a:t>
             </a:fld>
             <a:endParaRPr lang="en-US"/>
           </a:p>
@@ -228,7 +211,7 @@
         <p:nvSpPr>
           <p:cNvPr id="4" name="Slide Image Placeholder 3"/>
           <p:cNvSpPr>
-            <a:spLocks noGrp="1" noRot="1" noChangeAspect="1"/>
+            <a:spLocks noGrp="true" noRot="true" noChangeAspect="true"/>
           </p:cNvSpPr>
           <p:nvPr>
             <p:ph type="sldImg" idx="2"/>
@@ -261,7 +244,7 @@
         <p:nvSpPr>
           <p:cNvPr id="5" name="Notes Placeholder 4"/>
           <p:cNvSpPr>
-            <a:spLocks noGrp="1"/>
+            <a:spLocks noGrp="true"/>
           </p:cNvSpPr>
           <p:nvPr>
             <p:ph type="body" sz="quarter" idx="3"/>
@@ -285,6 +268,7 @@
               <a:rPr lang="en-US" smtClean="0"/>
               <a:t>Click to edit Master text styles</a:t>
             </a:r>
+            <a:endParaRPr lang="en-US" smtClean="0"/>
           </a:p>
           <a:p>
             <a:pPr lvl="1"/>
@@ -292,6 +276,7 @@
               <a:rPr lang="en-US" smtClean="0"/>
               <a:t>Second level</a:t>
             </a:r>
+            <a:endParaRPr lang="en-US" smtClean="0"/>
           </a:p>
           <a:p>
             <a:pPr lvl="2"/>
@@ -299,6 +284,7 @@
               <a:rPr lang="en-US" smtClean="0"/>
               <a:t>Third level</a:t>
             </a:r>
+            <a:endParaRPr lang="en-US" smtClean="0"/>
           </a:p>
           <a:p>
             <a:pPr lvl="3"/>
@@ -306,6 +292,7 @@
               <a:rPr lang="en-US" smtClean="0"/>
               <a:t>Fourth level</a:t>
             </a:r>
+            <a:endParaRPr lang="en-US" smtClean="0"/>
           </a:p>
           <a:p>
             <a:pPr lvl="4"/>
@@ -321,7 +308,7 @@
         <p:nvSpPr>
           <p:cNvPr id="6" name="Footer Placeholder 5"/>
           <p:cNvSpPr>
-            <a:spLocks noGrp="1"/>
+            <a:spLocks noGrp="true"/>
           </p:cNvSpPr>
           <p:nvPr>
             <p:ph type="ftr" sz="quarter" idx="4"/>
@@ -352,7 +339,7 @@
         <p:nvSpPr>
           <p:cNvPr id="7" name="Slide Number Placeholder 6"/>
           <p:cNvSpPr>
-            <a:spLocks noGrp="1"/>
+            <a:spLocks noGrp="true"/>
           </p:cNvSpPr>
           <p:nvPr>
             <p:ph type="sldNum" sz="quarter" idx="5"/>
@@ -377,18 +364,12 @@
           <a:p>
             <a:fld id="{18BDFEC3-8487-43E8-A154-7C12CBC1FFF2}" type="slidenum">
               <a:rPr lang="en-US" smtClean="0"/>
-              <a:t>‹#›</a:t>
             </a:fld>
             <a:endParaRPr lang="en-US"/>
           </a:p>
         </p:txBody>
       </p:sp>
     </p:spTree>
-    <p:extLst>
-      <p:ext uri="{BB962C8B-B14F-4D97-AF65-F5344CB8AC3E}">
-        <p14:creationId xmlns:p14="http://schemas.microsoft.com/office/powerpoint/2010/main" val="3782709779"/>
-      </p:ext>
-    </p:extLst>
   </p:cSld>
   <p:clrMap bg1="lt1" tx1="dk1" bg2="lt2" tx2="dk2" accent1="accent1" accent2="accent2" accent3="accent3" accent4="accent4" accent5="accent5" accent6="accent6" hlink="hlink" folHlink="folHlink"/>
   <p:notesStyle>
@@ -507,7 +488,7 @@
         <p:nvSpPr>
           <p:cNvPr id="2" name="Slide Image Placeholder 1"/>
           <p:cNvSpPr>
-            <a:spLocks noGrp="1" noRot="1" noChangeAspect="1"/>
+            <a:spLocks noGrp="true" noRot="true" noChangeAspect="true"/>
           </p:cNvSpPr>
           <p:nvPr>
             <p:ph type="sldImg"/>
@@ -519,7 +500,7 @@
         <p:nvSpPr>
           <p:cNvPr id="3" name="Notes Placeholder 2"/>
           <p:cNvSpPr>
-            <a:spLocks noGrp="1"/>
+            <a:spLocks noGrp="true"/>
           </p:cNvSpPr>
           <p:nvPr>
             <p:ph type="body" idx="1"/>
@@ -530,36 +511,11 @@
           <a:bodyPr/>
           <a:lstStyle/>
           <a:p>
-            <a:pPr lvl="0" marL="0" indent="0">
+            <a:pPr marL="0" lvl="0" indent="0">
               <a:buNone/>
             </a:pPr>
             <a:r>
-              <a:rPr/>
-              <a:t>Speaker</a:t>
-            </a:r>
-            <a:r>
-              <a:rPr/>
-              <a:t> </a:t>
-            </a:r>
-            <a:r>
-              <a:rPr/>
-              <a:t>notes</a:t>
-            </a:r>
-            <a:r>
-              <a:rPr/>
-              <a:t> </a:t>
-            </a:r>
-            <a:r>
-              <a:rPr/>
-              <a:t>go</a:t>
-            </a:r>
-            <a:r>
-              <a:rPr/>
-              <a:t> </a:t>
-            </a:r>
-            <a:r>
-              <a:rPr/>
-              <a:t>here</a:t>
+              <a:t>Speaker notes go here</a:t>
             </a:r>
           </a:p>
         </p:txBody>
@@ -568,7 +524,7 @@
         <p:nvSpPr>
           <p:cNvPr id="4" name="Slide Number Placeholder 3"/>
           <p:cNvSpPr>
-            <a:spLocks noGrp="1"/>
+            <a:spLocks noGrp="true"/>
           </p:cNvSpPr>
           <p:nvPr>
             <p:ph type="sldNum" sz="quarter" idx="10"/>
@@ -581,7 +537,6 @@
           <a:p>
             <a:fld id="{18BDFEC3-8487-43E8-A154-7C12CBC1FFF2}" type="slidenum">
               <a:rPr lang="en-US"/>
-              <a:t>3</a:t>
             </a:fld>
             <a:endParaRPr lang="en-US"/>
           </a:p>
@@ -589,6 +544,9 @@
       </p:sp>
     </p:spTree>
   </p:cSld>
+  <p:clrMapOvr>
+    <a:masterClrMapping/>
+  </p:clrMapOvr>
 </p:notes>
 </file>
 
@@ -613,7 +571,7 @@
         <p:nvSpPr>
           <p:cNvPr id="2" name="Slide Image Placeholder 1"/>
           <p:cNvSpPr>
-            <a:spLocks noGrp="1" noRot="1" noChangeAspect="1"/>
+            <a:spLocks noGrp="true" noRot="true" noChangeAspect="true"/>
           </p:cNvSpPr>
           <p:nvPr>
             <p:ph type="sldImg"/>
@@ -625,7 +583,7 @@
         <p:nvSpPr>
           <p:cNvPr id="3" name="Notes Placeholder 2"/>
           <p:cNvSpPr>
-            <a:spLocks noGrp="1"/>
+            <a:spLocks noGrp="true"/>
           </p:cNvSpPr>
           <p:nvPr>
             <p:ph type="body" idx="1"/>
@@ -636,36 +594,11 @@
           <a:bodyPr/>
           <a:lstStyle/>
           <a:p>
-            <a:pPr lvl="0" marL="0" indent="0">
+            <a:pPr marL="0" lvl="0" indent="0">
               <a:buNone/>
             </a:pPr>
             <a:r>
-              <a:rPr/>
-              <a:t>Speaker</a:t>
-            </a:r>
-            <a:r>
-              <a:rPr/>
-              <a:t> </a:t>
-            </a:r>
-            <a:r>
-              <a:rPr/>
-              <a:t>notes</a:t>
-            </a:r>
-            <a:r>
-              <a:rPr/>
-              <a:t> </a:t>
-            </a:r>
-            <a:r>
-              <a:rPr/>
-              <a:t>go</a:t>
-            </a:r>
-            <a:r>
-              <a:rPr/>
-              <a:t> </a:t>
-            </a:r>
-            <a:r>
-              <a:rPr/>
-              <a:t>here</a:t>
+              <a:t>Speaker notes go here</a:t>
             </a:r>
           </a:p>
         </p:txBody>
@@ -674,7 +607,7 @@
         <p:nvSpPr>
           <p:cNvPr id="4" name="Slide Number Placeholder 3"/>
           <p:cNvSpPr>
-            <a:spLocks noGrp="1"/>
+            <a:spLocks noGrp="true"/>
           </p:cNvSpPr>
           <p:nvPr>
             <p:ph type="sldNum" sz="quarter" idx="10"/>
@@ -687,7 +620,6 @@
           <a:p>
             <a:fld id="{18BDFEC3-8487-43E8-A154-7C12CBC1FFF2}" type="slidenum">
               <a:rPr lang="en-US"/>
-              <a:t>4</a:t>
             </a:fld>
             <a:endParaRPr lang="en-US"/>
           </a:p>
@@ -695,6 +627,9 @@
       </p:sp>
     </p:spTree>
   </p:cSld>
+  <p:clrMapOvr>
+    <a:masterClrMapping/>
+  </p:clrMapOvr>
 </p:notes>
 </file>
 
@@ -719,7 +654,7 @@
         <p:nvSpPr>
           <p:cNvPr id="2" name="Slide Image Placeholder 1"/>
           <p:cNvSpPr>
-            <a:spLocks noGrp="1" noRot="1" noChangeAspect="1"/>
+            <a:spLocks noGrp="true" noRot="true" noChangeAspect="true"/>
           </p:cNvSpPr>
           <p:nvPr>
             <p:ph type="sldImg"/>
@@ -731,7 +666,7 @@
         <p:nvSpPr>
           <p:cNvPr id="3" name="Notes Placeholder 2"/>
           <p:cNvSpPr>
-            <a:spLocks noGrp="1"/>
+            <a:spLocks noGrp="true"/>
           </p:cNvSpPr>
           <p:nvPr>
             <p:ph type="body" idx="1"/>
@@ -742,36 +677,11 @@
           <a:bodyPr/>
           <a:lstStyle/>
           <a:p>
-            <a:pPr lvl="0" marL="0" indent="0">
+            <a:pPr marL="0" lvl="0" indent="0">
               <a:buNone/>
             </a:pPr>
             <a:r>
-              <a:rPr/>
-              <a:t>Speaker</a:t>
-            </a:r>
-            <a:r>
-              <a:rPr/>
-              <a:t> </a:t>
-            </a:r>
-            <a:r>
-              <a:rPr/>
-              <a:t>notes</a:t>
-            </a:r>
-            <a:r>
-              <a:rPr/>
-              <a:t> </a:t>
-            </a:r>
-            <a:r>
-              <a:rPr/>
-              <a:t>go</a:t>
-            </a:r>
-            <a:r>
-              <a:rPr/>
-              <a:t> </a:t>
-            </a:r>
-            <a:r>
-              <a:rPr/>
-              <a:t>here</a:t>
+              <a:t>Speaker notes go here</a:t>
             </a:r>
           </a:p>
         </p:txBody>
@@ -780,7 +690,7 @@
         <p:nvSpPr>
           <p:cNvPr id="4" name="Slide Number Placeholder 3"/>
           <p:cNvSpPr>
-            <a:spLocks noGrp="1"/>
+            <a:spLocks noGrp="true"/>
           </p:cNvSpPr>
           <p:nvPr>
             <p:ph type="sldNum" sz="quarter" idx="10"/>
@@ -793,7 +703,6 @@
           <a:p>
             <a:fld id="{18BDFEC3-8487-43E8-A154-7C12CBC1FFF2}" type="slidenum">
               <a:rPr lang="en-US"/>
-              <a:t>5</a:t>
             </a:fld>
             <a:endParaRPr lang="en-US"/>
           </a:p>
@@ -801,6 +710,9 @@
       </p:sp>
     </p:spTree>
   </p:cSld>
+  <p:clrMapOvr>
+    <a:masterClrMapping/>
+  </p:clrMapOvr>
 </p:notes>
 </file>
 
@@ -825,7 +737,7 @@
         <p:nvSpPr>
           <p:cNvPr id="2" name="Slide Image Placeholder 1"/>
           <p:cNvSpPr>
-            <a:spLocks noGrp="1" noRot="1" noChangeAspect="1"/>
+            <a:spLocks noGrp="true" noRot="true" noChangeAspect="true"/>
           </p:cNvSpPr>
           <p:nvPr>
             <p:ph type="sldImg"/>
@@ -837,7 +749,7 @@
         <p:nvSpPr>
           <p:cNvPr id="3" name="Notes Placeholder 2"/>
           <p:cNvSpPr>
-            <a:spLocks noGrp="1"/>
+            <a:spLocks noGrp="true"/>
           </p:cNvSpPr>
           <p:nvPr>
             <p:ph type="body" idx="1"/>
@@ -848,36 +760,11 @@
           <a:bodyPr/>
           <a:lstStyle/>
           <a:p>
-            <a:pPr lvl="0" marL="0" indent="0">
+            <a:pPr marL="0" lvl="0" indent="0">
               <a:buNone/>
             </a:pPr>
             <a:r>
-              <a:rPr/>
-              <a:t>Speaker</a:t>
-            </a:r>
-            <a:r>
-              <a:rPr/>
-              <a:t> </a:t>
-            </a:r>
-            <a:r>
-              <a:rPr/>
-              <a:t>notes</a:t>
-            </a:r>
-            <a:r>
-              <a:rPr/>
-              <a:t> </a:t>
-            </a:r>
-            <a:r>
-              <a:rPr/>
-              <a:t>go</a:t>
-            </a:r>
-            <a:r>
-              <a:rPr/>
-              <a:t> </a:t>
-            </a:r>
-            <a:r>
-              <a:rPr/>
-              <a:t>here</a:t>
+              <a:t>Speaker notes go here</a:t>
             </a:r>
           </a:p>
         </p:txBody>
@@ -886,7 +773,7 @@
         <p:nvSpPr>
           <p:cNvPr id="4" name="Slide Number Placeholder 3"/>
           <p:cNvSpPr>
-            <a:spLocks noGrp="1"/>
+            <a:spLocks noGrp="true"/>
           </p:cNvSpPr>
           <p:nvPr>
             <p:ph type="sldNum" sz="quarter" idx="10"/>
@@ -899,7 +786,6 @@
           <a:p>
             <a:fld id="{18BDFEC3-8487-43E8-A154-7C12CBC1FFF2}" type="slidenum">
               <a:rPr lang="en-US"/>
-              <a:t>6</a:t>
             </a:fld>
             <a:endParaRPr lang="en-US"/>
           </a:p>
@@ -907,6 +793,9 @@
       </p:sp>
     </p:spTree>
   </p:cSld>
+  <p:clrMapOvr>
+    <a:masterClrMapping/>
+  </p:clrMapOvr>
 </p:notes>
 </file>
 
@@ -931,7 +820,7 @@
         <p:nvSpPr>
           <p:cNvPr id="2" name="Slide Image Placeholder 1"/>
           <p:cNvSpPr>
-            <a:spLocks noGrp="1" noRot="1" noChangeAspect="1"/>
+            <a:spLocks noGrp="true" noRot="true" noChangeAspect="true"/>
           </p:cNvSpPr>
           <p:nvPr>
             <p:ph type="sldImg"/>
@@ -943,7 +832,7 @@
         <p:nvSpPr>
           <p:cNvPr id="3" name="Notes Placeholder 2"/>
           <p:cNvSpPr>
-            <a:spLocks noGrp="1"/>
+            <a:spLocks noGrp="true"/>
           </p:cNvSpPr>
           <p:nvPr>
             <p:ph type="body" idx="1"/>
@@ -954,36 +843,11 @@
           <a:bodyPr/>
           <a:lstStyle/>
           <a:p>
-            <a:pPr lvl="0" marL="0" indent="0">
+            <a:pPr marL="0" lvl="0" indent="0">
               <a:buNone/>
             </a:pPr>
             <a:r>
-              <a:rPr/>
-              <a:t>Speaker</a:t>
-            </a:r>
-            <a:r>
-              <a:rPr/>
-              <a:t> </a:t>
-            </a:r>
-            <a:r>
-              <a:rPr/>
-              <a:t>notes</a:t>
-            </a:r>
-            <a:r>
-              <a:rPr/>
-              <a:t> </a:t>
-            </a:r>
-            <a:r>
-              <a:rPr/>
-              <a:t>go</a:t>
-            </a:r>
-            <a:r>
-              <a:rPr/>
-              <a:t> </a:t>
-            </a:r>
-            <a:r>
-              <a:rPr/>
-              <a:t>here</a:t>
+              <a:t>Speaker notes go here</a:t>
             </a:r>
           </a:p>
         </p:txBody>
@@ -992,7 +856,7 @@
         <p:nvSpPr>
           <p:cNvPr id="4" name="Slide Number Placeholder 3"/>
           <p:cNvSpPr>
-            <a:spLocks noGrp="1"/>
+            <a:spLocks noGrp="true"/>
           </p:cNvSpPr>
           <p:nvPr>
             <p:ph type="sldNum" sz="quarter" idx="10"/>
@@ -1005,7 +869,6 @@
           <a:p>
             <a:fld id="{18BDFEC3-8487-43E8-A154-7C12CBC1FFF2}" type="slidenum">
               <a:rPr lang="en-US"/>
-              <a:t>8</a:t>
             </a:fld>
             <a:endParaRPr lang="en-US"/>
           </a:p>
@@ -1013,6 +876,9 @@
       </p:sp>
     </p:spTree>
   </p:cSld>
+  <p:clrMapOvr>
+    <a:masterClrMapping/>
+  </p:clrMapOvr>
 </p:notes>
 </file>
 
@@ -1037,7 +903,7 @@
         <p:nvSpPr>
           <p:cNvPr id="2" name="Slide Image Placeholder 1"/>
           <p:cNvSpPr>
-            <a:spLocks noGrp="1" noRot="1" noChangeAspect="1"/>
+            <a:spLocks noGrp="true" noRot="true" noChangeAspect="true"/>
           </p:cNvSpPr>
           <p:nvPr>
             <p:ph type="sldImg"/>
@@ -1049,7 +915,7 @@
         <p:nvSpPr>
           <p:cNvPr id="3" name="Notes Placeholder 2"/>
           <p:cNvSpPr>
-            <a:spLocks noGrp="1"/>
+            <a:spLocks noGrp="true"/>
           </p:cNvSpPr>
           <p:nvPr>
             <p:ph type="body" idx="1"/>
@@ -1060,36 +926,11 @@
           <a:bodyPr/>
           <a:lstStyle/>
           <a:p>
-            <a:pPr lvl="0" marL="0" indent="0">
+            <a:pPr marL="0" lvl="0" indent="0">
               <a:buNone/>
             </a:pPr>
             <a:r>
-              <a:rPr/>
-              <a:t>Speaker</a:t>
-            </a:r>
-            <a:r>
-              <a:rPr/>
-              <a:t> </a:t>
-            </a:r>
-            <a:r>
-              <a:rPr/>
-              <a:t>notes</a:t>
-            </a:r>
-            <a:r>
-              <a:rPr/>
-              <a:t> </a:t>
-            </a:r>
-            <a:r>
-              <a:rPr/>
-              <a:t>go</a:t>
-            </a:r>
-            <a:r>
-              <a:rPr/>
-              <a:t> </a:t>
-            </a:r>
-            <a:r>
-              <a:rPr/>
-              <a:t>here</a:t>
+              <a:t>Speaker notes go here</a:t>
             </a:r>
           </a:p>
         </p:txBody>
@@ -1098,7 +939,7 @@
         <p:nvSpPr>
           <p:cNvPr id="4" name="Slide Number Placeholder 3"/>
           <p:cNvSpPr>
-            <a:spLocks noGrp="1"/>
+            <a:spLocks noGrp="true"/>
           </p:cNvSpPr>
           <p:nvPr>
             <p:ph type="sldNum" sz="quarter" idx="10"/>
@@ -1111,7 +952,6 @@
           <a:p>
             <a:fld id="{18BDFEC3-8487-43E8-A154-7C12CBC1FFF2}" type="slidenum">
               <a:rPr lang="en-US"/>
-              <a:t>9</a:t>
             </a:fld>
             <a:endParaRPr lang="en-US"/>
           </a:p>
@@ -1119,6 +959,9 @@
       </p:sp>
     </p:spTree>
   </p:cSld>
+  <p:clrMapOvr>
+    <a:masterClrMapping/>
+  </p:clrMapOvr>
 </p:notes>
 </file>
 
@@ -1143,7 +986,7 @@
         <p:nvSpPr>
           <p:cNvPr id="2" name="Slide Image Placeholder 1"/>
           <p:cNvSpPr>
-            <a:spLocks noGrp="1" noRot="1" noChangeAspect="1"/>
+            <a:spLocks noGrp="true" noRot="true" noChangeAspect="true"/>
           </p:cNvSpPr>
           <p:nvPr>
             <p:ph type="sldImg"/>
@@ -1155,7 +998,7 @@
         <p:nvSpPr>
           <p:cNvPr id="3" name="Notes Placeholder 2"/>
           <p:cNvSpPr>
-            <a:spLocks noGrp="1"/>
+            <a:spLocks noGrp="true"/>
           </p:cNvSpPr>
           <p:nvPr>
             <p:ph type="body" idx="1"/>
@@ -1166,36 +1009,11 @@
           <a:bodyPr/>
           <a:lstStyle/>
           <a:p>
-            <a:pPr lvl="0" marL="0" indent="0">
+            <a:pPr marL="0" lvl="0" indent="0">
               <a:buNone/>
             </a:pPr>
             <a:r>
-              <a:rPr/>
-              <a:t>Speaker</a:t>
-            </a:r>
-            <a:r>
-              <a:rPr/>
-              <a:t> </a:t>
-            </a:r>
-            <a:r>
-              <a:rPr/>
-              <a:t>notes</a:t>
-            </a:r>
-            <a:r>
-              <a:rPr/>
-              <a:t> </a:t>
-            </a:r>
-            <a:r>
-              <a:rPr/>
-              <a:t>go</a:t>
-            </a:r>
-            <a:r>
-              <a:rPr/>
-              <a:t> </a:t>
-            </a:r>
-            <a:r>
-              <a:rPr/>
-              <a:t>here</a:t>
+              <a:t>Speaker notes go here</a:t>
             </a:r>
           </a:p>
         </p:txBody>
@@ -1204,7 +1022,7 @@
         <p:nvSpPr>
           <p:cNvPr id="4" name="Slide Number Placeholder 3"/>
           <p:cNvSpPr>
-            <a:spLocks noGrp="1"/>
+            <a:spLocks noGrp="true"/>
           </p:cNvSpPr>
           <p:nvPr>
             <p:ph type="sldNum" sz="quarter" idx="10"/>
@@ -1217,7 +1035,6 @@
           <a:p>
             <a:fld id="{18BDFEC3-8487-43E8-A154-7C12CBC1FFF2}" type="slidenum">
               <a:rPr lang="en-US"/>
-              <a:t>10</a:t>
             </a:fld>
             <a:endParaRPr lang="en-US"/>
           </a:p>
@@ -1225,12 +1042,20 @@
       </p:sp>
     </p:spTree>
   </p:cSld>
+  <p:clrMapOvr>
+    <a:masterClrMapping/>
+  </p:clrMapOvr>
 </p:notes>
 </file>
 
 <file path=ppt/slideLayouts/slideLayout1.xml><?xml version="1.0" encoding="utf-8"?>
-<p:sldLayout xmlns:a="http://schemas.openxmlformats.org/drawingml/2006/main" xmlns:r="http://schemas.openxmlformats.org/officeDocument/2006/relationships" xmlns:p="http://schemas.openxmlformats.org/presentationml/2006/main" type="title" preserve="1">
-  <p:cSld name="Title Slide">
+<p:sldLayout xmlns:a="http://schemas.openxmlformats.org/drawingml/2006/main" xmlns:r="http://schemas.openxmlformats.org/officeDocument/2006/relationships" xmlns:p="http://schemas.openxmlformats.org/presentationml/2006/main" type="title" preserve="1" showMasterSp="0">
+  <p:cSld name="标题幻灯片">
+    <p:bg>
+      <p:bgRef idx="1001">
+        <a:schemeClr val="bg2"/>
+      </p:bgRef>
+    </p:bg>
     <p:spTree>
       <p:nvGrpSpPr>
         <p:cNvPr id="1" name=""/>
@@ -1247,37 +1072,183 @@
       </p:grpSpPr>
       <p:sp>
         <p:nvSpPr>
-          <p:cNvPr id="2" name="Title 1"/>
-          <p:cNvSpPr>
-            <a:spLocks noGrp="1"/>
-          </p:cNvSpPr>
-          <p:nvPr>
-            <p:ph type="ctrTitle"/>
-          </p:nvPr>
+          <p:cNvPr id="7" name="矩形 6"/>
+          <p:cNvSpPr/>
+          <p:nvPr/>
+        </p:nvSpPr>
+        <p:spPr bwMode="white">
+          <a:xfrm>
+            <a:off x="0" y="5971032"/>
+            <a:ext cx="9144000" cy="886968"/>
+          </a:xfrm>
+          <a:prstGeom prst="rect">
+            <a:avLst/>
+          </a:prstGeom>
+          <a:solidFill>
+            <a:srgbClr val="FFFFFF"/>
+          </a:solidFill>
+          <a:ln w="50800" cap="rnd" cmpd="dbl" algn="ctr">
+            <a:noFill/>
+            <a:prstDash val="solid"/>
+          </a:ln>
+          <a:effectLst/>
+        </p:spPr>
+        <p:style>
+          <a:lnRef idx="3">
+            <a:schemeClr val="lt1"/>
+          </a:lnRef>
+          <a:fillRef idx="1">
+            <a:schemeClr val="accent1"/>
+          </a:fillRef>
+          <a:effectRef idx="1">
+            <a:schemeClr val="accent1"/>
+          </a:effectRef>
+          <a:fontRef idx="minor">
+            <a:schemeClr val="lt1"/>
+          </a:fontRef>
+        </p:style>
+        <p:txBody>
+          <a:bodyPr anchor="ctr"/>
+          <a:lstStyle/>
+          <a:p>
+            <a:pPr algn="ctr" eaLnBrk="1" latinLnBrk="0" hangingPunct="1"/>
+            <a:endParaRPr kumimoji="0" lang="en-US"/>
+          </a:p>
+        </p:txBody>
+      </p:sp>
+      <p:sp>
+        <p:nvSpPr>
+          <p:cNvPr id="10" name="矩形 9"/>
+          <p:cNvSpPr/>
+          <p:nvPr/>
         </p:nvSpPr>
         <p:spPr>
           <a:xfrm>
-            <a:off x="685800" y="2130425"/>
-            <a:ext cx="7772400" cy="1470025"/>
+            <a:off x="-9144" y="6053328"/>
+            <a:ext cx="2249424" cy="713232"/>
+          </a:xfrm>
+          <a:prstGeom prst="rect">
+            <a:avLst/>
+          </a:prstGeom>
+          <a:solidFill>
+            <a:schemeClr val="accent2">
+              <a:alpha val="100000"/>
+            </a:schemeClr>
+          </a:solidFill>
+          <a:ln w="50800" cap="rnd" cmpd="dbl" algn="ctr">
+            <a:noFill/>
+            <a:prstDash val="solid"/>
+          </a:ln>
+          <a:effectLst/>
+        </p:spPr>
+        <p:style>
+          <a:lnRef idx="3">
+            <a:schemeClr val="lt1"/>
+          </a:lnRef>
+          <a:fillRef idx="1">
+            <a:schemeClr val="accent1"/>
+          </a:fillRef>
+          <a:effectRef idx="1">
+            <a:schemeClr val="accent1"/>
+          </a:effectRef>
+          <a:fontRef idx="minor">
+            <a:schemeClr val="lt1"/>
+          </a:fontRef>
+        </p:style>
+        <p:txBody>
+          <a:bodyPr anchor="ctr"/>
+          <a:lstStyle/>
+          <a:p>
+            <a:pPr algn="ctr" eaLnBrk="1" latinLnBrk="0" hangingPunct="1"/>
+            <a:endParaRPr kumimoji="0" lang="en-US"/>
+          </a:p>
+        </p:txBody>
+      </p:sp>
+      <p:sp>
+        <p:nvSpPr>
+          <p:cNvPr id="11" name="矩形 10"/>
+          <p:cNvSpPr/>
+          <p:nvPr/>
+        </p:nvSpPr>
+        <p:spPr>
+          <a:xfrm>
+            <a:off x="2359152" y="6044184"/>
+            <a:ext cx="6784848" cy="713232"/>
+          </a:xfrm>
+          <a:prstGeom prst="rect">
+            <a:avLst/>
+          </a:prstGeom>
+          <a:solidFill>
+            <a:schemeClr val="accent1">
+              <a:alpha val="100000"/>
+            </a:schemeClr>
+          </a:solidFill>
+          <a:ln w="50800" cap="rnd" cmpd="dbl" algn="ctr">
+            <a:noFill/>
+            <a:prstDash val="solid"/>
+          </a:ln>
+          <a:effectLst/>
+        </p:spPr>
+        <p:style>
+          <a:lnRef idx="3">
+            <a:schemeClr val="lt1"/>
+          </a:lnRef>
+          <a:fillRef idx="1">
+            <a:schemeClr val="accent1"/>
+          </a:fillRef>
+          <a:effectRef idx="1">
+            <a:schemeClr val="accent1"/>
+          </a:effectRef>
+          <a:fontRef idx="minor">
+            <a:schemeClr val="lt1"/>
+          </a:fontRef>
+        </p:style>
+        <p:txBody>
+          <a:bodyPr anchor="ctr"/>
+          <a:lstStyle/>
+          <a:p>
+            <a:pPr algn="ctr" eaLnBrk="1" latinLnBrk="0" hangingPunct="1"/>
+            <a:endParaRPr kumimoji="0" lang="en-US"/>
+          </a:p>
+        </p:txBody>
+      </p:sp>
+      <p:sp>
+        <p:nvSpPr>
+          <p:cNvPr id="8" name="标题 7"/>
+          <p:cNvSpPr>
+            <a:spLocks noGrp="true"/>
+          </p:cNvSpPr>
+          <p:nvPr>
+            <p:ph type="ctrTitle"/>
+          </p:nvPr>
+        </p:nvSpPr>
+        <p:spPr>
+          <a:xfrm>
+            <a:off x="2362200" y="4038600"/>
+            <a:ext cx="6477000" cy="1828800"/>
           </a:xfrm>
         </p:spPr>
         <p:txBody>
-          <a:bodyPr/>
-          <a:lstStyle/>
-          <a:p>
-            <a:r>
-              <a:rPr lang="en-US" smtClean="0"/>
-              <a:t>Click to edit Master title style</a:t>
-            </a:r>
-            <a:endParaRPr lang="en-US"/>
-          </a:p>
-        </p:txBody>
-      </p:sp>
-      <p:sp>
-        <p:nvSpPr>
-          <p:cNvPr id="3" name="Subtitle 2"/>
-          <p:cNvSpPr>
-            <a:spLocks noGrp="1"/>
+          <a:bodyPr anchor="b"/>
+          <a:lstStyle>
+            <a:lvl1pPr>
+              <a:defRPr cap="all" baseline="0"/>
+            </a:lvl1pPr>
+          </a:lstStyle>
+          <a:p>
+            <a:r>
+              <a:rPr kumimoji="0" lang="zh-CN" altLang="en-US" smtClean="0"/>
+              <a:t>单击此处编辑母版标题样式</a:t>
+            </a:r>
+            <a:endParaRPr kumimoji="0" lang="en-US"/>
+          </a:p>
+        </p:txBody>
+      </p:sp>
+      <p:sp>
+        <p:nvSpPr>
+          <p:cNvPr id="9" name="副标题 8"/>
+          <p:cNvSpPr>
+            <a:spLocks noGrp="true"/>
           </p:cNvSpPr>
           <p:nvPr>
             <p:ph type="subTitle" idx="1"/>
@@ -1285,194 +1256,173 @@
         </p:nvSpPr>
         <p:spPr>
           <a:xfrm>
-            <a:off x="1371600" y="3886200"/>
-            <a:ext cx="6400800" cy="1752600"/>
+            <a:off x="2362200" y="6050037"/>
+            <a:ext cx="6705600" cy="685800"/>
           </a:xfrm>
         </p:spPr>
         <p:txBody>
-          <a:bodyPr/>
+          <a:bodyPr anchor="ctr">
+            <a:normAutofit/>
+          </a:bodyPr>
           <a:lstStyle>
-            <a:lvl1pPr marL="0" indent="0" algn="ctr">
+            <a:lvl1pPr marL="0" indent="0" algn="l">
               <a:buNone/>
-              <a:defRPr>
+              <a:defRPr sz="1600" baseline="0">
                 <a:solidFill>
-                  <a:schemeClr val="tx1">
-                    <a:tint val="75000"/>
-                  </a:schemeClr>
+                  <a:srgbClr val="FFFFFF"/>
                 </a:solidFill>
               </a:defRPr>
             </a:lvl1pPr>
             <a:lvl2pPr marL="457200" indent="0" algn="ctr">
               <a:buNone/>
-              <a:defRPr>
-                <a:solidFill>
-                  <a:schemeClr val="tx1">
-                    <a:tint val="75000"/>
-                  </a:schemeClr>
-                </a:solidFill>
-              </a:defRPr>
             </a:lvl2pPr>
             <a:lvl3pPr marL="914400" indent="0" algn="ctr">
               <a:buNone/>
-              <a:defRPr>
-                <a:solidFill>
-                  <a:schemeClr val="tx1">
-                    <a:tint val="75000"/>
-                  </a:schemeClr>
-                </a:solidFill>
-              </a:defRPr>
             </a:lvl3pPr>
             <a:lvl4pPr marL="1371600" indent="0" algn="ctr">
               <a:buNone/>
-              <a:defRPr>
-                <a:solidFill>
-                  <a:schemeClr val="tx1">
-                    <a:tint val="75000"/>
-                  </a:schemeClr>
-                </a:solidFill>
-              </a:defRPr>
             </a:lvl4pPr>
             <a:lvl5pPr marL="1828800" indent="0" algn="ctr">
               <a:buNone/>
-              <a:defRPr>
-                <a:solidFill>
-                  <a:schemeClr val="tx1">
-                    <a:tint val="75000"/>
-                  </a:schemeClr>
-                </a:solidFill>
-              </a:defRPr>
             </a:lvl5pPr>
             <a:lvl6pPr marL="2286000" indent="0" algn="ctr">
               <a:buNone/>
-              <a:defRPr>
-                <a:solidFill>
-                  <a:schemeClr val="tx1">
-                    <a:tint val="75000"/>
-                  </a:schemeClr>
-                </a:solidFill>
-              </a:defRPr>
             </a:lvl6pPr>
             <a:lvl7pPr marL="2743200" indent="0" algn="ctr">
               <a:buNone/>
-              <a:defRPr>
-                <a:solidFill>
-                  <a:schemeClr val="tx1">
-                    <a:tint val="75000"/>
-                  </a:schemeClr>
-                </a:solidFill>
-              </a:defRPr>
             </a:lvl7pPr>
             <a:lvl8pPr marL="3200400" indent="0" algn="ctr">
               <a:buNone/>
-              <a:defRPr>
-                <a:solidFill>
-                  <a:schemeClr val="tx1">
-                    <a:tint val="75000"/>
-                  </a:schemeClr>
-                </a:solidFill>
-              </a:defRPr>
             </a:lvl8pPr>
             <a:lvl9pPr marL="3657600" indent="0" algn="ctr">
               <a:buNone/>
+            </a:lvl9pPr>
+          </a:lstStyle>
+          <a:p>
+            <a:r>
+              <a:rPr kumimoji="0" lang="zh-CN" altLang="en-US" dirty="0" smtClean="0"/>
+              <a:t>单击此处编辑母版副标题样式</a:t>
+            </a:r>
+            <a:endParaRPr kumimoji="0" lang="en-US" dirty="0"/>
+          </a:p>
+        </p:txBody>
+      </p:sp>
+      <p:sp>
+        <p:nvSpPr>
+          <p:cNvPr id="28" name="日期占位符 27"/>
+          <p:cNvSpPr>
+            <a:spLocks noGrp="true"/>
+          </p:cNvSpPr>
+          <p:nvPr>
+            <p:ph type="dt" sz="half" idx="10"/>
+          </p:nvPr>
+        </p:nvSpPr>
+        <p:spPr>
+          <a:xfrm>
+            <a:off x="76200" y="6068699"/>
+            <a:ext cx="2057400" cy="685800"/>
+          </a:xfrm>
+        </p:spPr>
+        <p:txBody>
+          <a:bodyPr>
+            <a:noAutofit/>
+          </a:bodyPr>
+          <a:lstStyle>
+            <a:lvl1pPr algn="ctr">
+              <a:defRPr sz="2000">
+                <a:solidFill>
+                  <a:srgbClr val="FFFFFF"/>
+                </a:solidFill>
+              </a:defRPr>
+            </a:lvl1pPr>
+          </a:lstStyle>
+          <a:p>
+            <a:fld id="{241EB5C9-1307-BA42-ABA2-0BC069CD8E7F}" type="datetimeFigureOut">
+              <a:rPr lang="en-US" smtClean="0"/>
+            </a:fld>
+            <a:endParaRPr lang="en-US"/>
+          </a:p>
+        </p:txBody>
+      </p:sp>
+      <p:sp>
+        <p:nvSpPr>
+          <p:cNvPr id="17" name="页脚占位符 16"/>
+          <p:cNvSpPr>
+            <a:spLocks noGrp="true"/>
+          </p:cNvSpPr>
+          <p:nvPr>
+            <p:ph type="ftr" sz="quarter" idx="11"/>
+          </p:nvPr>
+        </p:nvSpPr>
+        <p:spPr>
+          <a:xfrm>
+            <a:off x="2085393" y="236538"/>
+            <a:ext cx="5867400" cy="365125"/>
+          </a:xfrm>
+        </p:spPr>
+        <p:txBody>
+          <a:bodyPr/>
+          <a:lstStyle>
+            <a:lvl1pPr algn="r">
               <a:defRPr>
                 <a:solidFill>
-                  <a:schemeClr val="tx1">
-                    <a:tint val="75000"/>
-                  </a:schemeClr>
+                  <a:schemeClr val="tx2"/>
                 </a:solidFill>
               </a:defRPr>
-            </a:lvl9pPr>
+            </a:lvl1pPr>
           </a:lstStyle>
           <a:p>
-            <a:r>
+            <a:endParaRPr lang="en-US"/>
+          </a:p>
+        </p:txBody>
+      </p:sp>
+      <p:sp>
+        <p:nvSpPr>
+          <p:cNvPr id="29" name="灯片编号占位符 28"/>
+          <p:cNvSpPr>
+            <a:spLocks noGrp="true"/>
+          </p:cNvSpPr>
+          <p:nvPr>
+            <p:ph type="sldNum" sz="quarter" idx="12"/>
+          </p:nvPr>
+        </p:nvSpPr>
+        <p:spPr>
+          <a:xfrm>
+            <a:off x="8001000" y="228600"/>
+            <a:ext cx="838200" cy="381000"/>
+          </a:xfrm>
+        </p:spPr>
+        <p:txBody>
+          <a:bodyPr/>
+          <a:lstStyle>
+            <a:lvl1pPr>
+              <a:defRPr>
+                <a:solidFill>
+                  <a:schemeClr val="tx2"/>
+                </a:solidFill>
+              </a:defRPr>
+            </a:lvl1pPr>
+          </a:lstStyle>
+          <a:p>
+            <a:fld id="{C5EF2332-01BF-834F-8236-50238282D533}" type="slidenum">
               <a:rPr lang="en-US" smtClean="0"/>
-              <a:t>Click to edit Master subtitle style</a:t>
-            </a:r>
-            <a:endParaRPr lang="en-US"/>
-          </a:p>
-        </p:txBody>
-      </p:sp>
-      <p:sp>
-        <p:nvSpPr>
-          <p:cNvPr id="4" name="Date Placeholder 3"/>
-          <p:cNvSpPr>
-            <a:spLocks noGrp="1"/>
-          </p:cNvSpPr>
-          <p:nvPr>
-            <p:ph type="dt" sz="half" idx="10"/>
-          </p:nvPr>
-        </p:nvSpPr>
-        <p:spPr/>
-        <p:txBody>
-          <a:bodyPr/>
-          <a:lstStyle/>
-          <a:p>
-            <a:fld id="{241EB5C9-1307-BA42-ABA2-0BC069CD8E7F}" type="datetimeFigureOut">
-              <a:rPr lang="en-US" smtClean="0"/>
-              <a:t>4/5/2019</a:t>
             </a:fld>
             <a:endParaRPr lang="en-US"/>
           </a:p>
         </p:txBody>
       </p:sp>
-      <p:sp>
-        <p:nvSpPr>
-          <p:cNvPr id="5" name="Footer Placeholder 4"/>
-          <p:cNvSpPr>
-            <a:spLocks noGrp="1"/>
-          </p:cNvSpPr>
-          <p:nvPr>
-            <p:ph type="ftr" sz="quarter" idx="11"/>
-          </p:nvPr>
-        </p:nvSpPr>
-        <p:spPr/>
-        <p:txBody>
-          <a:bodyPr/>
-          <a:lstStyle/>
-          <a:p>
-            <a:endParaRPr lang="en-US"/>
-          </a:p>
-        </p:txBody>
-      </p:sp>
-      <p:sp>
-        <p:nvSpPr>
-          <p:cNvPr id="6" name="Slide Number Placeholder 5"/>
-          <p:cNvSpPr>
-            <a:spLocks noGrp="1"/>
-          </p:cNvSpPr>
-          <p:nvPr>
-            <p:ph type="sldNum" sz="quarter" idx="12"/>
-          </p:nvPr>
-        </p:nvSpPr>
-        <p:spPr/>
-        <p:txBody>
-          <a:bodyPr/>
-          <a:lstStyle/>
-          <a:p>
-            <a:fld id="{C5EF2332-01BF-834F-8236-50238282D533}" type="slidenum">
-              <a:rPr lang="en-US" smtClean="0"/>
-              <a:t>‹#›</a:t>
-            </a:fld>
-            <a:endParaRPr lang="en-US"/>
-          </a:p>
-        </p:txBody>
-      </p:sp>
     </p:spTree>
-    <p:extLst>
-      <p:ext uri="{BB962C8B-B14F-4D97-AF65-F5344CB8AC3E}">
-        <p14:creationId xmlns:p14="http://schemas.microsoft.com/office/powerpoint/2010/main" val="1444357513"/>
-      </p:ext>
-    </p:extLst>
   </p:cSld>
   <p:clrMapOvr>
-    <a:masterClrMapping/>
+    <a:overrideClrMapping bg1="dk1" tx1="lt1" bg2="dk2" tx2="lt2" accent1="accent1" accent2="accent2" accent3="accent3" accent4="accent4" accent5="accent5" accent6="accent6" hlink="hlink" folHlink="folHlink"/>
   </p:clrMapOvr>
+  <p:hf sldNum="0" hdr="0" ftr="0" dt="0"/>
 </p:sldLayout>
 </file>
 
 <file path=ppt/slideLayouts/slideLayout10.xml><?xml version="1.0" encoding="utf-8"?>
 <p:sldLayout xmlns:a="http://schemas.openxmlformats.org/drawingml/2006/main" xmlns:r="http://schemas.openxmlformats.org/officeDocument/2006/relationships" xmlns:p="http://schemas.openxmlformats.org/presentationml/2006/main" type="vertTx" preserve="1">
-  <p:cSld name="Title and Vertical Text">
+  <p:cSld name="标题和竖排文字">
     <p:spTree>
       <p:nvGrpSpPr>
         <p:cNvPr id="1" name=""/>
@@ -1489,9 +1439,9 @@
       </p:grpSpPr>
       <p:sp>
         <p:nvSpPr>
-          <p:cNvPr id="2" name="Title 1"/>
-          <p:cNvSpPr>
-            <a:spLocks noGrp="1"/>
+          <p:cNvPr id="2" name="标题 1"/>
+          <p:cNvSpPr>
+            <a:spLocks noGrp="true"/>
           </p:cNvSpPr>
           <p:nvPr>
             <p:ph type="title"/>
@@ -1503,18 +1453,18 @@
           <a:lstStyle/>
           <a:p>
             <a:r>
-              <a:rPr lang="en-US" smtClean="0"/>
-              <a:t>Click to edit Master title style</a:t>
-            </a:r>
-            <a:endParaRPr lang="en-US"/>
-          </a:p>
-        </p:txBody>
-      </p:sp>
-      <p:sp>
-        <p:nvSpPr>
-          <p:cNvPr id="3" name="Vertical Text Placeholder 2"/>
-          <p:cNvSpPr>
-            <a:spLocks noGrp="1"/>
+              <a:rPr kumimoji="0" lang="zh-CN" altLang="en-US" smtClean="0"/>
+              <a:t>单击此处编辑母版标题样式</a:t>
+            </a:r>
+            <a:endParaRPr kumimoji="0" lang="en-US"/>
+          </a:p>
+        </p:txBody>
+      </p:sp>
+      <p:sp>
+        <p:nvSpPr>
+          <p:cNvPr id="3" name="竖排文字占位符 2"/>
+          <p:cNvSpPr>
+            <a:spLocks noGrp="true"/>
           </p:cNvSpPr>
           <p:nvPr>
             <p:ph type="body" orient="vert" idx="1"/>
@@ -1525,48 +1475,52 @@
           <a:bodyPr vert="eaVert"/>
           <a:lstStyle/>
           <a:p>
-            <a:pPr lvl="0"/>
-            <a:r>
-              <a:rPr lang="en-US" smtClean="0"/>
-              <a:t>Click to edit Master text styles</a:t>
-            </a:r>
-          </a:p>
-          <a:p>
-            <a:pPr lvl="1"/>
-            <a:r>
-              <a:rPr lang="en-US" smtClean="0"/>
-              <a:t>Second level</a:t>
-            </a:r>
-          </a:p>
-          <a:p>
-            <a:pPr lvl="2"/>
-            <a:r>
-              <a:rPr lang="en-US" smtClean="0"/>
-              <a:t>Third level</a:t>
-            </a:r>
-          </a:p>
-          <a:p>
-            <a:pPr lvl="3"/>
-            <a:r>
-              <a:rPr lang="en-US" smtClean="0"/>
-              <a:t>Fourth level</a:t>
-            </a:r>
-          </a:p>
-          <a:p>
-            <a:pPr lvl="4"/>
-            <a:r>
-              <a:rPr lang="en-US" smtClean="0"/>
-              <a:t>Fifth level</a:t>
-            </a:r>
-            <a:endParaRPr lang="en-US"/>
-          </a:p>
-        </p:txBody>
-      </p:sp>
-      <p:sp>
-        <p:nvSpPr>
-          <p:cNvPr id="4" name="Date Placeholder 3"/>
-          <p:cNvSpPr>
-            <a:spLocks noGrp="1"/>
+            <a:pPr lvl="0" eaLnBrk="1" latinLnBrk="0" hangingPunct="1"/>
+            <a:r>
+              <a:rPr lang="zh-CN" altLang="en-US" smtClean="0"/>
+              <a:t>单击此处编辑母版文本样式</a:t>
+            </a:r>
+            <a:endParaRPr lang="zh-CN" altLang="en-US" smtClean="0"/>
+          </a:p>
+          <a:p>
+            <a:pPr lvl="1" eaLnBrk="1" latinLnBrk="0" hangingPunct="1"/>
+            <a:r>
+              <a:rPr lang="zh-CN" altLang="en-US" smtClean="0"/>
+              <a:t>第二级</a:t>
+            </a:r>
+            <a:endParaRPr lang="zh-CN" altLang="en-US" smtClean="0"/>
+          </a:p>
+          <a:p>
+            <a:pPr lvl="2" eaLnBrk="1" latinLnBrk="0" hangingPunct="1"/>
+            <a:r>
+              <a:rPr lang="zh-CN" altLang="en-US" smtClean="0"/>
+              <a:t>第三级</a:t>
+            </a:r>
+            <a:endParaRPr lang="zh-CN" altLang="en-US" smtClean="0"/>
+          </a:p>
+          <a:p>
+            <a:pPr lvl="3" eaLnBrk="1" latinLnBrk="0" hangingPunct="1"/>
+            <a:r>
+              <a:rPr lang="zh-CN" altLang="en-US" smtClean="0"/>
+              <a:t>第四级</a:t>
+            </a:r>
+            <a:endParaRPr lang="zh-CN" altLang="en-US" smtClean="0"/>
+          </a:p>
+          <a:p>
+            <a:pPr lvl="4" eaLnBrk="1" latinLnBrk="0" hangingPunct="1"/>
+            <a:r>
+              <a:rPr lang="zh-CN" altLang="en-US" smtClean="0"/>
+              <a:t>第五级</a:t>
+            </a:r>
+            <a:endParaRPr kumimoji="0" lang="en-US"/>
+          </a:p>
+        </p:txBody>
+      </p:sp>
+      <p:sp>
+        <p:nvSpPr>
+          <p:cNvPr id="4" name="日期占位符 3"/>
+          <p:cNvSpPr>
+            <a:spLocks noGrp="true"/>
           </p:cNvSpPr>
           <p:nvPr>
             <p:ph type="dt" sz="half" idx="10"/>
@@ -1579,7 +1533,6 @@
           <a:p>
             <a:fld id="{241EB5C9-1307-BA42-ABA2-0BC069CD8E7F}" type="datetimeFigureOut">
               <a:rPr lang="en-US" smtClean="0"/>
-              <a:t>4/5/2019</a:t>
             </a:fld>
             <a:endParaRPr lang="en-US"/>
           </a:p>
@@ -1587,9 +1540,9 @@
       </p:sp>
       <p:sp>
         <p:nvSpPr>
-          <p:cNvPr id="5" name="Footer Placeholder 4"/>
-          <p:cNvSpPr>
-            <a:spLocks noGrp="1"/>
+          <p:cNvPr id="5" name="页脚占位符 4"/>
+          <p:cNvSpPr>
+            <a:spLocks noGrp="true"/>
           </p:cNvSpPr>
           <p:nvPr>
             <p:ph type="ftr" sz="quarter" idx="11"/>
@@ -1606,9 +1559,9 @@
       </p:sp>
       <p:sp>
         <p:nvSpPr>
-          <p:cNvPr id="6" name="Slide Number Placeholder 5"/>
-          <p:cNvSpPr>
-            <a:spLocks noGrp="1"/>
+          <p:cNvPr id="6" name="灯片编号占位符 5"/>
+          <p:cNvSpPr>
+            <a:spLocks noGrp="true"/>
           </p:cNvSpPr>
           <p:nvPr>
             <p:ph type="sldNum" sz="quarter" idx="12"/>
@@ -1621,28 +1574,28 @@
           <a:p>
             <a:fld id="{C5EF2332-01BF-834F-8236-50238282D533}" type="slidenum">
               <a:rPr lang="en-US" smtClean="0"/>
-              <a:t>‹#›</a:t>
             </a:fld>
             <a:endParaRPr lang="en-US"/>
           </a:p>
         </p:txBody>
       </p:sp>
     </p:spTree>
-    <p:extLst>
-      <p:ext uri="{BB962C8B-B14F-4D97-AF65-F5344CB8AC3E}">
-        <p14:creationId xmlns:p14="http://schemas.microsoft.com/office/powerpoint/2010/main" val="313914798"/>
-      </p:ext>
-    </p:extLst>
   </p:cSld>
   <p:clrMapOvr>
     <a:masterClrMapping/>
   </p:clrMapOvr>
+  <p:hf sldNum="0" hdr="0" ftr="0" dt="0"/>
 </p:sldLayout>
 </file>
 
 <file path=ppt/slideLayouts/slideLayout11.xml><?xml version="1.0" encoding="utf-8"?>
-<p:sldLayout xmlns:a="http://schemas.openxmlformats.org/drawingml/2006/main" xmlns:r="http://schemas.openxmlformats.org/officeDocument/2006/relationships" xmlns:p="http://schemas.openxmlformats.org/presentationml/2006/main" type="vertTitleAndTx" preserve="1">
-  <p:cSld name="Vertical Title and Text">
+<p:sldLayout xmlns:a="http://schemas.openxmlformats.org/drawingml/2006/main" xmlns:r="http://schemas.openxmlformats.org/officeDocument/2006/relationships" xmlns:p="http://schemas.openxmlformats.org/presentationml/2006/main" type="vertTitleAndTx" preserve="1" showMasterSp="0">
+  <p:cSld name="垂直排列标题与文本">
+    <p:bg>
+      <p:bgRef idx="1001">
+        <a:schemeClr val="bg1"/>
+      </p:bgRef>
+    </p:bg>
     <p:spTree>
       <p:nvGrpSpPr>
         <p:cNvPr id="1" name=""/>
@@ -1659,9 +1612,9 @@
       </p:grpSpPr>
       <p:sp>
         <p:nvSpPr>
-          <p:cNvPr id="2" name="Vertical Title 1"/>
-          <p:cNvSpPr>
-            <a:spLocks noGrp="1"/>
+          <p:cNvPr id="2" name="竖排标题 1"/>
+          <p:cNvSpPr>
+            <a:spLocks noGrp="true"/>
           </p:cNvSpPr>
           <p:nvPr>
             <p:ph type="title" orient="vert"/>
@@ -1669,8 +1622,8 @@
         </p:nvSpPr>
         <p:spPr>
           <a:xfrm>
-            <a:off x="6629400" y="274638"/>
-            <a:ext cx="2057400" cy="5851525"/>
+            <a:off x="6553200" y="609600"/>
+            <a:ext cx="2057400" cy="5516563"/>
           </a:xfrm>
         </p:spPr>
         <p:txBody>
@@ -1678,18 +1631,18 @@
           <a:lstStyle/>
           <a:p>
             <a:r>
-              <a:rPr lang="en-US" smtClean="0"/>
-              <a:t>Click to edit Master title style</a:t>
-            </a:r>
-            <a:endParaRPr lang="en-US"/>
-          </a:p>
-        </p:txBody>
-      </p:sp>
-      <p:sp>
-        <p:nvSpPr>
-          <p:cNvPr id="3" name="Vertical Text Placeholder 2"/>
-          <p:cNvSpPr>
-            <a:spLocks noGrp="1"/>
+              <a:rPr kumimoji="0" lang="zh-CN" altLang="en-US" smtClean="0"/>
+              <a:t>单击此处编辑母版标题样式</a:t>
+            </a:r>
+            <a:endParaRPr kumimoji="0" lang="en-US"/>
+          </a:p>
+        </p:txBody>
+      </p:sp>
+      <p:sp>
+        <p:nvSpPr>
+          <p:cNvPr id="3" name="竖排文字占位符 2"/>
+          <p:cNvSpPr>
+            <a:spLocks noGrp="true"/>
           </p:cNvSpPr>
           <p:nvPr>
             <p:ph type="body" orient="vert" idx="1"/>
@@ -1697,69 +1650,77 @@
         </p:nvSpPr>
         <p:spPr>
           <a:xfrm>
-            <a:off x="457200" y="274638"/>
-            <a:ext cx="6019800" cy="5851525"/>
+            <a:off x="457200" y="609600"/>
+            <a:ext cx="5562600" cy="5516564"/>
           </a:xfrm>
         </p:spPr>
         <p:txBody>
           <a:bodyPr vert="eaVert"/>
           <a:lstStyle/>
           <a:p>
-            <a:pPr lvl="0"/>
-            <a:r>
-              <a:rPr lang="en-US" smtClean="0"/>
-              <a:t>Click to edit Master text styles</a:t>
-            </a:r>
-          </a:p>
-          <a:p>
-            <a:pPr lvl="1"/>
-            <a:r>
-              <a:rPr lang="en-US" smtClean="0"/>
-              <a:t>Second level</a:t>
-            </a:r>
-          </a:p>
-          <a:p>
-            <a:pPr lvl="2"/>
-            <a:r>
-              <a:rPr lang="en-US" smtClean="0"/>
-              <a:t>Third level</a:t>
-            </a:r>
-          </a:p>
-          <a:p>
-            <a:pPr lvl="3"/>
-            <a:r>
-              <a:rPr lang="en-US" smtClean="0"/>
-              <a:t>Fourth level</a:t>
-            </a:r>
-          </a:p>
-          <a:p>
-            <a:pPr lvl="4"/>
-            <a:r>
-              <a:rPr lang="en-US" smtClean="0"/>
-              <a:t>Fifth level</a:t>
-            </a:r>
-            <a:endParaRPr lang="en-US"/>
-          </a:p>
-        </p:txBody>
-      </p:sp>
-      <p:sp>
-        <p:nvSpPr>
-          <p:cNvPr id="4" name="Date Placeholder 3"/>
-          <p:cNvSpPr>
-            <a:spLocks noGrp="1"/>
+            <a:pPr lvl="0" eaLnBrk="1" latinLnBrk="0" hangingPunct="1"/>
+            <a:r>
+              <a:rPr lang="zh-CN" altLang="en-US" smtClean="0"/>
+              <a:t>单击此处编辑母版文本样式</a:t>
+            </a:r>
+            <a:endParaRPr lang="zh-CN" altLang="en-US" smtClean="0"/>
+          </a:p>
+          <a:p>
+            <a:pPr lvl="1" eaLnBrk="1" latinLnBrk="0" hangingPunct="1"/>
+            <a:r>
+              <a:rPr lang="zh-CN" altLang="en-US" smtClean="0"/>
+              <a:t>第二级</a:t>
+            </a:r>
+            <a:endParaRPr lang="zh-CN" altLang="en-US" smtClean="0"/>
+          </a:p>
+          <a:p>
+            <a:pPr lvl="2" eaLnBrk="1" latinLnBrk="0" hangingPunct="1"/>
+            <a:r>
+              <a:rPr lang="zh-CN" altLang="en-US" smtClean="0"/>
+              <a:t>第三级</a:t>
+            </a:r>
+            <a:endParaRPr lang="zh-CN" altLang="en-US" smtClean="0"/>
+          </a:p>
+          <a:p>
+            <a:pPr lvl="3" eaLnBrk="1" latinLnBrk="0" hangingPunct="1"/>
+            <a:r>
+              <a:rPr lang="zh-CN" altLang="en-US" smtClean="0"/>
+              <a:t>第四级</a:t>
+            </a:r>
+            <a:endParaRPr lang="zh-CN" altLang="en-US" smtClean="0"/>
+          </a:p>
+          <a:p>
+            <a:pPr lvl="4" eaLnBrk="1" latinLnBrk="0" hangingPunct="1"/>
+            <a:r>
+              <a:rPr lang="zh-CN" altLang="en-US" smtClean="0"/>
+              <a:t>第五级</a:t>
+            </a:r>
+            <a:endParaRPr kumimoji="0" lang="en-US"/>
+          </a:p>
+        </p:txBody>
+      </p:sp>
+      <p:sp>
+        <p:nvSpPr>
+          <p:cNvPr id="4" name="日期占位符 3"/>
+          <p:cNvSpPr>
+            <a:spLocks noGrp="true"/>
           </p:cNvSpPr>
           <p:nvPr>
             <p:ph type="dt" sz="half" idx="10"/>
           </p:nvPr>
         </p:nvSpPr>
-        <p:spPr/>
+        <p:spPr>
+          <a:xfrm>
+            <a:off x="6553200" y="6248402"/>
+            <a:ext cx="2209800" cy="365125"/>
+          </a:xfrm>
+        </p:spPr>
         <p:txBody>
           <a:bodyPr/>
           <a:lstStyle/>
           <a:p>
             <a:fld id="{241EB5C9-1307-BA42-ABA2-0BC069CD8E7F}" type="datetimeFigureOut">
               <a:rPr lang="en-US" smtClean="0"/>
-              <a:t>4/5/2019</a:t>
             </a:fld>
             <a:endParaRPr lang="en-US"/>
           </a:p>
@@ -1767,15 +1728,20 @@
       </p:sp>
       <p:sp>
         <p:nvSpPr>
-          <p:cNvPr id="5" name="Footer Placeholder 4"/>
-          <p:cNvSpPr>
-            <a:spLocks noGrp="1"/>
+          <p:cNvPr id="5" name="页脚占位符 4"/>
+          <p:cNvSpPr>
+            <a:spLocks noGrp="true"/>
           </p:cNvSpPr>
           <p:nvPr>
             <p:ph type="ftr" sz="quarter" idx="11"/>
           </p:nvPr>
         </p:nvSpPr>
-        <p:spPr/>
+        <p:spPr>
+          <a:xfrm>
+            <a:off x="457201" y="6248207"/>
+            <a:ext cx="5573483" cy="365125"/>
+          </a:xfrm>
+        </p:spPr>
         <p:txBody>
           <a:bodyPr/>
           <a:lstStyle/>
@@ -1786,43 +1752,178 @@
       </p:sp>
       <p:sp>
         <p:nvSpPr>
-          <p:cNvPr id="6" name="Slide Number Placeholder 5"/>
-          <p:cNvSpPr>
-            <a:spLocks noGrp="1"/>
+          <p:cNvPr id="7" name="矩形 6"/>
+          <p:cNvSpPr/>
+          <p:nvPr/>
+        </p:nvSpPr>
+        <p:spPr bwMode="white">
+          <a:xfrm>
+            <a:off x="6096318" y="0"/>
+            <a:ext cx="320040" cy="6858000"/>
+          </a:xfrm>
+          <a:prstGeom prst="rect">
+            <a:avLst/>
+          </a:prstGeom>
+          <a:solidFill>
+            <a:srgbClr val="FFFFFF"/>
+          </a:solidFill>
+          <a:ln w="19050" cap="flat" cmpd="sng" algn="ctr">
+            <a:noFill/>
+            <a:prstDash val="solid"/>
+          </a:ln>
+        </p:spPr>
+        <p:style>
+          <a:lnRef idx="2">
+            <a:schemeClr val="accent1"/>
+          </a:lnRef>
+          <a:fillRef idx="1">
+            <a:schemeClr val="accent1"/>
+          </a:fillRef>
+          <a:effectRef idx="0">
+            <a:schemeClr val="accent1"/>
+          </a:effectRef>
+          <a:fontRef idx="minor">
+            <a:schemeClr val="lt1"/>
+          </a:fontRef>
+        </p:style>
+        <p:txBody>
+          <a:bodyPr rtlCol="0" anchor="ctr"/>
+          <a:lstStyle/>
+          <a:p>
+            <a:pPr algn="ctr" eaLnBrk="1" latinLnBrk="0" hangingPunct="1"/>
+            <a:endParaRPr kumimoji="0" lang="en-US"/>
+          </a:p>
+        </p:txBody>
+      </p:sp>
+      <p:sp>
+        <p:nvSpPr>
+          <p:cNvPr id="8" name="矩形 7"/>
+          <p:cNvSpPr/>
+          <p:nvPr/>
+        </p:nvSpPr>
+        <p:spPr>
+          <a:xfrm>
+            <a:off x="6142038" y="609600"/>
+            <a:ext cx="228600" cy="6248400"/>
+          </a:xfrm>
+          <a:prstGeom prst="rect">
+            <a:avLst/>
+          </a:prstGeom>
+          <a:solidFill>
+            <a:schemeClr val="accent1"/>
+          </a:solidFill>
+          <a:ln w="19050" cap="flat" cmpd="sng" algn="ctr">
+            <a:noFill/>
+            <a:prstDash val="solid"/>
+          </a:ln>
+        </p:spPr>
+        <p:style>
+          <a:lnRef idx="2">
+            <a:schemeClr val="accent1"/>
+          </a:lnRef>
+          <a:fillRef idx="1">
+            <a:schemeClr val="accent1"/>
+          </a:fillRef>
+          <a:effectRef idx="0">
+            <a:schemeClr val="accent1"/>
+          </a:effectRef>
+          <a:fontRef idx="minor">
+            <a:schemeClr val="lt1"/>
+          </a:fontRef>
+        </p:style>
+        <p:txBody>
+          <a:bodyPr rtlCol="0" anchor="ctr"/>
+          <a:lstStyle/>
+          <a:p>
+            <a:pPr algn="ctr" eaLnBrk="1" latinLnBrk="0" hangingPunct="1"/>
+            <a:endParaRPr kumimoji="0" lang="en-US"/>
+          </a:p>
+        </p:txBody>
+      </p:sp>
+      <p:sp>
+        <p:nvSpPr>
+          <p:cNvPr id="9" name="矩形 8"/>
+          <p:cNvSpPr/>
+          <p:nvPr/>
+        </p:nvSpPr>
+        <p:spPr>
+          <a:xfrm>
+            <a:off x="6142038" y="0"/>
+            <a:ext cx="228600" cy="533400"/>
+          </a:xfrm>
+          <a:prstGeom prst="rect">
+            <a:avLst/>
+          </a:prstGeom>
+          <a:solidFill>
+            <a:schemeClr val="accent2"/>
+          </a:solidFill>
+          <a:ln w="19050" cap="flat" cmpd="sng" algn="ctr">
+            <a:noFill/>
+            <a:prstDash val="solid"/>
+          </a:ln>
+        </p:spPr>
+        <p:style>
+          <a:lnRef idx="2">
+            <a:schemeClr val="accent1"/>
+          </a:lnRef>
+          <a:fillRef idx="1">
+            <a:schemeClr val="accent1"/>
+          </a:fillRef>
+          <a:effectRef idx="0">
+            <a:schemeClr val="accent1"/>
+          </a:effectRef>
+          <a:fontRef idx="minor">
+            <a:schemeClr val="lt1"/>
+          </a:fontRef>
+        </p:style>
+        <p:txBody>
+          <a:bodyPr rtlCol="0" anchor="ctr"/>
+          <a:lstStyle/>
+          <a:p>
+            <a:pPr algn="ctr" eaLnBrk="1" latinLnBrk="0" hangingPunct="1"/>
+            <a:endParaRPr kumimoji="0" lang="en-US"/>
+          </a:p>
+        </p:txBody>
+      </p:sp>
+      <p:sp>
+        <p:nvSpPr>
+          <p:cNvPr id="6" name="灯片编号占位符 5"/>
+          <p:cNvSpPr>
+            <a:spLocks noGrp="true"/>
           </p:cNvSpPr>
           <p:nvPr>
             <p:ph type="sldNum" sz="quarter" idx="12"/>
           </p:nvPr>
         </p:nvSpPr>
-        <p:spPr/>
+        <p:spPr>
+          <a:xfrm rot="5400000">
+            <a:off x="5989638" y="144462"/>
+            <a:ext cx="533400" cy="244476"/>
+          </a:xfrm>
+        </p:spPr>
         <p:txBody>
           <a:bodyPr/>
           <a:lstStyle/>
           <a:p>
             <a:fld id="{C5EF2332-01BF-834F-8236-50238282D533}" type="slidenum">
               <a:rPr lang="en-US" smtClean="0"/>
-              <a:t>‹#›</a:t>
             </a:fld>
             <a:endParaRPr lang="en-US"/>
           </a:p>
         </p:txBody>
       </p:sp>
     </p:spTree>
-    <p:extLst>
-      <p:ext uri="{BB962C8B-B14F-4D97-AF65-F5344CB8AC3E}">
-        <p14:creationId xmlns:p14="http://schemas.microsoft.com/office/powerpoint/2010/main" val="2581529045"/>
-      </p:ext>
-    </p:extLst>
   </p:cSld>
   <p:clrMapOvr>
-    <a:masterClrMapping/>
+    <a:overrideClrMapping bg1="lt1" tx1="dk1" bg2="lt2" tx2="dk2" accent1="accent1" accent2="accent2" accent3="accent3" accent4="accent4" accent5="accent5" accent6="accent6" hlink="hlink" folHlink="folHlink"/>
   </p:clrMapOvr>
+  <p:hf sldNum="0" hdr="0" ftr="0" dt="0"/>
 </p:sldLayout>
 </file>
 
 <file path=ppt/slideLayouts/slideLayout2.xml><?xml version="1.0" encoding="utf-8"?>
 <p:sldLayout xmlns:a="http://schemas.openxmlformats.org/drawingml/2006/main" xmlns:r="http://schemas.openxmlformats.org/officeDocument/2006/relationships" xmlns:p="http://schemas.openxmlformats.org/presentationml/2006/main" type="obj" preserve="1">
-  <p:cSld name="Title and Content">
+  <p:cSld name="标题和内容">
     <p:spTree>
       <p:nvGrpSpPr>
         <p:cNvPr id="1" name=""/>
@@ -1839,84 +1940,37 @@
       </p:grpSpPr>
       <p:sp>
         <p:nvSpPr>
-          <p:cNvPr id="2" name="Title 1"/>
-          <p:cNvSpPr>
-            <a:spLocks noGrp="1"/>
+          <p:cNvPr id="2" name="标题 1"/>
+          <p:cNvSpPr>
+            <a:spLocks noGrp="true"/>
           </p:cNvSpPr>
           <p:nvPr>
             <p:ph type="title"/>
           </p:nvPr>
         </p:nvSpPr>
-        <p:spPr/>
-        <p:txBody>
-          <a:bodyPr/>
-          <a:lstStyle/>
-          <a:p>
-            <a:r>
-              <a:rPr lang="en-US" smtClean="0"/>
-              <a:t>Click to edit Master title style</a:t>
-            </a:r>
-            <a:endParaRPr lang="en-US"/>
-          </a:p>
-        </p:txBody>
-      </p:sp>
-      <p:sp>
-        <p:nvSpPr>
-          <p:cNvPr id="3" name="Content Placeholder 2"/>
-          <p:cNvSpPr>
-            <a:spLocks noGrp="1"/>
-          </p:cNvSpPr>
-          <p:nvPr>
-            <p:ph idx="1"/>
-          </p:nvPr>
-        </p:nvSpPr>
-        <p:spPr/>
-        <p:txBody>
-          <a:bodyPr/>
-          <a:lstStyle/>
-          <a:p>
-            <a:pPr lvl="0"/>
-            <a:r>
-              <a:rPr lang="en-US" smtClean="0"/>
-              <a:t>Click to edit Master text styles</a:t>
-            </a:r>
-          </a:p>
-          <a:p>
-            <a:pPr lvl="1"/>
-            <a:r>
-              <a:rPr lang="en-US" smtClean="0"/>
-              <a:t>Second level</a:t>
-            </a:r>
-          </a:p>
-          <a:p>
-            <a:pPr lvl="2"/>
-            <a:r>
-              <a:rPr lang="en-US" smtClean="0"/>
-              <a:t>Third level</a:t>
-            </a:r>
-          </a:p>
-          <a:p>
-            <a:pPr lvl="3"/>
-            <a:r>
-              <a:rPr lang="en-US" smtClean="0"/>
-              <a:t>Fourth level</a:t>
-            </a:r>
-          </a:p>
-          <a:p>
-            <a:pPr lvl="4"/>
-            <a:r>
-              <a:rPr lang="en-US" smtClean="0"/>
-              <a:t>Fifth level</a:t>
-            </a:r>
-            <a:endParaRPr lang="en-US"/>
-          </a:p>
-        </p:txBody>
-      </p:sp>
-      <p:sp>
-        <p:nvSpPr>
-          <p:cNvPr id="4" name="Date Placeholder 3"/>
-          <p:cNvSpPr>
-            <a:spLocks noGrp="1"/>
+        <p:spPr>
+          <a:xfrm>
+            <a:off x="612648" y="228600"/>
+            <a:ext cx="8153400" cy="990600"/>
+          </a:xfrm>
+        </p:spPr>
+        <p:txBody>
+          <a:bodyPr/>
+          <a:lstStyle/>
+          <a:p>
+            <a:r>
+              <a:rPr kumimoji="0" lang="zh-CN" altLang="en-US" smtClean="0"/>
+              <a:t>单击此处编辑母版标题样式</a:t>
+            </a:r>
+            <a:endParaRPr kumimoji="0" lang="en-US"/>
+          </a:p>
+        </p:txBody>
+      </p:sp>
+      <p:sp>
+        <p:nvSpPr>
+          <p:cNvPr id="4" name="日期占位符 3"/>
+          <p:cNvSpPr>
+            <a:spLocks noGrp="true"/>
           </p:cNvSpPr>
           <p:nvPr>
             <p:ph type="dt" sz="half" idx="10"/>
@@ -1929,7 +1983,6 @@
           <a:p>
             <a:fld id="{241EB5C9-1307-BA42-ABA2-0BC069CD8E7F}" type="datetimeFigureOut">
               <a:rPr lang="en-US" smtClean="0"/>
-              <a:t>4/5/2019</a:t>
             </a:fld>
             <a:endParaRPr lang="en-US"/>
           </a:p>
@@ -1937,9 +1990,9 @@
       </p:sp>
       <p:sp>
         <p:nvSpPr>
-          <p:cNvPr id="5" name="Footer Placeholder 4"/>
-          <p:cNvSpPr>
-            <a:spLocks noGrp="1"/>
+          <p:cNvPr id="5" name="页脚占位符 4"/>
+          <p:cNvSpPr>
+            <a:spLocks noGrp="true"/>
           </p:cNvSpPr>
           <p:nvPr>
             <p:ph type="ftr" sz="quarter" idx="11"/>
@@ -1956,9 +2009,9 @@
       </p:sp>
       <p:sp>
         <p:nvSpPr>
-          <p:cNvPr id="6" name="Slide Number Placeholder 5"/>
-          <p:cNvSpPr>
-            <a:spLocks noGrp="1"/>
+          <p:cNvPr id="6" name="灯片编号占位符 5"/>
+          <p:cNvSpPr>
+            <a:spLocks noGrp="true"/>
           </p:cNvSpPr>
           <p:nvPr>
             <p:ph type="sldNum" sz="quarter" idx="12"/>
@@ -1967,32 +2020,101 @@
         <p:spPr/>
         <p:txBody>
           <a:bodyPr/>
-          <a:lstStyle/>
+          <a:lstStyle>
+            <a:lvl1pPr>
+              <a:defRPr>
+                <a:solidFill>
+                  <a:srgbClr val="FFFFFF"/>
+                </a:solidFill>
+              </a:defRPr>
+            </a:lvl1pPr>
+          </a:lstStyle>
           <a:p>
             <a:fld id="{C5EF2332-01BF-834F-8236-50238282D533}" type="slidenum">
               <a:rPr lang="en-US" smtClean="0"/>
-              <a:t>‹#›</a:t>
             </a:fld>
             <a:endParaRPr lang="en-US"/>
           </a:p>
         </p:txBody>
       </p:sp>
+      <p:sp>
+        <p:nvSpPr>
+          <p:cNvPr id="8" name="内容占位符 7"/>
+          <p:cNvSpPr>
+            <a:spLocks noGrp="true"/>
+          </p:cNvSpPr>
+          <p:nvPr>
+            <p:ph sz="quarter" idx="1"/>
+          </p:nvPr>
+        </p:nvSpPr>
+        <p:spPr>
+          <a:xfrm>
+            <a:off x="612648" y="1600200"/>
+            <a:ext cx="8153400" cy="4495800"/>
+          </a:xfrm>
+        </p:spPr>
+        <p:txBody>
+          <a:bodyPr/>
+          <a:lstStyle/>
+          <a:p>
+            <a:pPr lvl="0" eaLnBrk="1" latinLnBrk="0" hangingPunct="1"/>
+            <a:r>
+              <a:rPr lang="zh-CN" altLang="en-US" smtClean="0"/>
+              <a:t>单击此处编辑母版文本样式</a:t>
+            </a:r>
+            <a:endParaRPr lang="zh-CN" altLang="en-US" smtClean="0"/>
+          </a:p>
+          <a:p>
+            <a:pPr lvl="1" eaLnBrk="1" latinLnBrk="0" hangingPunct="1"/>
+            <a:r>
+              <a:rPr lang="zh-CN" altLang="en-US" smtClean="0"/>
+              <a:t>第二级</a:t>
+            </a:r>
+            <a:endParaRPr lang="zh-CN" altLang="en-US" smtClean="0"/>
+          </a:p>
+          <a:p>
+            <a:pPr lvl="2" eaLnBrk="1" latinLnBrk="0" hangingPunct="1"/>
+            <a:r>
+              <a:rPr lang="zh-CN" altLang="en-US" smtClean="0"/>
+              <a:t>第三级</a:t>
+            </a:r>
+            <a:endParaRPr lang="zh-CN" altLang="en-US" smtClean="0"/>
+          </a:p>
+          <a:p>
+            <a:pPr lvl="3" eaLnBrk="1" latinLnBrk="0" hangingPunct="1"/>
+            <a:r>
+              <a:rPr lang="zh-CN" altLang="en-US" smtClean="0"/>
+              <a:t>第四级</a:t>
+            </a:r>
+            <a:endParaRPr lang="zh-CN" altLang="en-US" smtClean="0"/>
+          </a:p>
+          <a:p>
+            <a:pPr lvl="4" eaLnBrk="1" latinLnBrk="0" hangingPunct="1"/>
+            <a:r>
+              <a:rPr lang="zh-CN" altLang="en-US" smtClean="0"/>
+              <a:t>第五级</a:t>
+            </a:r>
+            <a:endParaRPr kumimoji="0" lang="en-US"/>
+          </a:p>
+        </p:txBody>
+      </p:sp>
     </p:spTree>
-    <p:extLst>
-      <p:ext uri="{BB962C8B-B14F-4D97-AF65-F5344CB8AC3E}">
-        <p14:creationId xmlns:p14="http://schemas.microsoft.com/office/powerpoint/2010/main" val="338346009"/>
-      </p:ext>
-    </p:extLst>
   </p:cSld>
   <p:clrMapOvr>
     <a:masterClrMapping/>
   </p:clrMapOvr>
+  <p:hf sldNum="0" hdr="0" ftr="0" dt="0"/>
 </p:sldLayout>
 </file>
 
 <file path=ppt/slideLayouts/slideLayout3.xml><?xml version="1.0" encoding="utf-8"?>
-<p:sldLayout xmlns:a="http://schemas.openxmlformats.org/drawingml/2006/main" xmlns:r="http://schemas.openxmlformats.org/officeDocument/2006/relationships" xmlns:p="http://schemas.openxmlformats.org/presentationml/2006/main" type="secHead" preserve="1">
-  <p:cSld name="Section Header">
+<p:sldLayout xmlns:a="http://schemas.openxmlformats.org/drawingml/2006/main" xmlns:r="http://schemas.openxmlformats.org/officeDocument/2006/relationships" xmlns:p="http://schemas.openxmlformats.org/presentationml/2006/main" type="secHead" preserve="1" showMasterSp="0">
+  <p:cSld name="节标题">
+    <p:bg>
+      <p:bgRef idx="1003">
+        <a:schemeClr val="bg1"/>
+      </p:bgRef>
+    </p:bg>
     <p:spTree>
       <p:nvGrpSpPr>
         <p:cNvPr id="1" name=""/>
@@ -2009,66 +2131,32 @@
       </p:grpSpPr>
       <p:sp>
         <p:nvSpPr>
-          <p:cNvPr id="2" name="Title 1"/>
-          <p:cNvSpPr>
-            <a:spLocks noGrp="1"/>
-          </p:cNvSpPr>
-          <p:nvPr>
-            <p:ph type="title"/>
+          <p:cNvPr id="3" name="文本占位符 2"/>
+          <p:cNvSpPr>
+            <a:spLocks noGrp="true"/>
+          </p:cNvSpPr>
+          <p:nvPr>
+            <p:ph type="body" idx="1"/>
           </p:nvPr>
         </p:nvSpPr>
         <p:spPr>
           <a:xfrm>
-            <a:off x="722313" y="4406900"/>
-            <a:ext cx="7772400" cy="1362075"/>
+            <a:off x="1371600" y="2743200"/>
+            <a:ext cx="7123113" cy="1673225"/>
           </a:xfrm>
         </p:spPr>
         <p:txBody>
           <a:bodyPr anchor="t"/>
-          <a:lstStyle>
-            <a:lvl1pPr algn="l">
-              <a:defRPr sz="4000" b="1" cap="all"/>
-            </a:lvl1pPr>
-          </a:lstStyle>
-          <a:p>
-            <a:r>
-              <a:rPr lang="en-US" smtClean="0"/>
-              <a:t>Click to edit Master title style</a:t>
-            </a:r>
-            <a:endParaRPr lang="en-US"/>
-          </a:p>
-        </p:txBody>
-      </p:sp>
-      <p:sp>
-        <p:nvSpPr>
-          <p:cNvPr id="3" name="Text Placeholder 2"/>
-          <p:cNvSpPr>
-            <a:spLocks noGrp="1"/>
-          </p:cNvSpPr>
-          <p:nvPr>
-            <p:ph type="body" idx="1"/>
-          </p:nvPr>
-        </p:nvSpPr>
-        <p:spPr>
-          <a:xfrm>
-            <a:off x="722313" y="2906713"/>
-            <a:ext cx="7772400" cy="1500187"/>
-          </a:xfrm>
-        </p:spPr>
-        <p:txBody>
-          <a:bodyPr anchor="b"/>
           <a:lstStyle>
             <a:lvl1pPr marL="0" indent="0">
               <a:buNone/>
-              <a:defRPr sz="2000">
+              <a:defRPr sz="2800">
                 <a:solidFill>
-                  <a:schemeClr val="tx1">
-                    <a:tint val="75000"/>
-                  </a:schemeClr>
+                  <a:schemeClr val="tx2"/>
                 </a:solidFill>
               </a:defRPr>
             </a:lvl1pPr>
-            <a:lvl2pPr marL="457200" indent="0">
+            <a:lvl2pPr>
               <a:buNone/>
               <a:defRPr sz="1800">
                 <a:solidFill>
@@ -2078,7 +2166,7 @@
                 </a:solidFill>
               </a:defRPr>
             </a:lvl2pPr>
-            <a:lvl3pPr marL="914400" indent="0">
+            <a:lvl3pPr>
               <a:buNone/>
               <a:defRPr sz="1600">
                 <a:solidFill>
@@ -2088,7 +2176,7 @@
                 </a:solidFill>
               </a:defRPr>
             </a:lvl3pPr>
-            <a:lvl4pPr marL="1371600" indent="0">
+            <a:lvl4pPr>
               <a:buNone/>
               <a:defRPr sz="1400">
                 <a:solidFill>
@@ -2098,7 +2186,7 @@
                 </a:solidFill>
               </a:defRPr>
             </a:lvl4pPr>
-            <a:lvl5pPr marL="1828800" indent="0">
+            <a:lvl5pPr>
               <a:buNone/>
               <a:defRPr sz="1400">
                 <a:solidFill>
@@ -2108,74 +2196,250 @@
                 </a:solidFill>
               </a:defRPr>
             </a:lvl5pPr>
-            <a:lvl6pPr marL="2286000" indent="0">
+          </a:lstStyle>
+          <a:p>
+            <a:pPr lvl="0" eaLnBrk="1" latinLnBrk="0" hangingPunct="1"/>
+            <a:r>
+              <a:rPr kumimoji="0" lang="zh-CN" altLang="en-US" smtClean="0"/>
+              <a:t>单击此处编辑母版文本样式</a:t>
+            </a:r>
+            <a:endParaRPr kumimoji="0" lang="zh-CN" altLang="en-US" smtClean="0"/>
+          </a:p>
+        </p:txBody>
+      </p:sp>
+      <p:sp>
+        <p:nvSpPr>
+          <p:cNvPr id="7" name="矩形 6"/>
+          <p:cNvSpPr/>
+          <p:nvPr/>
+        </p:nvSpPr>
+        <p:spPr bwMode="white">
+          <a:xfrm>
+            <a:off x="0" y="1524000"/>
+            <a:ext cx="9144000" cy="1143000"/>
+          </a:xfrm>
+          <a:prstGeom prst="rect">
+            <a:avLst/>
+          </a:prstGeom>
+          <a:solidFill>
+            <a:srgbClr val="FFFFFF"/>
+          </a:solidFill>
+          <a:ln w="50800" cap="rnd" cmpd="dbl" algn="ctr">
+            <a:noFill/>
+            <a:prstDash val="solid"/>
+          </a:ln>
+          <a:effectLst/>
+        </p:spPr>
+        <p:style>
+          <a:lnRef idx="3">
+            <a:schemeClr val="lt1"/>
+          </a:lnRef>
+          <a:fillRef idx="1">
+            <a:schemeClr val="accent1"/>
+          </a:fillRef>
+          <a:effectRef idx="1">
+            <a:schemeClr val="accent1"/>
+          </a:effectRef>
+          <a:fontRef idx="minor">
+            <a:schemeClr val="lt1"/>
+          </a:fontRef>
+        </p:style>
+        <p:txBody>
+          <a:bodyPr anchor="ctr"/>
+          <a:lstStyle/>
+          <a:p>
+            <a:pPr algn="ctr" eaLnBrk="1" latinLnBrk="0" hangingPunct="1"/>
+            <a:endParaRPr kumimoji="0" lang="en-US"/>
+          </a:p>
+        </p:txBody>
+      </p:sp>
+      <p:sp>
+        <p:nvSpPr>
+          <p:cNvPr id="8" name="矩形 7"/>
+          <p:cNvSpPr/>
+          <p:nvPr/>
+        </p:nvSpPr>
+        <p:spPr>
+          <a:xfrm>
+            <a:off x="0" y="1600200"/>
+            <a:ext cx="1295400" cy="990600"/>
+          </a:xfrm>
+          <a:prstGeom prst="rect">
+            <a:avLst/>
+          </a:prstGeom>
+          <a:solidFill>
+            <a:schemeClr val="accent2">
+              <a:alpha val="100000"/>
+            </a:schemeClr>
+          </a:solidFill>
+          <a:ln w="50800" cap="rnd" cmpd="dbl" algn="ctr">
+            <a:noFill/>
+            <a:prstDash val="solid"/>
+          </a:ln>
+          <a:effectLst/>
+        </p:spPr>
+        <p:style>
+          <a:lnRef idx="3">
+            <a:schemeClr val="lt1"/>
+          </a:lnRef>
+          <a:fillRef idx="1">
+            <a:schemeClr val="accent1"/>
+          </a:fillRef>
+          <a:effectRef idx="1">
+            <a:schemeClr val="accent1"/>
+          </a:effectRef>
+          <a:fontRef idx="minor">
+            <a:schemeClr val="lt1"/>
+          </a:fontRef>
+        </p:style>
+        <p:txBody>
+          <a:bodyPr anchor="ctr"/>
+          <a:lstStyle/>
+          <a:p>
+            <a:pPr algn="ctr" eaLnBrk="1" latinLnBrk="0" hangingPunct="1"/>
+            <a:endParaRPr kumimoji="0" lang="en-US"/>
+          </a:p>
+        </p:txBody>
+      </p:sp>
+      <p:sp>
+        <p:nvSpPr>
+          <p:cNvPr id="9" name="矩形 8"/>
+          <p:cNvSpPr/>
+          <p:nvPr/>
+        </p:nvSpPr>
+        <p:spPr>
+          <a:xfrm>
+            <a:off x="1371600" y="1600200"/>
+            <a:ext cx="7772400" cy="990600"/>
+          </a:xfrm>
+          <a:prstGeom prst="rect">
+            <a:avLst/>
+          </a:prstGeom>
+          <a:solidFill>
+            <a:schemeClr val="accent1">
+              <a:alpha val="100000"/>
+            </a:schemeClr>
+          </a:solidFill>
+          <a:ln w="50800" cap="rnd" cmpd="dbl" algn="ctr">
+            <a:noFill/>
+            <a:prstDash val="solid"/>
+          </a:ln>
+          <a:effectLst/>
+        </p:spPr>
+        <p:style>
+          <a:lnRef idx="3">
+            <a:schemeClr val="lt1"/>
+          </a:lnRef>
+          <a:fillRef idx="1">
+            <a:schemeClr val="accent1"/>
+          </a:fillRef>
+          <a:effectRef idx="1">
+            <a:schemeClr val="accent1"/>
+          </a:effectRef>
+          <a:fontRef idx="minor">
+            <a:schemeClr val="lt1"/>
+          </a:fontRef>
+        </p:style>
+        <p:txBody>
+          <a:bodyPr anchor="ctr"/>
+          <a:lstStyle/>
+          <a:p>
+            <a:pPr algn="ctr" eaLnBrk="1" latinLnBrk="0" hangingPunct="1"/>
+            <a:endParaRPr kumimoji="0" lang="en-US"/>
+          </a:p>
+        </p:txBody>
+      </p:sp>
+      <p:sp>
+        <p:nvSpPr>
+          <p:cNvPr id="2" name="标题 1"/>
+          <p:cNvSpPr>
+            <a:spLocks noGrp="true"/>
+          </p:cNvSpPr>
+          <p:nvPr>
+            <p:ph type="title"/>
+          </p:nvPr>
+        </p:nvSpPr>
+        <p:spPr>
+          <a:xfrm>
+            <a:off x="1371600" y="1600200"/>
+            <a:ext cx="7620000" cy="990600"/>
+          </a:xfrm>
+        </p:spPr>
+        <p:txBody>
+          <a:bodyPr/>
+          <a:lstStyle>
+            <a:lvl1pPr algn="l">
               <a:buNone/>
-              <a:defRPr sz="1400">
+              <a:defRPr sz="4400" b="0" cap="none">
                 <a:solidFill>
-                  <a:schemeClr val="tx1">
-                    <a:tint val="75000"/>
-                  </a:schemeClr>
+                  <a:srgbClr val="FFFFFF"/>
                 </a:solidFill>
               </a:defRPr>
-            </a:lvl6pPr>
-            <a:lvl7pPr marL="2743200" indent="0">
-              <a:buNone/>
-              <a:defRPr sz="1400">
+            </a:lvl1pPr>
+          </a:lstStyle>
+          <a:p>
+            <a:r>
+              <a:rPr kumimoji="0" lang="zh-CN" altLang="en-US" smtClean="0"/>
+              <a:t>单击此处编辑母版标题样式</a:t>
+            </a:r>
+            <a:endParaRPr kumimoji="0" lang="en-US"/>
+          </a:p>
+        </p:txBody>
+      </p:sp>
+      <p:sp>
+        <p:nvSpPr>
+          <p:cNvPr id="12" name="日期占位符 11"/>
+          <p:cNvSpPr>
+            <a:spLocks noGrp="true"/>
+          </p:cNvSpPr>
+          <p:nvPr>
+            <p:ph type="dt" sz="half" idx="10"/>
+          </p:nvPr>
+        </p:nvSpPr>
+        <p:spPr/>
+        <p:txBody>
+          <a:bodyPr/>
+          <a:lstStyle/>
+          <a:p>
+            <a:fld id="{241EB5C9-1307-BA42-ABA2-0BC069CD8E7F}" type="datetimeFigureOut">
+              <a:rPr lang="en-US" smtClean="0"/>
+            </a:fld>
+            <a:endParaRPr lang="en-US"/>
+          </a:p>
+        </p:txBody>
+      </p:sp>
+      <p:sp>
+        <p:nvSpPr>
+          <p:cNvPr id="13" name="灯片编号占位符 12"/>
+          <p:cNvSpPr>
+            <a:spLocks noGrp="true"/>
+          </p:cNvSpPr>
+          <p:nvPr>
+            <p:ph type="sldNum" sz="quarter" idx="11"/>
+          </p:nvPr>
+        </p:nvSpPr>
+        <p:spPr>
+          <a:xfrm>
+            <a:off x="0" y="1752600"/>
+            <a:ext cx="1295400" cy="701676"/>
+          </a:xfrm>
+        </p:spPr>
+        <p:txBody>
+          <a:bodyPr>
+            <a:noAutofit/>
+          </a:bodyPr>
+          <a:lstStyle>
+            <a:lvl1pPr>
+              <a:defRPr sz="2400">
                 <a:solidFill>
-                  <a:schemeClr val="tx1">
-                    <a:tint val="75000"/>
-                  </a:schemeClr>
+                  <a:srgbClr val="FFFFFF"/>
                 </a:solidFill>
               </a:defRPr>
-            </a:lvl7pPr>
-            <a:lvl8pPr marL="3200400" indent="0">
-              <a:buNone/>
-              <a:defRPr sz="1400">
-                <a:solidFill>
-                  <a:schemeClr val="tx1">
-                    <a:tint val="75000"/>
-                  </a:schemeClr>
-                </a:solidFill>
-              </a:defRPr>
-            </a:lvl8pPr>
-            <a:lvl9pPr marL="3657600" indent="0">
-              <a:buNone/>
-              <a:defRPr sz="1400">
-                <a:solidFill>
-                  <a:schemeClr val="tx1">
-                    <a:tint val="75000"/>
-                  </a:schemeClr>
-                </a:solidFill>
-              </a:defRPr>
-            </a:lvl9pPr>
+            </a:lvl1pPr>
           </a:lstStyle>
           <a:p>
-            <a:pPr lvl="0"/>
-            <a:r>
+            <a:fld id="{C5EF2332-01BF-834F-8236-50238282D533}" type="slidenum">
               <a:rPr lang="en-US" smtClean="0"/>
-              <a:t>Click to edit Master text styles</a:t>
-            </a:r>
-          </a:p>
-        </p:txBody>
-      </p:sp>
-      <p:sp>
-        <p:nvSpPr>
-          <p:cNvPr id="4" name="Date Placeholder 3"/>
-          <p:cNvSpPr>
-            <a:spLocks noGrp="1"/>
-          </p:cNvSpPr>
-          <p:nvPr>
-            <p:ph type="dt" sz="half" idx="10"/>
-          </p:nvPr>
-        </p:nvSpPr>
-        <p:spPr/>
-        <p:txBody>
-          <a:bodyPr/>
-          <a:lstStyle/>
-          <a:p>
-            <a:fld id="{241EB5C9-1307-BA42-ABA2-0BC069CD8E7F}" type="datetimeFigureOut">
-              <a:rPr lang="en-US" smtClean="0"/>
-              <a:t>4/5/2019</a:t>
             </a:fld>
             <a:endParaRPr lang="en-US"/>
           </a:p>
@@ -2183,12 +2447,12 @@
       </p:sp>
       <p:sp>
         <p:nvSpPr>
-          <p:cNvPr id="5" name="Footer Placeholder 4"/>
-          <p:cNvSpPr>
-            <a:spLocks noGrp="1"/>
-          </p:cNvSpPr>
-          <p:nvPr>
-            <p:ph type="ftr" sz="quarter" idx="11"/>
+          <p:cNvPr id="14" name="页脚占位符 13"/>
+          <p:cNvSpPr>
+            <a:spLocks noGrp="true"/>
+          </p:cNvSpPr>
+          <p:nvPr>
+            <p:ph type="ftr" sz="quarter" idx="12"/>
           </p:nvPr>
         </p:nvSpPr>
         <p:spPr/>
@@ -2200,45 +2464,18 @@
           </a:p>
         </p:txBody>
       </p:sp>
-      <p:sp>
-        <p:nvSpPr>
-          <p:cNvPr id="6" name="Slide Number Placeholder 5"/>
-          <p:cNvSpPr>
-            <a:spLocks noGrp="1"/>
-          </p:cNvSpPr>
-          <p:nvPr>
-            <p:ph type="sldNum" sz="quarter" idx="12"/>
-          </p:nvPr>
-        </p:nvSpPr>
-        <p:spPr/>
-        <p:txBody>
-          <a:bodyPr/>
-          <a:lstStyle/>
-          <a:p>
-            <a:fld id="{C5EF2332-01BF-834F-8236-50238282D533}" type="slidenum">
-              <a:rPr lang="en-US" smtClean="0"/>
-              <a:t>‹#›</a:t>
-            </a:fld>
-            <a:endParaRPr lang="en-US"/>
-          </a:p>
-        </p:txBody>
-      </p:sp>
     </p:spTree>
-    <p:extLst>
-      <p:ext uri="{BB962C8B-B14F-4D97-AF65-F5344CB8AC3E}">
-        <p14:creationId xmlns:p14="http://schemas.microsoft.com/office/powerpoint/2010/main" val="1073069076"/>
-      </p:ext>
-    </p:extLst>
   </p:cSld>
   <p:clrMapOvr>
-    <a:masterClrMapping/>
+    <a:overrideClrMapping bg1="lt1" tx1="dk1" bg2="lt2" tx2="dk2" accent1="accent1" accent2="accent2" accent3="accent3" accent4="accent4" accent5="accent5" accent6="accent6" hlink="hlink" folHlink="folHlink"/>
   </p:clrMapOvr>
+  <p:hf sldNum="0" hdr="0" ftr="0" dt="0"/>
 </p:sldLayout>
 </file>
 
 <file path=ppt/slideLayouts/slideLayout4.xml><?xml version="1.0" encoding="utf-8"?>
 <p:sldLayout xmlns:a="http://schemas.openxmlformats.org/drawingml/2006/main" xmlns:r="http://schemas.openxmlformats.org/officeDocument/2006/relationships" xmlns:p="http://schemas.openxmlformats.org/presentationml/2006/main" type="twoObj" preserve="1">
-  <p:cSld name="Two Content">
+  <p:cSld name="两栏内容">
     <p:spTree>
       <p:nvGrpSpPr>
         <p:cNvPr id="1" name=""/>
@@ -2255,9 +2492,9 @@
       </p:grpSpPr>
       <p:sp>
         <p:nvSpPr>
-          <p:cNvPr id="2" name="Title 1"/>
-          <p:cNvSpPr>
-            <a:spLocks noGrp="1"/>
+          <p:cNvPr id="2" name="标题 1"/>
+          <p:cNvSpPr>
+            <a:spLocks noGrp="true"/>
           </p:cNvSpPr>
           <p:nvPr>
             <p:ph type="title"/>
@@ -2269,201 +2506,152 @@
           <a:lstStyle/>
           <a:p>
             <a:r>
-              <a:rPr lang="en-US" smtClean="0"/>
-              <a:t>Click to edit Master title style</a:t>
-            </a:r>
-            <a:endParaRPr lang="en-US"/>
-          </a:p>
-        </p:txBody>
-      </p:sp>
-      <p:sp>
-        <p:nvSpPr>
-          <p:cNvPr id="3" name="Content Placeholder 2"/>
-          <p:cNvSpPr>
-            <a:spLocks noGrp="1"/>
-          </p:cNvSpPr>
-          <p:nvPr>
-            <p:ph sz="half" idx="1"/>
+              <a:rPr kumimoji="0" lang="zh-CN" altLang="en-US" smtClean="0"/>
+              <a:t>单击此处编辑母版标题样式</a:t>
+            </a:r>
+            <a:endParaRPr kumimoji="0" lang="en-US"/>
+          </a:p>
+        </p:txBody>
+      </p:sp>
+      <p:sp>
+        <p:nvSpPr>
+          <p:cNvPr id="9" name="内容占位符 8"/>
+          <p:cNvSpPr>
+            <a:spLocks noGrp="true"/>
+          </p:cNvSpPr>
+          <p:nvPr>
+            <p:ph sz="quarter" idx="1"/>
           </p:nvPr>
         </p:nvSpPr>
         <p:spPr>
           <a:xfrm>
-            <a:off x="457200" y="1600200"/>
-            <a:ext cx="4038600" cy="4525963"/>
+            <a:off x="609600" y="1589567"/>
+            <a:ext cx="3886200" cy="4572000"/>
           </a:xfrm>
         </p:spPr>
         <p:txBody>
           <a:bodyPr/>
-          <a:lstStyle>
-            <a:lvl1pPr>
-              <a:defRPr sz="2800"/>
-            </a:lvl1pPr>
-            <a:lvl2pPr>
-              <a:defRPr sz="2400"/>
-            </a:lvl2pPr>
-            <a:lvl3pPr>
-              <a:defRPr sz="2000"/>
-            </a:lvl3pPr>
-            <a:lvl4pPr>
-              <a:defRPr sz="1800"/>
-            </a:lvl4pPr>
-            <a:lvl5pPr>
-              <a:defRPr sz="1800"/>
-            </a:lvl5pPr>
-            <a:lvl6pPr>
-              <a:defRPr sz="1800"/>
-            </a:lvl6pPr>
-            <a:lvl7pPr>
-              <a:defRPr sz="1800"/>
-            </a:lvl7pPr>
-            <a:lvl8pPr>
-              <a:defRPr sz="1800"/>
-            </a:lvl8pPr>
-            <a:lvl9pPr>
-              <a:defRPr sz="1800"/>
-            </a:lvl9pPr>
-          </a:lstStyle>
-          <a:p>
-            <a:pPr lvl="0"/>
-            <a:r>
-              <a:rPr lang="en-US" smtClean="0"/>
-              <a:t>Click to edit Master text styles</a:t>
-            </a:r>
-          </a:p>
-          <a:p>
-            <a:pPr lvl="1"/>
-            <a:r>
-              <a:rPr lang="en-US" smtClean="0"/>
-              <a:t>Second level</a:t>
-            </a:r>
-          </a:p>
-          <a:p>
-            <a:pPr lvl="2"/>
-            <a:r>
-              <a:rPr lang="en-US" smtClean="0"/>
-              <a:t>Third level</a:t>
-            </a:r>
-          </a:p>
-          <a:p>
-            <a:pPr lvl="3"/>
-            <a:r>
-              <a:rPr lang="en-US" smtClean="0"/>
-              <a:t>Fourth level</a:t>
-            </a:r>
-          </a:p>
-          <a:p>
-            <a:pPr lvl="4"/>
-            <a:r>
-              <a:rPr lang="en-US" smtClean="0"/>
-              <a:t>Fifth level</a:t>
-            </a:r>
-            <a:endParaRPr lang="en-US"/>
-          </a:p>
-        </p:txBody>
-      </p:sp>
-      <p:sp>
-        <p:nvSpPr>
-          <p:cNvPr id="4" name="Content Placeholder 3"/>
-          <p:cNvSpPr>
-            <a:spLocks noGrp="1"/>
-          </p:cNvSpPr>
-          <p:nvPr>
-            <p:ph sz="half" idx="2"/>
+          <a:lstStyle/>
+          <a:p>
+            <a:pPr lvl="0" eaLnBrk="1" latinLnBrk="0" hangingPunct="1"/>
+            <a:r>
+              <a:rPr lang="zh-CN" altLang="en-US" smtClean="0"/>
+              <a:t>单击此处编辑母版文本样式</a:t>
+            </a:r>
+            <a:endParaRPr lang="zh-CN" altLang="en-US" smtClean="0"/>
+          </a:p>
+          <a:p>
+            <a:pPr lvl="1" eaLnBrk="1" latinLnBrk="0" hangingPunct="1"/>
+            <a:r>
+              <a:rPr lang="zh-CN" altLang="en-US" smtClean="0"/>
+              <a:t>第二级</a:t>
+            </a:r>
+            <a:endParaRPr lang="zh-CN" altLang="en-US" smtClean="0"/>
+          </a:p>
+          <a:p>
+            <a:pPr lvl="2" eaLnBrk="1" latinLnBrk="0" hangingPunct="1"/>
+            <a:r>
+              <a:rPr lang="zh-CN" altLang="en-US" smtClean="0"/>
+              <a:t>第三级</a:t>
+            </a:r>
+            <a:endParaRPr lang="zh-CN" altLang="en-US" smtClean="0"/>
+          </a:p>
+          <a:p>
+            <a:pPr lvl="3" eaLnBrk="1" latinLnBrk="0" hangingPunct="1"/>
+            <a:r>
+              <a:rPr lang="zh-CN" altLang="en-US" smtClean="0"/>
+              <a:t>第四级</a:t>
+            </a:r>
+            <a:endParaRPr lang="zh-CN" altLang="en-US" smtClean="0"/>
+          </a:p>
+          <a:p>
+            <a:pPr lvl="4" eaLnBrk="1" latinLnBrk="0" hangingPunct="1"/>
+            <a:r>
+              <a:rPr lang="zh-CN" altLang="en-US" smtClean="0"/>
+              <a:t>第五级</a:t>
+            </a:r>
+            <a:endParaRPr kumimoji="0" lang="en-US"/>
+          </a:p>
+        </p:txBody>
+      </p:sp>
+      <p:sp>
+        <p:nvSpPr>
+          <p:cNvPr id="11" name="内容占位符 10"/>
+          <p:cNvSpPr>
+            <a:spLocks noGrp="true"/>
+          </p:cNvSpPr>
+          <p:nvPr>
+            <p:ph sz="quarter" idx="2"/>
           </p:nvPr>
         </p:nvSpPr>
         <p:spPr>
           <a:xfrm>
-            <a:off x="4648200" y="1600200"/>
-            <a:ext cx="4038600" cy="4525963"/>
+            <a:off x="4844901" y="1589567"/>
+            <a:ext cx="3886200" cy="4572000"/>
           </a:xfrm>
         </p:spPr>
         <p:txBody>
           <a:bodyPr/>
-          <a:lstStyle>
-            <a:lvl1pPr>
-              <a:defRPr sz="2800"/>
-            </a:lvl1pPr>
-            <a:lvl2pPr>
-              <a:defRPr sz="2400"/>
-            </a:lvl2pPr>
-            <a:lvl3pPr>
-              <a:defRPr sz="2000"/>
-            </a:lvl3pPr>
-            <a:lvl4pPr>
-              <a:defRPr sz="1800"/>
-            </a:lvl4pPr>
-            <a:lvl5pPr>
-              <a:defRPr sz="1800"/>
-            </a:lvl5pPr>
-            <a:lvl6pPr>
-              <a:defRPr sz="1800"/>
-            </a:lvl6pPr>
-            <a:lvl7pPr>
-              <a:defRPr sz="1800"/>
-            </a:lvl7pPr>
-            <a:lvl8pPr>
-              <a:defRPr sz="1800"/>
-            </a:lvl8pPr>
-            <a:lvl9pPr>
-              <a:defRPr sz="1800"/>
-            </a:lvl9pPr>
-          </a:lstStyle>
-          <a:p>
-            <a:pPr lvl="0"/>
-            <a:r>
-              <a:rPr lang="en-US" smtClean="0"/>
-              <a:t>Click to edit Master text styles</a:t>
-            </a:r>
-          </a:p>
-          <a:p>
-            <a:pPr lvl="1"/>
-            <a:r>
-              <a:rPr lang="en-US" smtClean="0"/>
-              <a:t>Second level</a:t>
-            </a:r>
-          </a:p>
-          <a:p>
-            <a:pPr lvl="2"/>
-            <a:r>
-              <a:rPr lang="en-US" smtClean="0"/>
-              <a:t>Third level</a:t>
-            </a:r>
-          </a:p>
-          <a:p>
-            <a:pPr lvl="3"/>
-            <a:r>
-              <a:rPr lang="en-US" smtClean="0"/>
-              <a:t>Fourth level</a:t>
-            </a:r>
-          </a:p>
-          <a:p>
-            <a:pPr lvl="4"/>
-            <a:r>
-              <a:rPr lang="en-US" smtClean="0"/>
-              <a:t>Fifth level</a:t>
-            </a:r>
-            <a:endParaRPr lang="en-US"/>
-          </a:p>
-        </p:txBody>
-      </p:sp>
-      <p:sp>
-        <p:nvSpPr>
-          <p:cNvPr id="5" name="Date Placeholder 4"/>
-          <p:cNvSpPr>
-            <a:spLocks noGrp="1"/>
-          </p:cNvSpPr>
-          <p:nvPr>
-            <p:ph type="dt" sz="half" idx="10"/>
-          </p:nvPr>
-        </p:nvSpPr>
-        <p:spPr/>
-        <p:txBody>
-          <a:bodyPr/>
+          <a:lstStyle/>
+          <a:p>
+            <a:pPr lvl="0" eaLnBrk="1" latinLnBrk="0" hangingPunct="1"/>
+            <a:r>
+              <a:rPr lang="zh-CN" altLang="en-US" smtClean="0"/>
+              <a:t>单击此处编辑母版文本样式</a:t>
+            </a:r>
+            <a:endParaRPr lang="zh-CN" altLang="en-US" smtClean="0"/>
+          </a:p>
+          <a:p>
+            <a:pPr lvl="1" eaLnBrk="1" latinLnBrk="0" hangingPunct="1"/>
+            <a:r>
+              <a:rPr lang="zh-CN" altLang="en-US" smtClean="0"/>
+              <a:t>第二级</a:t>
+            </a:r>
+            <a:endParaRPr lang="zh-CN" altLang="en-US" smtClean="0"/>
+          </a:p>
+          <a:p>
+            <a:pPr lvl="2" eaLnBrk="1" latinLnBrk="0" hangingPunct="1"/>
+            <a:r>
+              <a:rPr lang="zh-CN" altLang="en-US" smtClean="0"/>
+              <a:t>第三级</a:t>
+            </a:r>
+            <a:endParaRPr lang="zh-CN" altLang="en-US" smtClean="0"/>
+          </a:p>
+          <a:p>
+            <a:pPr lvl="3" eaLnBrk="1" latinLnBrk="0" hangingPunct="1"/>
+            <a:r>
+              <a:rPr lang="zh-CN" altLang="en-US" smtClean="0"/>
+              <a:t>第四级</a:t>
+            </a:r>
+            <a:endParaRPr lang="zh-CN" altLang="en-US" smtClean="0"/>
+          </a:p>
+          <a:p>
+            <a:pPr lvl="4" eaLnBrk="1" latinLnBrk="0" hangingPunct="1"/>
+            <a:r>
+              <a:rPr lang="zh-CN" altLang="en-US" smtClean="0"/>
+              <a:t>第五级</a:t>
+            </a:r>
+            <a:endParaRPr kumimoji="0" lang="en-US"/>
+          </a:p>
+        </p:txBody>
+      </p:sp>
+      <p:sp>
+        <p:nvSpPr>
+          <p:cNvPr id="8" name="日期占位符 7"/>
+          <p:cNvSpPr>
+            <a:spLocks noGrp="true"/>
+          </p:cNvSpPr>
+          <p:nvPr>
+            <p:ph type="dt" sz="half" idx="15"/>
+          </p:nvPr>
+        </p:nvSpPr>
+        <p:spPr/>
+        <p:txBody>
+          <a:bodyPr rtlCol="0"/>
           <a:lstStyle/>
           <a:p>
             <a:fld id="{241EB5C9-1307-BA42-ABA2-0BC069CD8E7F}" type="datetimeFigureOut">
               <a:rPr lang="en-US" smtClean="0"/>
-              <a:t>4/5/2019</a:t>
             </a:fld>
             <a:endParaRPr lang="en-US"/>
           </a:p>
@@ -2471,62 +2659,57 @@
       </p:sp>
       <p:sp>
         <p:nvSpPr>
-          <p:cNvPr id="6" name="Footer Placeholder 5"/>
-          <p:cNvSpPr>
-            <a:spLocks noGrp="1"/>
-          </p:cNvSpPr>
-          <p:nvPr>
-            <p:ph type="ftr" sz="quarter" idx="11"/>
-          </p:nvPr>
-        </p:nvSpPr>
-        <p:spPr/>
-        <p:txBody>
-          <a:bodyPr/>
-          <a:lstStyle/>
-          <a:p>
-            <a:endParaRPr lang="en-US"/>
-          </a:p>
-        </p:txBody>
-      </p:sp>
-      <p:sp>
-        <p:nvSpPr>
-          <p:cNvPr id="7" name="Slide Number Placeholder 6"/>
-          <p:cNvSpPr>
-            <a:spLocks noGrp="1"/>
-          </p:cNvSpPr>
-          <p:nvPr>
-            <p:ph type="sldNum" sz="quarter" idx="12"/>
-          </p:nvPr>
-        </p:nvSpPr>
-        <p:spPr/>
-        <p:txBody>
-          <a:bodyPr/>
+          <p:cNvPr id="10" name="灯片编号占位符 9"/>
+          <p:cNvSpPr>
+            <a:spLocks noGrp="true"/>
+          </p:cNvSpPr>
+          <p:nvPr>
+            <p:ph type="sldNum" sz="quarter" idx="16"/>
+          </p:nvPr>
+        </p:nvSpPr>
+        <p:spPr/>
+        <p:txBody>
+          <a:bodyPr rtlCol="0"/>
           <a:lstStyle/>
           <a:p>
             <a:fld id="{C5EF2332-01BF-834F-8236-50238282D533}" type="slidenum">
               <a:rPr lang="en-US" smtClean="0"/>
-              <a:t>‹#›</a:t>
             </a:fld>
             <a:endParaRPr lang="en-US"/>
           </a:p>
         </p:txBody>
       </p:sp>
+      <p:sp>
+        <p:nvSpPr>
+          <p:cNvPr id="12" name="页脚占位符 11"/>
+          <p:cNvSpPr>
+            <a:spLocks noGrp="true"/>
+          </p:cNvSpPr>
+          <p:nvPr>
+            <p:ph type="ftr" sz="quarter" idx="17"/>
+          </p:nvPr>
+        </p:nvSpPr>
+        <p:spPr/>
+        <p:txBody>
+          <a:bodyPr rtlCol="0"/>
+          <a:lstStyle/>
+          <a:p>
+            <a:endParaRPr lang="en-US"/>
+          </a:p>
+        </p:txBody>
+      </p:sp>
     </p:spTree>
-    <p:extLst>
-      <p:ext uri="{BB962C8B-B14F-4D97-AF65-F5344CB8AC3E}">
-        <p14:creationId xmlns:p14="http://schemas.microsoft.com/office/powerpoint/2010/main" val="2619886245"/>
-      </p:ext>
-    </p:extLst>
   </p:cSld>
   <p:clrMapOvr>
     <a:masterClrMapping/>
   </p:clrMapOvr>
+  <p:hf sldNum="0" hdr="0" ftr="0" dt="0"/>
 </p:sldLayout>
 </file>
 
 <file path=ppt/slideLayouts/slideLayout5.xml><?xml version="1.0" encoding="utf-8"?>
 <p:sldLayout xmlns:a="http://schemas.openxmlformats.org/drawingml/2006/main" xmlns:r="http://schemas.openxmlformats.org/officeDocument/2006/relationships" xmlns:p="http://schemas.openxmlformats.org/presentationml/2006/main" type="twoTxTwoObj" preserve="1">
-  <p:cSld name="Comparison">
+  <p:cSld name="比较">
     <p:spTree>
       <p:nvGrpSpPr>
         <p:cNvPr id="1" name=""/>
@@ -2543,17 +2726,22 @@
       </p:grpSpPr>
       <p:sp>
         <p:nvSpPr>
-          <p:cNvPr id="2" name="Title 1"/>
-          <p:cNvSpPr>
-            <a:spLocks noGrp="1"/>
+          <p:cNvPr id="2" name="标题 1"/>
+          <p:cNvSpPr>
+            <a:spLocks noGrp="true"/>
           </p:cNvSpPr>
           <p:nvPr>
             <p:ph type="title"/>
           </p:nvPr>
         </p:nvSpPr>
-        <p:spPr/>
-        <p:txBody>
-          <a:bodyPr/>
+        <p:spPr>
+          <a:xfrm>
+            <a:off x="533400" y="273050"/>
+            <a:ext cx="8153400" cy="869950"/>
+          </a:xfrm>
+        </p:spPr>
+        <p:txBody>
+          <a:bodyPr anchor="ctr"/>
           <a:lstStyle>
             <a:lvl1pPr>
               <a:defRPr/>
@@ -2561,394 +2749,294 @@
           </a:lstStyle>
           <a:p>
             <a:r>
-              <a:rPr lang="en-US" smtClean="0"/>
-              <a:t>Click to edit Master title style</a:t>
-            </a:r>
-            <a:endParaRPr lang="en-US"/>
-          </a:p>
-        </p:txBody>
-      </p:sp>
-      <p:sp>
-        <p:nvSpPr>
-          <p:cNvPr id="3" name="Text Placeholder 2"/>
-          <p:cNvSpPr>
-            <a:spLocks noGrp="1"/>
-          </p:cNvSpPr>
-          <p:nvPr>
-            <p:ph type="body" idx="1"/>
+              <a:rPr kumimoji="0" lang="zh-CN" altLang="en-US" smtClean="0"/>
+              <a:t>单击此处编辑母版标题样式</a:t>
+            </a:r>
+            <a:endParaRPr kumimoji="0" lang="en-US"/>
+          </a:p>
+        </p:txBody>
+      </p:sp>
+      <p:sp>
+        <p:nvSpPr>
+          <p:cNvPr id="11" name="内容占位符 10"/>
+          <p:cNvSpPr>
+            <a:spLocks noGrp="true"/>
+          </p:cNvSpPr>
+          <p:nvPr>
+            <p:ph sz="quarter" idx="2"/>
           </p:nvPr>
         </p:nvSpPr>
         <p:spPr>
           <a:xfrm>
-            <a:off x="457200" y="1535113"/>
-            <a:ext cx="4040188" cy="639762"/>
+            <a:off x="609600" y="2438400"/>
+            <a:ext cx="3886200" cy="3581400"/>
           </a:xfrm>
         </p:spPr>
         <p:txBody>
-          <a:bodyPr anchor="b"/>
+          <a:bodyPr/>
+          <a:lstStyle/>
+          <a:p>
+            <a:pPr lvl="0" eaLnBrk="1" latinLnBrk="0" hangingPunct="1"/>
+            <a:r>
+              <a:rPr lang="zh-CN" altLang="en-US" smtClean="0"/>
+              <a:t>单击此处编辑母版文本样式</a:t>
+            </a:r>
+            <a:endParaRPr lang="zh-CN" altLang="en-US" smtClean="0"/>
+          </a:p>
+          <a:p>
+            <a:pPr lvl="1" eaLnBrk="1" latinLnBrk="0" hangingPunct="1"/>
+            <a:r>
+              <a:rPr lang="zh-CN" altLang="en-US" smtClean="0"/>
+              <a:t>第二级</a:t>
+            </a:r>
+            <a:endParaRPr lang="zh-CN" altLang="en-US" smtClean="0"/>
+          </a:p>
+          <a:p>
+            <a:pPr lvl="2" eaLnBrk="1" latinLnBrk="0" hangingPunct="1"/>
+            <a:r>
+              <a:rPr lang="zh-CN" altLang="en-US" smtClean="0"/>
+              <a:t>第三级</a:t>
+            </a:r>
+            <a:endParaRPr lang="zh-CN" altLang="en-US" smtClean="0"/>
+          </a:p>
+          <a:p>
+            <a:pPr lvl="3" eaLnBrk="1" latinLnBrk="0" hangingPunct="1"/>
+            <a:r>
+              <a:rPr lang="zh-CN" altLang="en-US" smtClean="0"/>
+              <a:t>第四级</a:t>
+            </a:r>
+            <a:endParaRPr lang="zh-CN" altLang="en-US" smtClean="0"/>
+          </a:p>
+          <a:p>
+            <a:pPr lvl="4" eaLnBrk="1" latinLnBrk="0" hangingPunct="1"/>
+            <a:r>
+              <a:rPr lang="zh-CN" altLang="en-US" smtClean="0"/>
+              <a:t>第五级</a:t>
+            </a:r>
+            <a:endParaRPr kumimoji="0" lang="en-US"/>
+          </a:p>
+        </p:txBody>
+      </p:sp>
+      <p:sp>
+        <p:nvSpPr>
+          <p:cNvPr id="13" name="内容占位符 12"/>
+          <p:cNvSpPr>
+            <a:spLocks noGrp="true"/>
+          </p:cNvSpPr>
+          <p:nvPr>
+            <p:ph sz="quarter" idx="4"/>
+          </p:nvPr>
+        </p:nvSpPr>
+        <p:spPr>
+          <a:xfrm>
+            <a:off x="4800600" y="2438400"/>
+            <a:ext cx="3886200" cy="3581400"/>
+          </a:xfrm>
+        </p:spPr>
+        <p:txBody>
+          <a:bodyPr/>
+          <a:lstStyle/>
+          <a:p>
+            <a:pPr lvl="0" eaLnBrk="1" latinLnBrk="0" hangingPunct="1"/>
+            <a:r>
+              <a:rPr lang="zh-CN" altLang="en-US" smtClean="0"/>
+              <a:t>单击此处编辑母版文本样式</a:t>
+            </a:r>
+            <a:endParaRPr lang="zh-CN" altLang="en-US" smtClean="0"/>
+          </a:p>
+          <a:p>
+            <a:pPr lvl="1" eaLnBrk="1" latinLnBrk="0" hangingPunct="1"/>
+            <a:r>
+              <a:rPr lang="zh-CN" altLang="en-US" smtClean="0"/>
+              <a:t>第二级</a:t>
+            </a:r>
+            <a:endParaRPr lang="zh-CN" altLang="en-US" smtClean="0"/>
+          </a:p>
+          <a:p>
+            <a:pPr lvl="2" eaLnBrk="1" latinLnBrk="0" hangingPunct="1"/>
+            <a:r>
+              <a:rPr lang="zh-CN" altLang="en-US" smtClean="0"/>
+              <a:t>第三级</a:t>
+            </a:r>
+            <a:endParaRPr lang="zh-CN" altLang="en-US" smtClean="0"/>
+          </a:p>
+          <a:p>
+            <a:pPr lvl="3" eaLnBrk="1" latinLnBrk="0" hangingPunct="1"/>
+            <a:r>
+              <a:rPr lang="zh-CN" altLang="en-US" smtClean="0"/>
+              <a:t>第四级</a:t>
+            </a:r>
+            <a:endParaRPr lang="zh-CN" altLang="en-US" smtClean="0"/>
+          </a:p>
+          <a:p>
+            <a:pPr lvl="4" eaLnBrk="1" latinLnBrk="0" hangingPunct="1"/>
+            <a:r>
+              <a:rPr lang="zh-CN" altLang="en-US" smtClean="0"/>
+              <a:t>第五级</a:t>
+            </a:r>
+            <a:endParaRPr kumimoji="0" lang="en-US"/>
+          </a:p>
+        </p:txBody>
+      </p:sp>
+      <p:sp>
+        <p:nvSpPr>
+          <p:cNvPr id="10" name="日期占位符 9"/>
+          <p:cNvSpPr>
+            <a:spLocks noGrp="true"/>
+          </p:cNvSpPr>
+          <p:nvPr>
+            <p:ph type="dt" sz="half" idx="15"/>
+          </p:nvPr>
+        </p:nvSpPr>
+        <p:spPr/>
+        <p:txBody>
+          <a:bodyPr rtlCol="0"/>
+          <a:lstStyle/>
+          <a:p>
+            <a:fld id="{241EB5C9-1307-BA42-ABA2-0BC069CD8E7F}" type="datetimeFigureOut">
+              <a:rPr lang="en-US" smtClean="0"/>
+            </a:fld>
+            <a:endParaRPr lang="en-US"/>
+          </a:p>
+        </p:txBody>
+      </p:sp>
+      <p:sp>
+        <p:nvSpPr>
+          <p:cNvPr id="12" name="灯片编号占位符 11"/>
+          <p:cNvSpPr>
+            <a:spLocks noGrp="true"/>
+          </p:cNvSpPr>
+          <p:nvPr>
+            <p:ph type="sldNum" sz="quarter" idx="16"/>
+          </p:nvPr>
+        </p:nvSpPr>
+        <p:spPr/>
+        <p:txBody>
+          <a:bodyPr rtlCol="0"/>
+          <a:lstStyle/>
+          <a:p>
+            <a:fld id="{C5EF2332-01BF-834F-8236-50238282D533}" type="slidenum">
+              <a:rPr lang="en-US" smtClean="0"/>
+            </a:fld>
+            <a:endParaRPr lang="en-US"/>
+          </a:p>
+        </p:txBody>
+      </p:sp>
+      <p:sp>
+        <p:nvSpPr>
+          <p:cNvPr id="14" name="页脚占位符 13"/>
+          <p:cNvSpPr>
+            <a:spLocks noGrp="true"/>
+          </p:cNvSpPr>
+          <p:nvPr>
+            <p:ph type="ftr" sz="quarter" idx="17"/>
+          </p:nvPr>
+        </p:nvSpPr>
+        <p:spPr/>
+        <p:txBody>
+          <a:bodyPr rtlCol="0"/>
+          <a:lstStyle/>
+          <a:p>
+            <a:endParaRPr lang="en-US"/>
+          </a:p>
+        </p:txBody>
+      </p:sp>
+      <p:sp>
+        <p:nvSpPr>
+          <p:cNvPr id="16" name="文本占位符 15"/>
+          <p:cNvSpPr>
+            <a:spLocks noGrp="true"/>
+          </p:cNvSpPr>
+          <p:nvPr>
+            <p:ph type="body" sz="quarter" idx="1"/>
+          </p:nvPr>
+        </p:nvSpPr>
+        <p:spPr>
+          <a:xfrm>
+            <a:off x="609600" y="1752600"/>
+            <a:ext cx="3886200" cy="640080"/>
+          </a:xfrm>
+          <a:solidFill>
+            <a:schemeClr val="accent2"/>
+          </a:solidFill>
+        </p:spPr>
+        <p:txBody>
+          <a:bodyPr rtlCol="0" anchor="ctr"/>
           <a:lstStyle>
             <a:lvl1pPr marL="0" indent="0">
+              <a:buFontTx/>
               <a:buNone/>
-              <a:defRPr sz="2400" b="1"/>
+              <a:defRPr sz="2000" b="1">
+                <a:solidFill>
+                  <a:srgbClr val="FFFFFF"/>
+                </a:solidFill>
+              </a:defRPr>
             </a:lvl1pPr>
-            <a:lvl2pPr marL="457200" indent="0">
-              <a:buNone/>
-              <a:defRPr sz="2000" b="1"/>
-            </a:lvl2pPr>
-            <a:lvl3pPr marL="914400" indent="0">
-              <a:buNone/>
-              <a:defRPr sz="1800" b="1"/>
-            </a:lvl3pPr>
-            <a:lvl4pPr marL="1371600" indent="0">
-              <a:buNone/>
-              <a:defRPr sz="1600" b="1"/>
-            </a:lvl4pPr>
-            <a:lvl5pPr marL="1828800" indent="0">
-              <a:buNone/>
-              <a:defRPr sz="1600" b="1"/>
-            </a:lvl5pPr>
-            <a:lvl6pPr marL="2286000" indent="0">
-              <a:buNone/>
-              <a:defRPr sz="1600" b="1"/>
-            </a:lvl6pPr>
-            <a:lvl7pPr marL="2743200" indent="0">
-              <a:buNone/>
-              <a:defRPr sz="1600" b="1"/>
-            </a:lvl7pPr>
-            <a:lvl8pPr marL="3200400" indent="0">
-              <a:buNone/>
-              <a:defRPr sz="1600" b="1"/>
-            </a:lvl8pPr>
-            <a:lvl9pPr marL="3657600" indent="0">
-              <a:buNone/>
-              <a:defRPr sz="1600" b="1"/>
-            </a:lvl9pPr>
           </a:lstStyle>
           <a:p>
-            <a:pPr lvl="0"/>
-            <a:r>
-              <a:rPr lang="en-US" smtClean="0"/>
-              <a:t>Click to edit Master text styles</a:t>
-            </a:r>
-          </a:p>
-        </p:txBody>
-      </p:sp>
-      <p:sp>
-        <p:nvSpPr>
-          <p:cNvPr id="4" name="Content Placeholder 3"/>
-          <p:cNvSpPr>
-            <a:spLocks noGrp="1"/>
-          </p:cNvSpPr>
-          <p:nvPr>
-            <p:ph sz="half" idx="2"/>
+            <a:pPr lvl="0" eaLnBrk="1" latinLnBrk="0" hangingPunct="1"/>
+            <a:r>
+              <a:rPr kumimoji="0" lang="zh-CN" altLang="en-US" smtClean="0"/>
+              <a:t>单击此处编辑母版文本样式</a:t>
+            </a:r>
+            <a:endParaRPr kumimoji="0" lang="zh-CN" altLang="en-US" smtClean="0"/>
+          </a:p>
+        </p:txBody>
+      </p:sp>
+      <p:sp>
+        <p:nvSpPr>
+          <p:cNvPr id="15" name="文本占位符 14"/>
+          <p:cNvSpPr>
+            <a:spLocks noGrp="true"/>
+          </p:cNvSpPr>
+          <p:nvPr>
+            <p:ph type="body" sz="quarter" idx="3"/>
           </p:nvPr>
         </p:nvSpPr>
         <p:spPr>
           <a:xfrm>
-            <a:off x="457200" y="2174875"/>
-            <a:ext cx="4040188" cy="3951288"/>
+            <a:off x="4800600" y="1752600"/>
+            <a:ext cx="3886200" cy="640080"/>
           </a:xfrm>
+          <a:solidFill>
+            <a:schemeClr val="accent4"/>
+          </a:solidFill>
         </p:spPr>
         <p:txBody>
-          <a:bodyPr/>
-          <a:lstStyle>
-            <a:lvl1pPr>
-              <a:defRPr sz="2400"/>
-            </a:lvl1pPr>
-            <a:lvl2pPr>
-              <a:defRPr sz="2000"/>
-            </a:lvl2pPr>
-            <a:lvl3pPr>
-              <a:defRPr sz="1800"/>
-            </a:lvl3pPr>
-            <a:lvl4pPr>
-              <a:defRPr sz="1600"/>
-            </a:lvl4pPr>
-            <a:lvl5pPr>
-              <a:defRPr sz="1600"/>
-            </a:lvl5pPr>
-            <a:lvl6pPr>
-              <a:defRPr sz="1600"/>
-            </a:lvl6pPr>
-            <a:lvl7pPr>
-              <a:defRPr sz="1600"/>
-            </a:lvl7pPr>
-            <a:lvl8pPr>
-              <a:defRPr sz="1600"/>
-            </a:lvl8pPr>
-            <a:lvl9pPr>
-              <a:defRPr sz="1600"/>
-            </a:lvl9pPr>
-          </a:lstStyle>
-          <a:p>
-            <a:pPr lvl="0"/>
-            <a:r>
-              <a:rPr lang="en-US" smtClean="0"/>
-              <a:t>Click to edit Master text styles</a:t>
-            </a:r>
-          </a:p>
-          <a:p>
-            <a:pPr lvl="1"/>
-            <a:r>
-              <a:rPr lang="en-US" smtClean="0"/>
-              <a:t>Second level</a:t>
-            </a:r>
-          </a:p>
-          <a:p>
-            <a:pPr lvl="2"/>
-            <a:r>
-              <a:rPr lang="en-US" smtClean="0"/>
-              <a:t>Third level</a:t>
-            </a:r>
-          </a:p>
-          <a:p>
-            <a:pPr lvl="3"/>
-            <a:r>
-              <a:rPr lang="en-US" smtClean="0"/>
-              <a:t>Fourth level</a:t>
-            </a:r>
-          </a:p>
-          <a:p>
-            <a:pPr lvl="4"/>
-            <a:r>
-              <a:rPr lang="en-US" smtClean="0"/>
-              <a:t>Fifth level</a:t>
-            </a:r>
-            <a:endParaRPr lang="en-US"/>
-          </a:p>
-        </p:txBody>
-      </p:sp>
-      <p:sp>
-        <p:nvSpPr>
-          <p:cNvPr id="5" name="Text Placeholder 4"/>
-          <p:cNvSpPr>
-            <a:spLocks noGrp="1"/>
-          </p:cNvSpPr>
-          <p:nvPr>
-            <p:ph type="body" sz="quarter" idx="3"/>
-          </p:nvPr>
-        </p:nvSpPr>
-        <p:spPr>
-          <a:xfrm>
-            <a:off x="4645025" y="1535113"/>
-            <a:ext cx="4041775" cy="639762"/>
-          </a:xfrm>
-        </p:spPr>
-        <p:txBody>
-          <a:bodyPr anchor="b"/>
+          <a:bodyPr rtlCol="0" anchor="ctr"/>
           <a:lstStyle>
             <a:lvl1pPr marL="0" indent="0">
+              <a:buFontTx/>
               <a:buNone/>
-              <a:defRPr sz="2400" b="1"/>
+              <a:defRPr sz="2000" b="1">
+                <a:solidFill>
+                  <a:srgbClr val="FFFFFF"/>
+                </a:solidFill>
+              </a:defRPr>
             </a:lvl1pPr>
-            <a:lvl2pPr marL="457200" indent="0">
-              <a:buNone/>
-              <a:defRPr sz="2000" b="1"/>
-            </a:lvl2pPr>
-            <a:lvl3pPr marL="914400" indent="0">
-              <a:buNone/>
-              <a:defRPr sz="1800" b="1"/>
-            </a:lvl3pPr>
-            <a:lvl4pPr marL="1371600" indent="0">
-              <a:buNone/>
-              <a:defRPr sz="1600" b="1"/>
-            </a:lvl4pPr>
-            <a:lvl5pPr marL="1828800" indent="0">
-              <a:buNone/>
-              <a:defRPr sz="1600" b="1"/>
-            </a:lvl5pPr>
-            <a:lvl6pPr marL="2286000" indent="0">
-              <a:buNone/>
-              <a:defRPr sz="1600" b="1"/>
-            </a:lvl6pPr>
-            <a:lvl7pPr marL="2743200" indent="0">
-              <a:buNone/>
-              <a:defRPr sz="1600" b="1"/>
-            </a:lvl7pPr>
-            <a:lvl8pPr marL="3200400" indent="0">
-              <a:buNone/>
-              <a:defRPr sz="1600" b="1"/>
-            </a:lvl8pPr>
-            <a:lvl9pPr marL="3657600" indent="0">
-              <a:buNone/>
-              <a:defRPr sz="1600" b="1"/>
-            </a:lvl9pPr>
           </a:lstStyle>
           <a:p>
-            <a:pPr lvl="0"/>
-            <a:r>
-              <a:rPr lang="en-US" smtClean="0"/>
-              <a:t>Click to edit Master text styles</a:t>
-            </a:r>
-          </a:p>
-        </p:txBody>
-      </p:sp>
-      <p:sp>
-        <p:nvSpPr>
-          <p:cNvPr id="6" name="Content Placeholder 5"/>
-          <p:cNvSpPr>
-            <a:spLocks noGrp="1"/>
-          </p:cNvSpPr>
-          <p:nvPr>
-            <p:ph sz="quarter" idx="4"/>
-          </p:nvPr>
-        </p:nvSpPr>
-        <p:spPr>
-          <a:xfrm>
-            <a:off x="4645025" y="2174875"/>
-            <a:ext cx="4041775" cy="3951288"/>
-          </a:xfrm>
-        </p:spPr>
-        <p:txBody>
-          <a:bodyPr/>
-          <a:lstStyle>
-            <a:lvl1pPr>
-              <a:defRPr sz="2400"/>
-            </a:lvl1pPr>
-            <a:lvl2pPr>
-              <a:defRPr sz="2000"/>
-            </a:lvl2pPr>
-            <a:lvl3pPr>
-              <a:defRPr sz="1800"/>
-            </a:lvl3pPr>
-            <a:lvl4pPr>
-              <a:defRPr sz="1600"/>
-            </a:lvl4pPr>
-            <a:lvl5pPr>
-              <a:defRPr sz="1600"/>
-            </a:lvl5pPr>
-            <a:lvl6pPr>
-              <a:defRPr sz="1600"/>
-            </a:lvl6pPr>
-            <a:lvl7pPr>
-              <a:defRPr sz="1600"/>
-            </a:lvl7pPr>
-            <a:lvl8pPr>
-              <a:defRPr sz="1600"/>
-            </a:lvl8pPr>
-            <a:lvl9pPr>
-              <a:defRPr sz="1600"/>
-            </a:lvl9pPr>
-          </a:lstStyle>
-          <a:p>
-            <a:pPr lvl="0"/>
-            <a:r>
-              <a:rPr lang="en-US" smtClean="0"/>
-              <a:t>Click to edit Master text styles</a:t>
-            </a:r>
-          </a:p>
-          <a:p>
-            <a:pPr lvl="1"/>
-            <a:r>
-              <a:rPr lang="en-US" smtClean="0"/>
-              <a:t>Second level</a:t>
-            </a:r>
-          </a:p>
-          <a:p>
-            <a:pPr lvl="2"/>
-            <a:r>
-              <a:rPr lang="en-US" smtClean="0"/>
-              <a:t>Third level</a:t>
-            </a:r>
-          </a:p>
-          <a:p>
-            <a:pPr lvl="3"/>
-            <a:r>
-              <a:rPr lang="en-US" smtClean="0"/>
-              <a:t>Fourth level</a:t>
-            </a:r>
-          </a:p>
-          <a:p>
-            <a:pPr lvl="4"/>
-            <a:r>
-              <a:rPr lang="en-US" smtClean="0"/>
-              <a:t>Fifth level</a:t>
-            </a:r>
-            <a:endParaRPr lang="en-US"/>
-          </a:p>
-        </p:txBody>
-      </p:sp>
-      <p:sp>
-        <p:nvSpPr>
-          <p:cNvPr id="7" name="Date Placeholder 6"/>
-          <p:cNvSpPr>
-            <a:spLocks noGrp="1"/>
-          </p:cNvSpPr>
-          <p:nvPr>
-            <p:ph type="dt" sz="half" idx="10"/>
-          </p:nvPr>
-        </p:nvSpPr>
-        <p:spPr/>
-        <p:txBody>
-          <a:bodyPr/>
-          <a:lstStyle/>
-          <a:p>
-            <a:fld id="{241EB5C9-1307-BA42-ABA2-0BC069CD8E7F}" type="datetimeFigureOut">
-              <a:rPr lang="en-US" smtClean="0"/>
-              <a:t>4/5/2019</a:t>
-            </a:fld>
-            <a:endParaRPr lang="en-US"/>
-          </a:p>
-        </p:txBody>
-      </p:sp>
-      <p:sp>
-        <p:nvSpPr>
-          <p:cNvPr id="8" name="Footer Placeholder 7"/>
-          <p:cNvSpPr>
-            <a:spLocks noGrp="1"/>
-          </p:cNvSpPr>
-          <p:nvPr>
-            <p:ph type="ftr" sz="quarter" idx="11"/>
-          </p:nvPr>
-        </p:nvSpPr>
-        <p:spPr/>
-        <p:txBody>
-          <a:bodyPr/>
-          <a:lstStyle/>
-          <a:p>
-            <a:endParaRPr lang="en-US"/>
-          </a:p>
-        </p:txBody>
-      </p:sp>
-      <p:sp>
-        <p:nvSpPr>
-          <p:cNvPr id="9" name="Slide Number Placeholder 8"/>
-          <p:cNvSpPr>
-            <a:spLocks noGrp="1"/>
-          </p:cNvSpPr>
-          <p:nvPr>
-            <p:ph type="sldNum" sz="quarter" idx="12"/>
-          </p:nvPr>
-        </p:nvSpPr>
-        <p:spPr/>
-        <p:txBody>
-          <a:bodyPr/>
-          <a:lstStyle/>
-          <a:p>
-            <a:fld id="{C5EF2332-01BF-834F-8236-50238282D533}" type="slidenum">
-              <a:rPr lang="en-US" smtClean="0"/>
-              <a:t>‹#›</a:t>
-            </a:fld>
-            <a:endParaRPr lang="en-US"/>
+            <a:pPr lvl="0" eaLnBrk="1" latinLnBrk="0" hangingPunct="1"/>
+            <a:r>
+              <a:rPr kumimoji="0" lang="zh-CN" altLang="en-US" smtClean="0"/>
+              <a:t>单击此处编辑母版文本样式</a:t>
+            </a:r>
+            <a:endParaRPr kumimoji="0" lang="zh-CN" altLang="en-US" smtClean="0"/>
           </a:p>
         </p:txBody>
       </p:sp>
     </p:spTree>
-    <p:extLst>
-      <p:ext uri="{BB962C8B-B14F-4D97-AF65-F5344CB8AC3E}">
-        <p14:creationId xmlns:p14="http://schemas.microsoft.com/office/powerpoint/2010/main" val="2535793967"/>
-      </p:ext>
-    </p:extLst>
   </p:cSld>
   <p:clrMapOvr>
     <a:masterClrMapping/>
   </p:clrMapOvr>
+  <p:hf sldNum="0" hdr="0" ftr="0" dt="0"/>
 </p:sldLayout>
 </file>
 
 <file path=ppt/slideLayouts/slideLayout6.xml><?xml version="1.0" encoding="utf-8"?>
 <p:sldLayout xmlns:a="http://schemas.openxmlformats.org/drawingml/2006/main" xmlns:r="http://schemas.openxmlformats.org/officeDocument/2006/relationships" xmlns:p="http://schemas.openxmlformats.org/presentationml/2006/main" type="titleOnly" preserve="1">
-  <p:cSld name="Title Only">
+  <p:cSld name="仅标题">
     <p:spTree>
       <p:nvGrpSpPr>
         <p:cNvPr id="1" name=""/>
@@ -2965,9 +3053,9 @@
       </p:grpSpPr>
       <p:sp>
         <p:nvSpPr>
-          <p:cNvPr id="2" name="Title 1"/>
-          <p:cNvSpPr>
-            <a:spLocks noGrp="1"/>
+          <p:cNvPr id="2" name="标题 1"/>
+          <p:cNvSpPr>
+            <a:spLocks noGrp="true"/>
           </p:cNvSpPr>
           <p:nvPr>
             <p:ph type="title"/>
@@ -2979,18 +3067,18 @@
           <a:lstStyle/>
           <a:p>
             <a:r>
-              <a:rPr lang="en-US" smtClean="0"/>
-              <a:t>Click to edit Master title style</a:t>
-            </a:r>
-            <a:endParaRPr lang="en-US"/>
-          </a:p>
-        </p:txBody>
-      </p:sp>
-      <p:sp>
-        <p:nvSpPr>
-          <p:cNvPr id="3" name="Date Placeholder 2"/>
-          <p:cNvSpPr>
-            <a:spLocks noGrp="1"/>
+              <a:rPr kumimoji="0" lang="zh-CN" altLang="en-US" smtClean="0"/>
+              <a:t>单击此处编辑母版标题样式</a:t>
+            </a:r>
+            <a:endParaRPr kumimoji="0" lang="en-US"/>
+          </a:p>
+        </p:txBody>
+      </p:sp>
+      <p:sp>
+        <p:nvSpPr>
+          <p:cNvPr id="3" name="日期占位符 2"/>
+          <p:cNvSpPr>
+            <a:spLocks noGrp="true"/>
           </p:cNvSpPr>
           <p:nvPr>
             <p:ph type="dt" sz="half" idx="10"/>
@@ -3003,7 +3091,6 @@
           <a:p>
             <a:fld id="{241EB5C9-1307-BA42-ABA2-0BC069CD8E7F}" type="datetimeFigureOut">
               <a:rPr lang="en-US" smtClean="0"/>
-              <a:t>4/5/2019</a:t>
             </a:fld>
             <a:endParaRPr lang="en-US"/>
           </a:p>
@@ -3011,9 +3098,9 @@
       </p:sp>
       <p:sp>
         <p:nvSpPr>
-          <p:cNvPr id="4" name="Footer Placeholder 3"/>
-          <p:cNvSpPr>
-            <a:spLocks noGrp="1"/>
+          <p:cNvPr id="4" name="页脚占位符 3"/>
+          <p:cNvSpPr>
+            <a:spLocks noGrp="true"/>
           </p:cNvSpPr>
           <p:nvPr>
             <p:ph type="ftr" sz="quarter" idx="11"/>
@@ -3030,9 +3117,9 @@
       </p:sp>
       <p:sp>
         <p:nvSpPr>
-          <p:cNvPr id="5" name="Slide Number Placeholder 4"/>
-          <p:cNvSpPr>
-            <a:spLocks noGrp="1"/>
+          <p:cNvPr id="5" name="灯片编号占位符 4"/>
+          <p:cNvSpPr>
+            <a:spLocks noGrp="true"/>
           </p:cNvSpPr>
           <p:nvPr>
             <p:ph type="sldNum" sz="quarter" idx="12"/>
@@ -3041,32 +3128,35 @@
         <p:spPr/>
         <p:txBody>
           <a:bodyPr/>
-          <a:lstStyle/>
+          <a:lstStyle>
+            <a:lvl1pPr>
+              <a:defRPr>
+                <a:solidFill>
+                  <a:srgbClr val="FFFFFF"/>
+                </a:solidFill>
+              </a:defRPr>
+            </a:lvl1pPr>
+          </a:lstStyle>
           <a:p>
             <a:fld id="{C5EF2332-01BF-834F-8236-50238282D533}" type="slidenum">
               <a:rPr lang="en-US" smtClean="0"/>
-              <a:t>‹#›</a:t>
             </a:fld>
             <a:endParaRPr lang="en-US"/>
           </a:p>
         </p:txBody>
       </p:sp>
     </p:spTree>
-    <p:extLst>
-      <p:ext uri="{BB962C8B-B14F-4D97-AF65-F5344CB8AC3E}">
-        <p14:creationId xmlns:p14="http://schemas.microsoft.com/office/powerpoint/2010/main" val="3472721253"/>
-      </p:ext>
-    </p:extLst>
   </p:cSld>
   <p:clrMapOvr>
     <a:masterClrMapping/>
   </p:clrMapOvr>
+  <p:hf sldNum="0" hdr="0" ftr="0" dt="0"/>
 </p:sldLayout>
 </file>
 
 <file path=ppt/slideLayouts/slideLayout7.xml><?xml version="1.0" encoding="utf-8"?>
-<p:sldLayout xmlns:a="http://schemas.openxmlformats.org/drawingml/2006/main" xmlns:r="http://schemas.openxmlformats.org/officeDocument/2006/relationships" xmlns:p="http://schemas.openxmlformats.org/presentationml/2006/main" type="blank" preserve="1">
-  <p:cSld name="Blank">
+<p:sldLayout xmlns:a="http://schemas.openxmlformats.org/drawingml/2006/main" xmlns:r="http://schemas.openxmlformats.org/officeDocument/2006/relationships" xmlns:p="http://schemas.openxmlformats.org/presentationml/2006/main" type="blank" preserve="1" showMasterSp="0">
+  <p:cSld name="空白">
     <p:spTree>
       <p:nvGrpSpPr>
         <p:cNvPr id="1" name=""/>
@@ -3083,9 +3173,9 @@
       </p:grpSpPr>
       <p:sp>
         <p:nvSpPr>
-          <p:cNvPr id="2" name="Date Placeholder 1"/>
-          <p:cNvSpPr>
-            <a:spLocks noGrp="1"/>
+          <p:cNvPr id="2" name="日期占位符 1"/>
+          <p:cNvSpPr>
+            <a:spLocks noGrp="true"/>
           </p:cNvSpPr>
           <p:nvPr>
             <p:ph type="dt" sz="half" idx="10"/>
@@ -3098,7 +3188,6 @@
           <a:p>
             <a:fld id="{241EB5C9-1307-BA42-ABA2-0BC069CD8E7F}" type="datetimeFigureOut">
               <a:rPr lang="en-US" smtClean="0"/>
-              <a:t>4/5/2019</a:t>
             </a:fld>
             <a:endParaRPr lang="en-US"/>
           </a:p>
@@ -3106,9 +3195,9 @@
       </p:sp>
       <p:sp>
         <p:nvSpPr>
-          <p:cNvPr id="3" name="Footer Placeholder 2"/>
-          <p:cNvSpPr>
-            <a:spLocks noGrp="1"/>
+          <p:cNvPr id="3" name="页脚占位符 2"/>
+          <p:cNvSpPr>
+            <a:spLocks noGrp="true"/>
           </p:cNvSpPr>
           <p:nvPr>
             <p:ph type="ftr" sz="quarter" idx="11"/>
@@ -3125,43 +3214,51 @@
       </p:sp>
       <p:sp>
         <p:nvSpPr>
-          <p:cNvPr id="4" name="Slide Number Placeholder 3"/>
-          <p:cNvSpPr>
-            <a:spLocks noGrp="1"/>
+          <p:cNvPr id="4" name="灯片编号占位符 3"/>
+          <p:cNvSpPr>
+            <a:spLocks noGrp="true"/>
           </p:cNvSpPr>
           <p:nvPr>
             <p:ph type="sldNum" sz="quarter" idx="12"/>
           </p:nvPr>
         </p:nvSpPr>
-        <p:spPr/>
-        <p:txBody>
-          <a:bodyPr/>
-          <a:lstStyle/>
+        <p:spPr>
+          <a:xfrm>
+            <a:off x="0" y="6248400"/>
+            <a:ext cx="533400" cy="381000"/>
+          </a:xfrm>
+        </p:spPr>
+        <p:txBody>
+          <a:bodyPr/>
+          <a:lstStyle>
+            <a:lvl1pPr>
+              <a:defRPr>
+                <a:solidFill>
+                  <a:schemeClr val="tx2"/>
+                </a:solidFill>
+              </a:defRPr>
+            </a:lvl1pPr>
+          </a:lstStyle>
           <a:p>
             <a:fld id="{C5EF2332-01BF-834F-8236-50238282D533}" type="slidenum">
               <a:rPr lang="en-US" smtClean="0"/>
-              <a:t>‹#›</a:t>
             </a:fld>
             <a:endParaRPr lang="en-US"/>
           </a:p>
         </p:txBody>
       </p:sp>
     </p:spTree>
-    <p:extLst>
-      <p:ext uri="{BB962C8B-B14F-4D97-AF65-F5344CB8AC3E}">
-        <p14:creationId xmlns:p14="http://schemas.microsoft.com/office/powerpoint/2010/main" val="2130901097"/>
-      </p:ext>
-    </p:extLst>
   </p:cSld>
   <p:clrMapOvr>
     <a:masterClrMapping/>
   </p:clrMapOvr>
+  <p:hf sldNum="0" hdr="0" ftr="0" dt="0"/>
 </p:sldLayout>
 </file>
 
 <file path=ppt/slideLayouts/slideLayout8.xml><?xml version="1.0" encoding="utf-8"?>
 <p:sldLayout xmlns:a="http://schemas.openxmlformats.org/drawingml/2006/main" xmlns:r="http://schemas.openxmlformats.org/officeDocument/2006/relationships" xmlns:p="http://schemas.openxmlformats.org/presentationml/2006/main" type="objTx" preserve="1">
-  <p:cSld name="Content with Caption">
+  <p:cSld name="内容与标题">
     <p:spTree>
       <p:nvGrpSpPr>
         <p:cNvPr id="1" name=""/>
@@ -3178,9 +3275,9 @@
       </p:grpSpPr>
       <p:sp>
         <p:nvSpPr>
-          <p:cNvPr id="2" name="Title 1"/>
-          <p:cNvSpPr>
-            <a:spLocks noGrp="1"/>
+          <p:cNvPr id="2" name="标题 1"/>
+          <p:cNvSpPr>
+            <a:spLocks noGrp="true"/>
           </p:cNvSpPr>
           <p:nvPr>
             <p:ph type="title"/>
@@ -3188,257 +3285,251 @@
         </p:nvSpPr>
         <p:spPr>
           <a:xfrm>
-            <a:off x="457200" y="273050"/>
-            <a:ext cx="3008313" cy="1162050"/>
+            <a:off x="609600" y="273050"/>
+            <a:ext cx="8077200" cy="869950"/>
           </a:xfrm>
         </p:spPr>
         <p:txBody>
-          <a:bodyPr anchor="b"/>
+          <a:bodyPr anchor="ctr"/>
           <a:lstStyle>
             <a:lvl1pPr algn="l">
-              <a:defRPr sz="2000" b="1"/>
+              <a:buNone/>
+              <a:defRPr sz="4400" b="0"/>
             </a:lvl1pPr>
           </a:lstStyle>
           <a:p>
             <a:r>
+              <a:rPr kumimoji="0" lang="zh-CN" altLang="en-US" smtClean="0"/>
+              <a:t>单击此处编辑母版标题样式</a:t>
+            </a:r>
+            <a:endParaRPr kumimoji="0" lang="en-US"/>
+          </a:p>
+        </p:txBody>
+      </p:sp>
+      <p:sp>
+        <p:nvSpPr>
+          <p:cNvPr id="5" name="日期占位符 4"/>
+          <p:cNvSpPr>
+            <a:spLocks noGrp="true"/>
+          </p:cNvSpPr>
+          <p:nvPr>
+            <p:ph type="dt" sz="half" idx="10"/>
+          </p:nvPr>
+        </p:nvSpPr>
+        <p:spPr/>
+        <p:txBody>
+          <a:bodyPr/>
+          <a:lstStyle/>
+          <a:p>
+            <a:fld id="{241EB5C9-1307-BA42-ABA2-0BC069CD8E7F}" type="datetimeFigureOut">
               <a:rPr lang="en-US" smtClean="0"/>
-              <a:t>Click to edit Master title style</a:t>
-            </a:r>
+            </a:fld>
             <a:endParaRPr lang="en-US"/>
           </a:p>
         </p:txBody>
       </p:sp>
       <p:sp>
         <p:nvSpPr>
-          <p:cNvPr id="3" name="Content Placeholder 2"/>
-          <p:cNvSpPr>
-            <a:spLocks noGrp="1"/>
-          </p:cNvSpPr>
-          <p:nvPr>
-            <p:ph idx="1"/>
+          <p:cNvPr id="6" name="页脚占位符 5"/>
+          <p:cNvSpPr>
+            <a:spLocks noGrp="true"/>
+          </p:cNvSpPr>
+          <p:nvPr>
+            <p:ph type="ftr" sz="quarter" idx="11"/>
+          </p:nvPr>
+        </p:nvSpPr>
+        <p:spPr/>
+        <p:txBody>
+          <a:bodyPr/>
+          <a:lstStyle/>
+          <a:p>
+            <a:endParaRPr lang="en-US"/>
+          </a:p>
+        </p:txBody>
+      </p:sp>
+      <p:sp>
+        <p:nvSpPr>
+          <p:cNvPr id="7" name="灯片编号占位符 6"/>
+          <p:cNvSpPr>
+            <a:spLocks noGrp="true"/>
+          </p:cNvSpPr>
+          <p:nvPr>
+            <p:ph type="sldNum" sz="quarter" idx="12"/>
+          </p:nvPr>
+        </p:nvSpPr>
+        <p:spPr/>
+        <p:txBody>
+          <a:bodyPr/>
+          <a:lstStyle>
+            <a:lvl1pPr>
+              <a:defRPr>
+                <a:solidFill>
+                  <a:srgbClr val="FFFFFF"/>
+                </a:solidFill>
+              </a:defRPr>
+            </a:lvl1pPr>
+          </a:lstStyle>
+          <a:p>
+            <a:fld id="{C5EF2332-01BF-834F-8236-50238282D533}" type="slidenum">
+              <a:rPr lang="en-US" smtClean="0"/>
+            </a:fld>
+            <a:endParaRPr lang="en-US"/>
+          </a:p>
+        </p:txBody>
+      </p:sp>
+      <p:sp>
+        <p:nvSpPr>
+          <p:cNvPr id="3" name="文本占位符 2"/>
+          <p:cNvSpPr>
+            <a:spLocks noGrp="true"/>
+          </p:cNvSpPr>
+          <p:nvPr>
+            <p:ph type="body" idx="2"/>
           </p:nvPr>
         </p:nvSpPr>
         <p:spPr>
           <a:xfrm>
-            <a:off x="3575050" y="273050"/>
-            <a:ext cx="5111750" cy="5853113"/>
+            <a:off x="609600" y="1752600"/>
+            <a:ext cx="1600200" cy="4343400"/>
           </a:xfrm>
+          <a:ln w="50800" cap="sq" cmpd="dbl" algn="ctr">
+            <a:solidFill>
+              <a:schemeClr val="accent2"/>
+            </a:solidFill>
+            <a:prstDash val="solid"/>
+            <a:miter lim="800000"/>
+          </a:ln>
+          <a:effectLst/>
         </p:spPr>
-        <p:txBody>
-          <a:bodyPr/>
+        <p:style>
+          <a:lnRef idx="3">
+            <a:schemeClr val="lt1"/>
+          </a:lnRef>
+          <a:fillRef idx="1">
+            <a:schemeClr val="accent2"/>
+          </a:fillRef>
+          <a:effectRef idx="1">
+            <a:schemeClr val="accent2"/>
+          </a:effectRef>
+          <a:fontRef idx="minor">
+            <a:schemeClr val="lt1"/>
+          </a:fontRef>
+        </p:style>
+        <p:txBody>
+          <a:bodyPr lIns="137160" tIns="182880" rIns="137160" bIns="91440"/>
           <a:lstStyle>
-            <a:lvl1pPr>
-              <a:defRPr sz="3200"/>
+            <a:lvl1pPr marL="0" indent="0">
+              <a:spcAft>
+                <a:spcPts val="1000"/>
+              </a:spcAft>
+              <a:buNone/>
+              <a:defRPr sz="1800"/>
             </a:lvl1pPr>
             <a:lvl2pPr>
-              <a:defRPr sz="2800"/>
-            </a:lvl2pPr>
-            <a:lvl3pPr>
-              <a:defRPr sz="2400"/>
-            </a:lvl3pPr>
-            <a:lvl4pPr>
-              <a:defRPr sz="2000"/>
-            </a:lvl4pPr>
-            <a:lvl5pPr>
-              <a:defRPr sz="2000"/>
-            </a:lvl5pPr>
-            <a:lvl6pPr>
-              <a:defRPr sz="2000"/>
-            </a:lvl6pPr>
-            <a:lvl7pPr>
-              <a:defRPr sz="2000"/>
-            </a:lvl7pPr>
-            <a:lvl8pPr>
-              <a:defRPr sz="2000"/>
-            </a:lvl8pPr>
-            <a:lvl9pPr>
-              <a:defRPr sz="2000"/>
-            </a:lvl9pPr>
-          </a:lstStyle>
-          <a:p>
-            <a:pPr lvl="0"/>
-            <a:r>
-              <a:rPr lang="en-US" smtClean="0"/>
-              <a:t>Click to edit Master text styles</a:t>
-            </a:r>
-          </a:p>
-          <a:p>
-            <a:pPr lvl="1"/>
-            <a:r>
-              <a:rPr lang="en-US" smtClean="0"/>
-              <a:t>Second level</a:t>
-            </a:r>
-          </a:p>
-          <a:p>
-            <a:pPr lvl="2"/>
-            <a:r>
-              <a:rPr lang="en-US" smtClean="0"/>
-              <a:t>Third level</a:t>
-            </a:r>
-          </a:p>
-          <a:p>
-            <a:pPr lvl="3"/>
-            <a:r>
-              <a:rPr lang="en-US" smtClean="0"/>
-              <a:t>Fourth level</a:t>
-            </a:r>
-          </a:p>
-          <a:p>
-            <a:pPr lvl="4"/>
-            <a:r>
-              <a:rPr lang="en-US" smtClean="0"/>
-              <a:t>Fifth level</a:t>
-            </a:r>
-            <a:endParaRPr lang="en-US"/>
-          </a:p>
-        </p:txBody>
-      </p:sp>
-      <p:sp>
-        <p:nvSpPr>
-          <p:cNvPr id="4" name="Text Placeholder 3"/>
-          <p:cNvSpPr>
-            <a:spLocks noGrp="1"/>
-          </p:cNvSpPr>
-          <p:nvPr>
-            <p:ph type="body" sz="half" idx="2"/>
-          </p:nvPr>
-        </p:nvSpPr>
-        <p:spPr>
-          <a:xfrm>
-            <a:off x="457200" y="1435100"/>
-            <a:ext cx="3008313" cy="4691063"/>
-          </a:xfrm>
-        </p:spPr>
-        <p:txBody>
-          <a:bodyPr/>
-          <a:lstStyle>
-            <a:lvl1pPr marL="0" indent="0">
-              <a:buNone/>
-              <a:defRPr sz="1400"/>
-            </a:lvl1pPr>
-            <a:lvl2pPr marL="457200" indent="0">
               <a:buNone/>
               <a:defRPr sz="1200"/>
             </a:lvl2pPr>
-            <a:lvl3pPr marL="914400" indent="0">
+            <a:lvl3pPr>
               <a:buNone/>
               <a:defRPr sz="1000"/>
             </a:lvl3pPr>
-            <a:lvl4pPr marL="1371600" indent="0">
+            <a:lvl4pPr>
               <a:buNone/>
               <a:defRPr sz="900"/>
             </a:lvl4pPr>
-            <a:lvl5pPr marL="1828800" indent="0">
+            <a:lvl5pPr>
               <a:buNone/>
               <a:defRPr sz="900"/>
             </a:lvl5pPr>
-            <a:lvl6pPr marL="2286000" indent="0">
-              <a:buNone/>
-              <a:defRPr sz="900"/>
-            </a:lvl6pPr>
-            <a:lvl7pPr marL="2743200" indent="0">
-              <a:buNone/>
-              <a:defRPr sz="900"/>
-            </a:lvl7pPr>
-            <a:lvl8pPr marL="3200400" indent="0">
-              <a:buNone/>
-              <a:defRPr sz="900"/>
-            </a:lvl8pPr>
-            <a:lvl9pPr marL="3657600" indent="0">
-              <a:buNone/>
-              <a:defRPr sz="900"/>
-            </a:lvl9pPr>
           </a:lstStyle>
           <a:p>
-            <a:pPr lvl="0"/>
-            <a:r>
-              <a:rPr lang="en-US" smtClean="0"/>
-              <a:t>Click to edit Master text styles</a:t>
-            </a:r>
-          </a:p>
-        </p:txBody>
-      </p:sp>
-      <p:sp>
-        <p:nvSpPr>
-          <p:cNvPr id="5" name="Date Placeholder 4"/>
-          <p:cNvSpPr>
-            <a:spLocks noGrp="1"/>
-          </p:cNvSpPr>
-          <p:nvPr>
-            <p:ph type="dt" sz="half" idx="10"/>
-          </p:nvPr>
-        </p:nvSpPr>
-        <p:spPr/>
-        <p:txBody>
-          <a:bodyPr/>
-          <a:lstStyle/>
-          <a:p>
-            <a:fld id="{241EB5C9-1307-BA42-ABA2-0BC069CD8E7F}" type="datetimeFigureOut">
-              <a:rPr lang="en-US" smtClean="0"/>
-              <a:t>4/5/2019</a:t>
-            </a:fld>
-            <a:endParaRPr lang="en-US"/>
-          </a:p>
-        </p:txBody>
-      </p:sp>
-      <p:sp>
-        <p:nvSpPr>
-          <p:cNvPr id="6" name="Footer Placeholder 5"/>
-          <p:cNvSpPr>
-            <a:spLocks noGrp="1"/>
-          </p:cNvSpPr>
-          <p:nvPr>
-            <p:ph type="ftr" sz="quarter" idx="11"/>
-          </p:nvPr>
-        </p:nvSpPr>
-        <p:spPr/>
-        <p:txBody>
-          <a:bodyPr/>
-          <a:lstStyle/>
-          <a:p>
-            <a:endParaRPr lang="en-US"/>
-          </a:p>
-        </p:txBody>
-      </p:sp>
-      <p:sp>
-        <p:nvSpPr>
-          <p:cNvPr id="7" name="Slide Number Placeholder 6"/>
-          <p:cNvSpPr>
-            <a:spLocks noGrp="1"/>
-          </p:cNvSpPr>
-          <p:nvPr>
-            <p:ph type="sldNum" sz="quarter" idx="12"/>
-          </p:nvPr>
-        </p:nvSpPr>
-        <p:spPr/>
-        <p:txBody>
-          <a:bodyPr/>
-          <a:lstStyle/>
-          <a:p>
-            <a:fld id="{C5EF2332-01BF-834F-8236-50238282D533}" type="slidenum">
-              <a:rPr lang="en-US" smtClean="0"/>
-              <a:t>‹#›</a:t>
-            </a:fld>
-            <a:endParaRPr lang="en-US"/>
+            <a:pPr lvl="0" eaLnBrk="1" latinLnBrk="0" hangingPunct="1"/>
+            <a:r>
+              <a:rPr kumimoji="0" lang="zh-CN" altLang="en-US" smtClean="0"/>
+              <a:t>单击此处编辑母版文本样式</a:t>
+            </a:r>
+            <a:endParaRPr kumimoji="0" lang="zh-CN" altLang="en-US" smtClean="0"/>
+          </a:p>
+        </p:txBody>
+      </p:sp>
+      <p:sp>
+        <p:nvSpPr>
+          <p:cNvPr id="9" name="内容占位符 8"/>
+          <p:cNvSpPr>
+            <a:spLocks noGrp="true"/>
+          </p:cNvSpPr>
+          <p:nvPr>
+            <p:ph sz="quarter" idx="1"/>
+          </p:nvPr>
+        </p:nvSpPr>
+        <p:spPr>
+          <a:xfrm>
+            <a:off x="2362200" y="1752600"/>
+            <a:ext cx="6400800" cy="4419600"/>
+          </a:xfrm>
+        </p:spPr>
+        <p:txBody>
+          <a:bodyPr/>
+          <a:lstStyle/>
+          <a:p>
+            <a:pPr lvl="0" eaLnBrk="1" latinLnBrk="0" hangingPunct="1"/>
+            <a:r>
+              <a:rPr lang="zh-CN" altLang="en-US" smtClean="0"/>
+              <a:t>单击此处编辑母版文本样式</a:t>
+            </a:r>
+            <a:endParaRPr lang="zh-CN" altLang="en-US" smtClean="0"/>
+          </a:p>
+          <a:p>
+            <a:pPr lvl="1" eaLnBrk="1" latinLnBrk="0" hangingPunct="1"/>
+            <a:r>
+              <a:rPr lang="zh-CN" altLang="en-US" smtClean="0"/>
+              <a:t>第二级</a:t>
+            </a:r>
+            <a:endParaRPr lang="zh-CN" altLang="en-US" smtClean="0"/>
+          </a:p>
+          <a:p>
+            <a:pPr lvl="2" eaLnBrk="1" latinLnBrk="0" hangingPunct="1"/>
+            <a:r>
+              <a:rPr lang="zh-CN" altLang="en-US" smtClean="0"/>
+              <a:t>第三级</a:t>
+            </a:r>
+            <a:endParaRPr lang="zh-CN" altLang="en-US" smtClean="0"/>
+          </a:p>
+          <a:p>
+            <a:pPr lvl="3" eaLnBrk="1" latinLnBrk="0" hangingPunct="1"/>
+            <a:r>
+              <a:rPr lang="zh-CN" altLang="en-US" smtClean="0"/>
+              <a:t>第四级</a:t>
+            </a:r>
+            <a:endParaRPr lang="zh-CN" altLang="en-US" smtClean="0"/>
+          </a:p>
+          <a:p>
+            <a:pPr lvl="4" eaLnBrk="1" latinLnBrk="0" hangingPunct="1"/>
+            <a:r>
+              <a:rPr lang="zh-CN" altLang="en-US" smtClean="0"/>
+              <a:t>第五级</a:t>
+            </a:r>
+            <a:endParaRPr kumimoji="0" lang="en-US"/>
           </a:p>
         </p:txBody>
       </p:sp>
     </p:spTree>
-    <p:extLst>
-      <p:ext uri="{BB962C8B-B14F-4D97-AF65-F5344CB8AC3E}">
-        <p14:creationId xmlns:p14="http://schemas.microsoft.com/office/powerpoint/2010/main" val="3540895647"/>
-      </p:ext>
-    </p:extLst>
   </p:cSld>
   <p:clrMapOvr>
     <a:masterClrMapping/>
   </p:clrMapOvr>
+  <p:hf sldNum="0" hdr="0" ftr="0" dt="0"/>
 </p:sldLayout>
 </file>
 
 <file path=ppt/slideLayouts/slideLayout9.xml><?xml version="1.0" encoding="utf-8"?>
-<p:sldLayout xmlns:a="http://schemas.openxmlformats.org/drawingml/2006/main" xmlns:r="http://schemas.openxmlformats.org/officeDocument/2006/relationships" xmlns:p="http://schemas.openxmlformats.org/presentationml/2006/main" type="picTx" preserve="1">
-  <p:cSld name="Picture with Caption">
+<p:sldLayout xmlns:a="http://schemas.openxmlformats.org/drawingml/2006/main" xmlns:r="http://schemas.openxmlformats.org/officeDocument/2006/relationships" xmlns:p="http://schemas.openxmlformats.org/presentationml/2006/main" type="picTx" preserve="1" showMasterSp="0">
+  <p:cSld name="图片与标题">
+    <p:bg>
+      <p:bgRef idx="1003">
+        <a:schemeClr val="bg2"/>
+      </p:bgRef>
+    </p:bg>
     <p:spTree>
       <p:nvGrpSpPr>
         <p:cNvPr id="1" name=""/>
@@ -3455,51 +3546,389 @@
       </p:grpSpPr>
       <p:sp>
         <p:nvSpPr>
-          <p:cNvPr id="2" name="Title 1"/>
-          <p:cNvSpPr>
-            <a:spLocks noGrp="1"/>
-          </p:cNvSpPr>
-          <p:nvPr>
-            <p:ph type="title"/>
+          <p:cNvPr id="4" name="文本占位符 3"/>
+          <p:cNvSpPr>
+            <a:spLocks noGrp="true"/>
+          </p:cNvSpPr>
+          <p:nvPr>
+            <p:ph type="body" sz="half" idx="2"/>
           </p:nvPr>
         </p:nvSpPr>
         <p:spPr>
           <a:xfrm>
-            <a:off x="1792288" y="4800600"/>
-            <a:ext cx="5486400" cy="566738"/>
+            <a:off x="1600200" y="5486400"/>
+            <a:ext cx="7315200" cy="685800"/>
           </a:xfrm>
         </p:spPr>
         <p:txBody>
-          <a:bodyPr anchor="b"/>
+          <a:bodyPr/>
+          <a:lstStyle>
+            <a:lvl1pPr marL="0" indent="0">
+              <a:buFontTx/>
+              <a:buNone/>
+              <a:defRPr sz="1700"/>
+            </a:lvl1pPr>
+            <a:lvl2pPr>
+              <a:buFontTx/>
+              <a:buNone/>
+              <a:defRPr sz="1200"/>
+            </a:lvl2pPr>
+            <a:lvl3pPr>
+              <a:buFontTx/>
+              <a:buNone/>
+              <a:defRPr sz="1000"/>
+            </a:lvl3pPr>
+            <a:lvl4pPr>
+              <a:buFontTx/>
+              <a:buNone/>
+              <a:defRPr sz="900"/>
+            </a:lvl4pPr>
+            <a:lvl5pPr>
+              <a:buFontTx/>
+              <a:buNone/>
+              <a:defRPr sz="900"/>
+            </a:lvl5pPr>
+          </a:lstStyle>
+          <a:p>
+            <a:pPr lvl="0" eaLnBrk="1" latinLnBrk="0" hangingPunct="1"/>
+            <a:r>
+              <a:rPr kumimoji="0" lang="zh-CN" altLang="en-US" smtClean="0"/>
+              <a:t>单击此处编辑母版文本样式</a:t>
+            </a:r>
+            <a:endParaRPr kumimoji="0" lang="zh-CN" altLang="en-US" smtClean="0"/>
+          </a:p>
+        </p:txBody>
+      </p:sp>
+      <p:sp>
+        <p:nvSpPr>
+          <p:cNvPr id="8" name="矩形 7"/>
+          <p:cNvSpPr/>
+          <p:nvPr/>
+        </p:nvSpPr>
+        <p:spPr bwMode="white">
+          <a:xfrm>
+            <a:off x="-9144" y="4572000"/>
+            <a:ext cx="9144000" cy="886968"/>
+          </a:xfrm>
+          <a:prstGeom prst="rect">
+            <a:avLst/>
+          </a:prstGeom>
+          <a:solidFill>
+            <a:srgbClr val="FFFFFF"/>
+          </a:solidFill>
+          <a:ln w="50800" cap="rnd" cmpd="dbl" algn="ctr">
+            <a:noFill/>
+            <a:prstDash val="solid"/>
+          </a:ln>
+          <a:effectLst/>
+        </p:spPr>
+        <p:style>
+          <a:lnRef idx="3">
+            <a:schemeClr val="lt1"/>
+          </a:lnRef>
+          <a:fillRef idx="1">
+            <a:schemeClr val="accent1"/>
+          </a:fillRef>
+          <a:effectRef idx="1">
+            <a:schemeClr val="accent1"/>
+          </a:effectRef>
+          <a:fontRef idx="minor">
+            <a:schemeClr val="lt1"/>
+          </a:fontRef>
+        </p:style>
+        <p:txBody>
+          <a:bodyPr anchor="ctr"/>
+          <a:lstStyle/>
+          <a:p>
+            <a:pPr algn="ctr" eaLnBrk="1" latinLnBrk="0" hangingPunct="1"/>
+            <a:endParaRPr kumimoji="0" lang="en-US"/>
+          </a:p>
+        </p:txBody>
+      </p:sp>
+      <p:sp>
+        <p:nvSpPr>
+          <p:cNvPr id="9" name="矩形 8"/>
+          <p:cNvSpPr/>
+          <p:nvPr/>
+        </p:nvSpPr>
+        <p:spPr>
+          <a:xfrm>
+            <a:off x="-9144" y="4663440"/>
+            <a:ext cx="1463040" cy="713232"/>
+          </a:xfrm>
+          <a:prstGeom prst="rect">
+            <a:avLst/>
+          </a:prstGeom>
+          <a:solidFill>
+            <a:schemeClr val="accent2">
+              <a:alpha val="100000"/>
+            </a:schemeClr>
+          </a:solidFill>
+          <a:ln w="50800" cap="rnd" cmpd="dbl" algn="ctr">
+            <a:noFill/>
+            <a:prstDash val="solid"/>
+          </a:ln>
+          <a:effectLst/>
+        </p:spPr>
+        <p:style>
+          <a:lnRef idx="3">
+            <a:schemeClr val="lt1"/>
+          </a:lnRef>
+          <a:fillRef idx="1">
+            <a:schemeClr val="accent1"/>
+          </a:fillRef>
+          <a:effectRef idx="1">
+            <a:schemeClr val="accent1"/>
+          </a:effectRef>
+          <a:fontRef idx="minor">
+            <a:schemeClr val="lt1"/>
+          </a:fontRef>
+        </p:style>
+        <p:txBody>
+          <a:bodyPr anchor="ctr"/>
+          <a:lstStyle/>
+          <a:p>
+            <a:pPr algn="ctr" eaLnBrk="1" latinLnBrk="0" hangingPunct="1"/>
+            <a:endParaRPr kumimoji="0" lang="en-US"/>
+          </a:p>
+        </p:txBody>
+      </p:sp>
+      <p:sp>
+        <p:nvSpPr>
+          <p:cNvPr id="10" name="矩形 9"/>
+          <p:cNvSpPr/>
+          <p:nvPr/>
+        </p:nvSpPr>
+        <p:spPr>
+          <a:xfrm>
+            <a:off x="1545336" y="4654296"/>
+            <a:ext cx="7598664" cy="713232"/>
+          </a:xfrm>
+          <a:prstGeom prst="rect">
+            <a:avLst/>
+          </a:prstGeom>
+          <a:solidFill>
+            <a:schemeClr val="accent1">
+              <a:alpha val="100000"/>
+            </a:schemeClr>
+          </a:solidFill>
+          <a:ln w="50800" cap="rnd" cmpd="dbl" algn="ctr">
+            <a:noFill/>
+            <a:prstDash val="solid"/>
+          </a:ln>
+          <a:effectLst/>
+        </p:spPr>
+        <p:style>
+          <a:lnRef idx="3">
+            <a:schemeClr val="lt1"/>
+          </a:lnRef>
+          <a:fillRef idx="1">
+            <a:schemeClr val="accent1"/>
+          </a:fillRef>
+          <a:effectRef idx="1">
+            <a:schemeClr val="accent1"/>
+          </a:effectRef>
+          <a:fontRef idx="minor">
+            <a:schemeClr val="lt1"/>
+          </a:fontRef>
+        </p:style>
+        <p:txBody>
+          <a:bodyPr anchor="ctr"/>
+          <a:lstStyle/>
+          <a:p>
+            <a:pPr algn="ctr" eaLnBrk="1" latinLnBrk="0" hangingPunct="1"/>
+            <a:endParaRPr kumimoji="0" lang="en-US"/>
+          </a:p>
+        </p:txBody>
+      </p:sp>
+      <p:sp>
+        <p:nvSpPr>
+          <p:cNvPr id="2" name="标题 1"/>
+          <p:cNvSpPr>
+            <a:spLocks noGrp="true"/>
+          </p:cNvSpPr>
+          <p:nvPr>
+            <p:ph type="title"/>
+          </p:nvPr>
+        </p:nvSpPr>
+        <p:spPr>
+          <a:xfrm>
+            <a:off x="1600200" y="4648200"/>
+            <a:ext cx="7315200" cy="685800"/>
+          </a:xfrm>
+        </p:spPr>
+        <p:txBody>
+          <a:bodyPr anchor="ctr"/>
           <a:lstStyle>
             <a:lvl1pPr algn="l">
-              <a:defRPr sz="2000" b="1"/>
+              <a:buNone/>
+              <a:defRPr sz="2800" b="0">
+                <a:solidFill>
+                  <a:srgbClr val="FFFFFF"/>
+                </a:solidFill>
+              </a:defRPr>
             </a:lvl1pPr>
           </a:lstStyle>
           <a:p>
             <a:r>
-              <a:rPr lang="en-US" smtClean="0"/>
-              <a:t>Click to edit Master title style</a:t>
-            </a:r>
-            <a:endParaRPr lang="en-US"/>
-          </a:p>
-        </p:txBody>
-      </p:sp>
-      <p:sp>
-        <p:nvSpPr>
-          <p:cNvPr id="3" name="Picture Placeholder 2"/>
-          <p:cNvSpPr>
-            <a:spLocks noGrp="1"/>
-          </p:cNvSpPr>
-          <p:nvPr>
-            <p:ph type="pic" idx="1"/>
+              <a:rPr kumimoji="0" lang="zh-CN" altLang="en-US" smtClean="0"/>
+              <a:t>单击此处编辑母版标题样式</a:t>
+            </a:r>
+            <a:endParaRPr kumimoji="0" lang="en-US"/>
+          </a:p>
+        </p:txBody>
+      </p:sp>
+      <p:sp>
+        <p:nvSpPr>
+          <p:cNvPr id="11" name="矩形 10"/>
+          <p:cNvSpPr/>
+          <p:nvPr/>
+        </p:nvSpPr>
+        <p:spPr bwMode="white">
+          <a:xfrm>
+            <a:off x="1447800" y="0"/>
+            <a:ext cx="100584" cy="6867144"/>
+          </a:xfrm>
+          <a:prstGeom prst="rect">
+            <a:avLst/>
+          </a:prstGeom>
+          <a:solidFill>
+            <a:srgbClr val="FFFFFF"/>
+          </a:solidFill>
+          <a:ln w="50800" cap="rnd" cmpd="dbl" algn="ctr">
+            <a:noFill/>
+            <a:prstDash val="solid"/>
+          </a:ln>
+          <a:effectLst/>
+        </p:spPr>
+        <p:style>
+          <a:lnRef idx="3">
+            <a:schemeClr val="lt1"/>
+          </a:lnRef>
+          <a:fillRef idx="1">
+            <a:schemeClr val="accent1"/>
+          </a:fillRef>
+          <a:effectRef idx="1">
+            <a:schemeClr val="accent1"/>
+          </a:effectRef>
+          <a:fontRef idx="minor">
+            <a:schemeClr val="lt1"/>
+          </a:fontRef>
+        </p:style>
+        <p:txBody>
+          <a:bodyPr anchor="ctr"/>
+          <a:lstStyle/>
+          <a:p>
+            <a:pPr algn="ctr" eaLnBrk="1" latinLnBrk="0" hangingPunct="1"/>
+            <a:endParaRPr kumimoji="0" lang="en-US"/>
+          </a:p>
+        </p:txBody>
+      </p:sp>
+      <p:sp>
+        <p:nvSpPr>
+          <p:cNvPr id="12" name="日期占位符 11"/>
+          <p:cNvSpPr>
+            <a:spLocks noGrp="true"/>
+          </p:cNvSpPr>
+          <p:nvPr>
+            <p:ph type="dt" sz="half" idx="10"/>
           </p:nvPr>
         </p:nvSpPr>
         <p:spPr>
           <a:xfrm>
-            <a:off x="1792288" y="612775"/>
-            <a:ext cx="5486400" cy="4114800"/>
+            <a:off x="6248400" y="6248400"/>
+            <a:ext cx="2667000" cy="365125"/>
           </a:xfrm>
+        </p:spPr>
+        <p:txBody>
+          <a:bodyPr rtlCol="0"/>
+          <a:lstStyle/>
+          <a:p>
+            <a:fld id="{241EB5C9-1307-BA42-ABA2-0BC069CD8E7F}" type="datetimeFigureOut">
+              <a:rPr lang="en-US" smtClean="0"/>
+            </a:fld>
+            <a:endParaRPr lang="en-US"/>
+          </a:p>
+        </p:txBody>
+      </p:sp>
+      <p:sp>
+        <p:nvSpPr>
+          <p:cNvPr id="13" name="灯片编号占位符 12"/>
+          <p:cNvSpPr>
+            <a:spLocks noGrp="true"/>
+          </p:cNvSpPr>
+          <p:nvPr>
+            <p:ph type="sldNum" sz="quarter" idx="11"/>
+          </p:nvPr>
+        </p:nvSpPr>
+        <p:spPr>
+          <a:xfrm>
+            <a:off x="0" y="4667249"/>
+            <a:ext cx="1447800" cy="663578"/>
+          </a:xfrm>
+        </p:spPr>
+        <p:txBody>
+          <a:bodyPr rtlCol="0"/>
+          <a:lstStyle>
+            <a:lvl1pPr>
+              <a:defRPr sz="2800"/>
+            </a:lvl1pPr>
+          </a:lstStyle>
+          <a:p>
+            <a:fld id="{C5EF2332-01BF-834F-8236-50238282D533}" type="slidenum">
+              <a:rPr lang="en-US" smtClean="0"/>
+            </a:fld>
+            <a:endParaRPr lang="en-US"/>
+          </a:p>
+        </p:txBody>
+      </p:sp>
+      <p:sp>
+        <p:nvSpPr>
+          <p:cNvPr id="14" name="页脚占位符 13"/>
+          <p:cNvSpPr>
+            <a:spLocks noGrp="true"/>
+          </p:cNvSpPr>
+          <p:nvPr>
+            <p:ph type="ftr" sz="quarter" idx="12"/>
+          </p:nvPr>
+        </p:nvSpPr>
+        <p:spPr>
+          <a:xfrm>
+            <a:off x="1600200" y="6248206"/>
+            <a:ext cx="4572000" cy="365125"/>
+          </a:xfrm>
+        </p:spPr>
+        <p:txBody>
+          <a:bodyPr rtlCol="0"/>
+          <a:lstStyle/>
+          <a:p>
+            <a:endParaRPr lang="en-US"/>
+          </a:p>
+        </p:txBody>
+      </p:sp>
+      <p:sp>
+        <p:nvSpPr>
+          <p:cNvPr id="3" name="图片占位符 2"/>
+          <p:cNvSpPr>
+            <a:spLocks noGrp="true"/>
+          </p:cNvSpPr>
+          <p:nvPr>
+            <p:ph type="pic" idx="1"/>
+          </p:nvPr>
+        </p:nvSpPr>
+        <p:spPr>
+          <a:xfrm>
+            <a:off x="1560576" y="0"/>
+            <a:ext cx="7583424" cy="4568952"/>
+          </a:xfrm>
+          <a:solidFill>
+            <a:schemeClr val="accent1">
+              <a:tint val="40000"/>
+            </a:schemeClr>
+          </a:solidFill>
+          <a:ln>
+            <a:noFill/>
+          </a:ln>
         </p:spPr>
         <p:txBody>
           <a:bodyPr/>
@@ -3508,184 +3937,22 @@
               <a:buNone/>
               <a:defRPr sz="3200"/>
             </a:lvl1pPr>
-            <a:lvl2pPr marL="457200" indent="0">
-              <a:buNone/>
-              <a:defRPr sz="2800"/>
-            </a:lvl2pPr>
-            <a:lvl3pPr marL="914400" indent="0">
-              <a:buNone/>
-              <a:defRPr sz="2400"/>
-            </a:lvl3pPr>
-            <a:lvl4pPr marL="1371600" indent="0">
-              <a:buNone/>
-              <a:defRPr sz="2000"/>
-            </a:lvl4pPr>
-            <a:lvl5pPr marL="1828800" indent="0">
-              <a:buNone/>
-              <a:defRPr sz="2000"/>
-            </a:lvl5pPr>
-            <a:lvl6pPr marL="2286000" indent="0">
-              <a:buNone/>
-              <a:defRPr sz="2000"/>
-            </a:lvl6pPr>
-            <a:lvl7pPr marL="2743200" indent="0">
-              <a:buNone/>
-              <a:defRPr sz="2000"/>
-            </a:lvl7pPr>
-            <a:lvl8pPr marL="3200400" indent="0">
-              <a:buNone/>
-              <a:defRPr sz="2000"/>
-            </a:lvl8pPr>
-            <a:lvl9pPr marL="3657600" indent="0">
-              <a:buNone/>
-              <a:defRPr sz="2000"/>
-            </a:lvl9pPr>
           </a:lstStyle>
           <a:p>
-            <a:endParaRPr lang="en-US"/>
-          </a:p>
-        </p:txBody>
-      </p:sp>
-      <p:sp>
-        <p:nvSpPr>
-          <p:cNvPr id="4" name="Text Placeholder 3"/>
-          <p:cNvSpPr>
-            <a:spLocks noGrp="1"/>
-          </p:cNvSpPr>
-          <p:nvPr>
-            <p:ph type="body" sz="half" idx="2"/>
-          </p:nvPr>
-        </p:nvSpPr>
-        <p:spPr>
-          <a:xfrm>
-            <a:off x="1792288" y="5367338"/>
-            <a:ext cx="5486400" cy="804862"/>
-          </a:xfrm>
-        </p:spPr>
-        <p:txBody>
-          <a:bodyPr/>
-          <a:lstStyle>
-            <a:lvl1pPr marL="0" indent="0">
-              <a:buNone/>
-              <a:defRPr sz="1400"/>
-            </a:lvl1pPr>
-            <a:lvl2pPr marL="457200" indent="0">
-              <a:buNone/>
-              <a:defRPr sz="1200"/>
-            </a:lvl2pPr>
-            <a:lvl3pPr marL="914400" indent="0">
-              <a:buNone/>
-              <a:defRPr sz="1000"/>
-            </a:lvl3pPr>
-            <a:lvl4pPr marL="1371600" indent="0">
-              <a:buNone/>
-              <a:defRPr sz="900"/>
-            </a:lvl4pPr>
-            <a:lvl5pPr marL="1828800" indent="0">
-              <a:buNone/>
-              <a:defRPr sz="900"/>
-            </a:lvl5pPr>
-            <a:lvl6pPr marL="2286000" indent="0">
-              <a:buNone/>
-              <a:defRPr sz="900"/>
-            </a:lvl6pPr>
-            <a:lvl7pPr marL="2743200" indent="0">
-              <a:buNone/>
-              <a:defRPr sz="900"/>
-            </a:lvl7pPr>
-            <a:lvl8pPr marL="3200400" indent="0">
-              <a:buNone/>
-              <a:defRPr sz="900"/>
-            </a:lvl8pPr>
-            <a:lvl9pPr marL="3657600" indent="0">
-              <a:buNone/>
-              <a:defRPr sz="900"/>
-            </a:lvl9pPr>
-          </a:lstStyle>
-          <a:p>
-            <a:pPr lvl="0"/>
-            <a:r>
-              <a:rPr lang="en-US" smtClean="0"/>
-              <a:t>Click to edit Master text styles</a:t>
-            </a:r>
-          </a:p>
-        </p:txBody>
-      </p:sp>
-      <p:sp>
-        <p:nvSpPr>
-          <p:cNvPr id="5" name="Date Placeholder 4"/>
-          <p:cNvSpPr>
-            <a:spLocks noGrp="1"/>
-          </p:cNvSpPr>
-          <p:nvPr>
-            <p:ph type="dt" sz="half" idx="10"/>
-          </p:nvPr>
-        </p:nvSpPr>
-        <p:spPr/>
-        <p:txBody>
-          <a:bodyPr/>
-          <a:lstStyle/>
-          <a:p>
-            <a:fld id="{241EB5C9-1307-BA42-ABA2-0BC069CD8E7F}" type="datetimeFigureOut">
-              <a:rPr lang="en-US" smtClean="0"/>
-              <a:t>4/5/2019</a:t>
-            </a:fld>
-            <a:endParaRPr lang="en-US"/>
-          </a:p>
-        </p:txBody>
-      </p:sp>
-      <p:sp>
-        <p:nvSpPr>
-          <p:cNvPr id="6" name="Footer Placeholder 5"/>
-          <p:cNvSpPr>
-            <a:spLocks noGrp="1"/>
-          </p:cNvSpPr>
-          <p:nvPr>
-            <p:ph type="ftr" sz="quarter" idx="11"/>
-          </p:nvPr>
-        </p:nvSpPr>
-        <p:spPr/>
-        <p:txBody>
-          <a:bodyPr/>
-          <a:lstStyle/>
-          <a:p>
-            <a:endParaRPr lang="en-US"/>
-          </a:p>
-        </p:txBody>
-      </p:sp>
-      <p:sp>
-        <p:nvSpPr>
-          <p:cNvPr id="7" name="Slide Number Placeholder 6"/>
-          <p:cNvSpPr>
-            <a:spLocks noGrp="1"/>
-          </p:cNvSpPr>
-          <p:nvPr>
-            <p:ph type="sldNum" sz="quarter" idx="12"/>
-          </p:nvPr>
-        </p:nvSpPr>
-        <p:spPr/>
-        <p:txBody>
-          <a:bodyPr/>
-          <a:lstStyle/>
-          <a:p>
-            <a:fld id="{C5EF2332-01BF-834F-8236-50238282D533}" type="slidenum">
-              <a:rPr lang="en-US" smtClean="0"/>
-              <a:t>‹#›</a:t>
-            </a:fld>
-            <a:endParaRPr lang="en-US"/>
+            <a:r>
+              <a:rPr kumimoji="0" lang="zh-CN" altLang="en-US" smtClean="0"/>
+              <a:t>单击图标添加图片</a:t>
+            </a:r>
+            <a:endParaRPr kumimoji="0" lang="en-US" dirty="0"/>
           </a:p>
         </p:txBody>
       </p:sp>
     </p:spTree>
-    <p:extLst>
-      <p:ext uri="{BB962C8B-B14F-4D97-AF65-F5344CB8AC3E}">
-        <p14:creationId xmlns:p14="http://schemas.microsoft.com/office/powerpoint/2010/main" val="3566899855"/>
-      </p:ext>
-    </p:extLst>
   </p:cSld>
   <p:clrMapOvr>
-    <a:masterClrMapping/>
+    <a:overrideClrMapping bg1="lt1" tx1="dk1" bg2="lt2" tx2="dk2" accent1="accent1" accent2="accent2" accent3="accent3" accent4="accent4" accent5="accent5" accent6="accent6" hlink="hlink" folHlink="folHlink"/>
   </p:clrMapOvr>
+  <p:hf sldNum="0" hdr="0" ftr="0" dt="0"/>
 </p:sldLayout>
 </file>
 
@@ -3713,9 +3980,9 @@
       </p:grpSpPr>
       <p:sp>
         <p:nvSpPr>
-          <p:cNvPr id="2" name="Title Placeholder 1"/>
-          <p:cNvSpPr>
-            <a:spLocks noGrp="1"/>
+          <p:cNvPr id="22" name="标题占位符 21"/>
+          <p:cNvSpPr>
+            <a:spLocks noGrp="true"/>
           </p:cNvSpPr>
           <p:nvPr>
             <p:ph type="title"/>
@@ -3723,32 +3990,32 @@
         </p:nvSpPr>
         <p:spPr>
           <a:xfrm>
-            <a:off x="457200" y="274638"/>
-            <a:ext cx="8229600" cy="1143000"/>
+            <a:off x="609600" y="228600"/>
+            <a:ext cx="8153400" cy="990600"/>
           </a:xfrm>
           <a:prstGeom prst="rect">
             <a:avLst/>
           </a:prstGeom>
         </p:spPr>
         <p:txBody>
-          <a:bodyPr vert="horz" lIns="91440" tIns="45720" rIns="91440" bIns="45720" rtlCol="0" anchor="ctr">
+          <a:bodyPr vert="horz" anchor="ctr">
             <a:normAutofit/>
           </a:bodyPr>
           <a:lstStyle/>
           <a:p>
             <a:r>
-              <a:rPr lang="en-US" smtClean="0"/>
-              <a:t>Click to edit Master title style</a:t>
-            </a:r>
-            <a:endParaRPr lang="en-US"/>
-          </a:p>
-        </p:txBody>
-      </p:sp>
-      <p:sp>
-        <p:nvSpPr>
-          <p:cNvPr id="3" name="Text Placeholder 2"/>
-          <p:cNvSpPr>
-            <a:spLocks noGrp="1"/>
+              <a:rPr kumimoji="0" lang="zh-CN" altLang="en-US" dirty="0" smtClean="0"/>
+              <a:t>单击此处编辑母版标题样式</a:t>
+            </a:r>
+            <a:endParaRPr kumimoji="0" lang="en-US" dirty="0"/>
+          </a:p>
+        </p:txBody>
+      </p:sp>
+      <p:sp>
+        <p:nvSpPr>
+          <p:cNvPr id="13" name="文本占位符 12"/>
+          <p:cNvSpPr>
+            <a:spLocks noGrp="true"/>
           </p:cNvSpPr>
           <p:nvPr>
             <p:ph type="body" idx="1"/>
@@ -3756,61 +4023,65 @@
         </p:nvSpPr>
         <p:spPr>
           <a:xfrm>
-            <a:off x="457200" y="1600200"/>
-            <a:ext cx="8229600" cy="4525963"/>
+            <a:off x="612648" y="1600200"/>
+            <a:ext cx="8153400" cy="4526280"/>
           </a:xfrm>
           <a:prstGeom prst="rect">
             <a:avLst/>
           </a:prstGeom>
         </p:spPr>
         <p:txBody>
-          <a:bodyPr vert="horz" lIns="91440" tIns="45720" rIns="91440" bIns="45720" rtlCol="0">
+          <a:bodyPr vert="horz">
             <a:normAutofit/>
           </a:bodyPr>
           <a:lstStyle/>
           <a:p>
-            <a:pPr lvl="0"/>
-            <a:r>
-              <a:rPr lang="en-US" smtClean="0"/>
-              <a:t>Click to edit Master text styles</a:t>
-            </a:r>
-          </a:p>
-          <a:p>
-            <a:pPr lvl="1"/>
-            <a:r>
-              <a:rPr lang="en-US" smtClean="0"/>
-              <a:t>Second level</a:t>
-            </a:r>
-          </a:p>
-          <a:p>
-            <a:pPr lvl="2"/>
-            <a:r>
-              <a:rPr lang="en-US" smtClean="0"/>
-              <a:t>Third level</a:t>
-            </a:r>
-          </a:p>
-          <a:p>
-            <a:pPr lvl="3"/>
-            <a:r>
-              <a:rPr lang="en-US" smtClean="0"/>
-              <a:t>Fourth level</a:t>
-            </a:r>
-          </a:p>
-          <a:p>
-            <a:pPr lvl="4"/>
-            <a:r>
-              <a:rPr lang="en-US" smtClean="0"/>
-              <a:t>Fifth level</a:t>
-            </a:r>
-            <a:endParaRPr lang="en-US"/>
-          </a:p>
-        </p:txBody>
-      </p:sp>
-      <p:sp>
-        <p:nvSpPr>
-          <p:cNvPr id="4" name="Date Placeholder 3"/>
-          <p:cNvSpPr>
-            <a:spLocks noGrp="1"/>
+            <a:pPr lvl="0" eaLnBrk="1" latinLnBrk="0" hangingPunct="1"/>
+            <a:r>
+              <a:rPr kumimoji="0" lang="zh-CN" altLang="en-US" dirty="0" smtClean="0"/>
+              <a:t>单击此处编辑母版文本样式</a:t>
+            </a:r>
+            <a:endParaRPr kumimoji="0" lang="zh-CN" altLang="en-US" dirty="0" smtClean="0"/>
+          </a:p>
+          <a:p>
+            <a:pPr lvl="1" eaLnBrk="1" latinLnBrk="0" hangingPunct="1"/>
+            <a:r>
+              <a:rPr kumimoji="0" lang="zh-CN" altLang="en-US" dirty="0" smtClean="0"/>
+              <a:t>第二级</a:t>
+            </a:r>
+            <a:endParaRPr kumimoji="0" lang="zh-CN" altLang="en-US" dirty="0" smtClean="0"/>
+          </a:p>
+          <a:p>
+            <a:pPr lvl="2" eaLnBrk="1" latinLnBrk="0" hangingPunct="1"/>
+            <a:r>
+              <a:rPr kumimoji="0" lang="zh-CN" altLang="en-US" dirty="0" smtClean="0"/>
+              <a:t>第三级</a:t>
+            </a:r>
+            <a:endParaRPr kumimoji="0" lang="zh-CN" altLang="en-US" dirty="0" smtClean="0"/>
+          </a:p>
+          <a:p>
+            <a:pPr lvl="3" eaLnBrk="1" latinLnBrk="0" hangingPunct="1"/>
+            <a:r>
+              <a:rPr kumimoji="0" lang="zh-CN" altLang="en-US" dirty="0" smtClean="0"/>
+              <a:t>第四级</a:t>
+            </a:r>
+            <a:endParaRPr kumimoji="0" lang="zh-CN" altLang="en-US" dirty="0" smtClean="0"/>
+          </a:p>
+          <a:p>
+            <a:pPr lvl="4" eaLnBrk="1" latinLnBrk="0" hangingPunct="1"/>
+            <a:r>
+              <a:rPr kumimoji="0" lang="zh-CN" altLang="en-US" dirty="0" smtClean="0"/>
+              <a:t>第五级</a:t>
+            </a:r>
+            <a:endParaRPr kumimoji="0" lang="en-US" dirty="0"/>
+          </a:p>
+        </p:txBody>
+      </p:sp>
+      <p:sp>
+        <p:nvSpPr>
+          <p:cNvPr id="14" name="日期占位符 13"/>
+          <p:cNvSpPr>
+            <a:spLocks noGrp="true"/>
           </p:cNvSpPr>
           <p:nvPr>
             <p:ph type="dt" sz="half" idx="2"/>
@@ -3818,30 +4089,29 @@
         </p:nvSpPr>
         <p:spPr>
           <a:xfrm>
-            <a:off x="457200" y="6356350"/>
-            <a:ext cx="2133600" cy="365125"/>
+            <a:off x="6096000" y="6248400"/>
+            <a:ext cx="2667000" cy="365125"/>
           </a:xfrm>
           <a:prstGeom prst="rect">
             <a:avLst/>
           </a:prstGeom>
         </p:spPr>
         <p:txBody>
-          <a:bodyPr vert="horz" lIns="91440" tIns="45720" rIns="91440" bIns="45720" rtlCol="0" anchor="ctr"/>
+          <a:bodyPr vert="horz" anchor="ctr" anchorCtr="false"/>
           <a:lstStyle>
-            <a:lvl1pPr algn="l">
-              <a:defRPr sz="1200">
+            <a:lvl1pPr algn="l" eaLnBrk="1" latinLnBrk="0" hangingPunct="1">
+              <a:defRPr kumimoji="0" sz="1400" baseline="0">
                 <a:solidFill>
-                  <a:schemeClr val="tx1">
-                    <a:tint val="75000"/>
-                  </a:schemeClr>
+                  <a:schemeClr val="tx2"/>
                 </a:solidFill>
+                <a:latin typeface="Arial" panose="020B0604020202020204" pitchFamily="34" charset="0"/>
+                <a:ea typeface="黑体" panose="02010609060101010101" pitchFamily="49" charset="-122"/>
               </a:defRPr>
             </a:lvl1pPr>
           </a:lstStyle>
           <a:p>
             <a:fld id="{241EB5C9-1307-BA42-ABA2-0BC069CD8E7F}" type="datetimeFigureOut">
               <a:rPr lang="en-US" smtClean="0"/>
-              <a:t>4/5/2019</a:t>
             </a:fld>
             <a:endParaRPr lang="en-US"/>
           </a:p>
@@ -3849,9 +4119,9 @@
       </p:sp>
       <p:sp>
         <p:nvSpPr>
-          <p:cNvPr id="5" name="Footer Placeholder 4"/>
-          <p:cNvSpPr>
-            <a:spLocks noGrp="1"/>
+          <p:cNvPr id="3" name="页脚占位符 2"/>
+          <p:cNvSpPr>
+            <a:spLocks noGrp="true"/>
           </p:cNvSpPr>
           <p:nvPr>
             <p:ph type="ftr" sz="quarter" idx="3"/>
@@ -3859,23 +4129,23 @@
         </p:nvSpPr>
         <p:spPr>
           <a:xfrm>
-            <a:off x="3124200" y="6356350"/>
-            <a:ext cx="2895600" cy="365125"/>
+            <a:off x="609600" y="6248206"/>
+            <a:ext cx="5421083" cy="365125"/>
           </a:xfrm>
           <a:prstGeom prst="rect">
             <a:avLst/>
           </a:prstGeom>
         </p:spPr>
         <p:txBody>
-          <a:bodyPr vert="horz" lIns="91440" tIns="45720" rIns="91440" bIns="45720" rtlCol="0" anchor="ctr"/>
+          <a:bodyPr vert="horz" anchor="ctr"/>
           <a:lstStyle>
-            <a:lvl1pPr algn="ctr">
-              <a:defRPr sz="1200">
+            <a:lvl1pPr algn="r" eaLnBrk="1" latinLnBrk="0" hangingPunct="1">
+              <a:defRPr kumimoji="0" sz="1400" baseline="0">
                 <a:solidFill>
-                  <a:schemeClr val="tx1">
-                    <a:tint val="75000"/>
-                  </a:schemeClr>
+                  <a:schemeClr val="tx2"/>
                 </a:solidFill>
+                <a:latin typeface="Arial" panose="020B0604020202020204" pitchFamily="34" charset="0"/>
+                <a:ea typeface="黑体" panose="02010609060101010101" pitchFamily="49" charset="-122"/>
               </a:defRPr>
             </a:lvl1pPr>
           </a:lstStyle>
@@ -3886,32 +4156,174 @@
       </p:sp>
       <p:sp>
         <p:nvSpPr>
-          <p:cNvPr id="6" name="Slide Number Placeholder 5"/>
-          <p:cNvSpPr>
-            <a:spLocks noGrp="1"/>
-          </p:cNvSpPr>
-          <p:nvPr>
-            <p:ph type="sldNum" sz="quarter" idx="4"/>
-          </p:nvPr>
+          <p:cNvPr id="7" name="矩形 6"/>
+          <p:cNvSpPr/>
+          <p:nvPr/>
+        </p:nvSpPr>
+        <p:spPr bwMode="white">
+          <a:xfrm>
+            <a:off x="0" y="1234440"/>
+            <a:ext cx="9144000" cy="320040"/>
+          </a:xfrm>
+          <a:prstGeom prst="rect">
+            <a:avLst/>
+          </a:prstGeom>
+          <a:solidFill>
+            <a:srgbClr val="FFFFFF"/>
+          </a:solidFill>
+          <a:ln w="50800" cap="rnd" cmpd="dbl" algn="ctr">
+            <a:noFill/>
+            <a:prstDash val="solid"/>
+          </a:ln>
+          <a:effectLst/>
+        </p:spPr>
+        <p:style>
+          <a:lnRef idx="3">
+            <a:schemeClr val="lt1"/>
+          </a:lnRef>
+          <a:fillRef idx="1">
+            <a:schemeClr val="accent1"/>
+          </a:fillRef>
+          <a:effectRef idx="1">
+            <a:schemeClr val="accent1"/>
+          </a:effectRef>
+          <a:fontRef idx="minor">
+            <a:schemeClr val="lt1"/>
+          </a:fontRef>
+        </p:style>
+        <p:txBody>
+          <a:bodyPr anchor="ctr"/>
+          <a:lstStyle/>
+          <a:p>
+            <a:pPr algn="ctr" eaLnBrk="1" latinLnBrk="0" hangingPunct="1"/>
+            <a:endParaRPr kumimoji="0" lang="en-US"/>
+          </a:p>
+        </p:txBody>
+      </p:sp>
+      <p:sp>
+        <p:nvSpPr>
+          <p:cNvPr id="8" name="矩形 7"/>
+          <p:cNvSpPr/>
+          <p:nvPr/>
         </p:nvSpPr>
         <p:spPr>
           <a:xfrm>
-            <a:off x="6553200" y="6356350"/>
-            <a:ext cx="2133600" cy="365125"/>
+            <a:off x="0" y="1280160"/>
+            <a:ext cx="533400" cy="228600"/>
+          </a:xfrm>
+          <a:prstGeom prst="rect">
+            <a:avLst/>
+          </a:prstGeom>
+          <a:solidFill>
+            <a:schemeClr val="accent2">
+              <a:alpha val="100000"/>
+            </a:schemeClr>
+          </a:solidFill>
+          <a:ln w="50800" cap="rnd" cmpd="dbl" algn="ctr">
+            <a:noFill/>
+            <a:prstDash val="solid"/>
+          </a:ln>
+          <a:effectLst/>
+        </p:spPr>
+        <p:style>
+          <a:lnRef idx="3">
+            <a:schemeClr val="lt1"/>
+          </a:lnRef>
+          <a:fillRef idx="1">
+            <a:schemeClr val="accent1"/>
+          </a:fillRef>
+          <a:effectRef idx="1">
+            <a:schemeClr val="accent1"/>
+          </a:effectRef>
+          <a:fontRef idx="minor">
+            <a:schemeClr val="lt1"/>
+          </a:fontRef>
+        </p:style>
+        <p:txBody>
+          <a:bodyPr anchor="ctr"/>
+          <a:lstStyle/>
+          <a:p>
+            <a:pPr algn="ctr" eaLnBrk="1" latinLnBrk="0" hangingPunct="1"/>
+            <a:endParaRPr kumimoji="0" lang="en-US"/>
+          </a:p>
+        </p:txBody>
+      </p:sp>
+      <p:sp>
+        <p:nvSpPr>
+          <p:cNvPr id="9" name="矩形 8"/>
+          <p:cNvSpPr/>
+          <p:nvPr/>
+        </p:nvSpPr>
+        <p:spPr>
+          <a:xfrm>
+            <a:off x="590550" y="1280160"/>
+            <a:ext cx="8553450" cy="228600"/>
+          </a:xfrm>
+          <a:prstGeom prst="rect">
+            <a:avLst/>
+          </a:prstGeom>
+          <a:solidFill>
+            <a:schemeClr val="accent1">
+              <a:alpha val="100000"/>
+            </a:schemeClr>
+          </a:solidFill>
+          <a:ln w="50800" cap="rnd" cmpd="dbl" algn="ctr">
+            <a:noFill/>
+            <a:prstDash val="solid"/>
+          </a:ln>
+          <a:effectLst/>
+        </p:spPr>
+        <p:style>
+          <a:lnRef idx="3">
+            <a:schemeClr val="lt1"/>
+          </a:lnRef>
+          <a:fillRef idx="1">
+            <a:schemeClr val="accent1"/>
+          </a:fillRef>
+          <a:effectRef idx="1">
+            <a:schemeClr val="accent1"/>
+          </a:effectRef>
+          <a:fontRef idx="minor">
+            <a:schemeClr val="lt1"/>
+          </a:fontRef>
+        </p:style>
+        <p:txBody>
+          <a:bodyPr anchor="ctr"/>
+          <a:lstStyle/>
+          <a:p>
+            <a:pPr algn="ctr" eaLnBrk="1" latinLnBrk="0" hangingPunct="1"/>
+            <a:endParaRPr kumimoji="0" lang="en-US"/>
+          </a:p>
+        </p:txBody>
+      </p:sp>
+      <p:sp>
+        <p:nvSpPr>
+          <p:cNvPr id="23" name="灯片编号占位符 22"/>
+          <p:cNvSpPr>
+            <a:spLocks noGrp="true"/>
+          </p:cNvSpPr>
+          <p:nvPr>
+            <p:ph type="sldNum" sz="quarter" idx="4"/>
+          </p:nvPr>
+        </p:nvSpPr>
+        <p:spPr>
+          <a:xfrm>
+            <a:off x="0" y="1272222"/>
+            <a:ext cx="533400" cy="244476"/>
           </a:xfrm>
           <a:prstGeom prst="rect">
             <a:avLst/>
           </a:prstGeom>
         </p:spPr>
         <p:txBody>
-          <a:bodyPr vert="horz" lIns="91440" tIns="45720" rIns="91440" bIns="45720" rtlCol="0" anchor="ctr"/>
+          <a:bodyPr vert="horz" anchor="ctr" anchorCtr="false">
+            <a:normAutofit/>
+          </a:bodyPr>
           <a:lstStyle>
-            <a:lvl1pPr algn="r">
-              <a:defRPr sz="1200">
+            <a:lvl1pPr algn="ctr" eaLnBrk="1" latinLnBrk="0" hangingPunct="1">
+              <a:defRPr kumimoji="0" sz="1400" b="1">
                 <a:solidFill>
-                  <a:schemeClr val="tx1">
-                    <a:tint val="75000"/>
-                  </a:schemeClr>
+                  <a:srgbClr val="FFFFFF"/>
                 </a:solidFill>
               </a:defRPr>
             </a:lvl1pPr>
@@ -3919,18 +4331,12 @@
           <a:p>
             <a:fld id="{C5EF2332-01BF-834F-8236-50238282D533}" type="slidenum">
               <a:rPr lang="en-US" smtClean="0"/>
-              <a:t>‹#›</a:t>
             </a:fld>
             <a:endParaRPr lang="en-US"/>
           </a:p>
         </p:txBody>
       </p:sp>
     </p:spTree>
-    <p:extLst>
-      <p:ext uri="{BB962C8B-B14F-4D97-AF65-F5344CB8AC3E}">
-        <p14:creationId xmlns:p14="http://schemas.microsoft.com/office/powerpoint/2010/main" val="3676200875"/>
-      </p:ext>
-    </p:extLst>
   </p:cSld>
   <p:clrMap bg1="lt1" tx1="dk1" bg2="lt2" tx2="dk2" accent1="accent1" accent2="accent2" accent3="accent3" accent4="accent4" accent5="accent5" accent6="accent6" hlink="hlink" folHlink="folHlink"/>
   <p:sldLayoutIdLst>
@@ -3946,106 +4352,130 @@
     <p:sldLayoutId id="2147483658" r:id="rId10"/>
     <p:sldLayoutId id="2147483659" r:id="rId11"/>
   </p:sldLayoutIdLst>
+  <p:hf sldNum="0" hdr="0" ftr="0" dt="0"/>
   <p:txStyles>
     <p:titleStyle>
-      <a:lvl1pPr algn="ctr" defTabSz="457200" rtl="0" eaLnBrk="1" latinLnBrk="0" hangingPunct="1">
+      <a:lvl1pPr algn="l" rtl="0" eaLnBrk="1" latinLnBrk="0" hangingPunct="1">
         <a:spcBef>
           <a:spcPct val="0"/>
         </a:spcBef>
         <a:buNone/>
-        <a:defRPr sz="4400" kern="1200">
+        <a:defRPr kumimoji="0" sz="4400" kern="1200" baseline="0">
           <a:solidFill>
-            <a:schemeClr val="tx1"/>
+            <a:schemeClr val="tx2"/>
           </a:solidFill>
-          <a:latin typeface="+mj-lt"/>
-          <a:ea typeface="+mj-ea"/>
+          <a:latin typeface="Arial" panose="020B0604020202020204" pitchFamily="34" charset="0"/>
+          <a:ea typeface="黑体" panose="02010609060101010101" pitchFamily="49" charset="-122"/>
           <a:cs typeface="+mj-cs"/>
         </a:defRPr>
       </a:lvl1pPr>
     </p:titleStyle>
     <p:bodyStyle>
-      <a:lvl1pPr marL="342900" indent="-342900" algn="l" defTabSz="457200" rtl="0" eaLnBrk="1" latinLnBrk="0" hangingPunct="1">
+      <a:lvl1pPr marL="320040" indent="-320040" algn="l" rtl="0" eaLnBrk="1" latinLnBrk="0" hangingPunct="1">
+        <a:spcBef>
+          <a:spcPts val="700"/>
+        </a:spcBef>
+        <a:buClr>
+          <a:schemeClr val="accent2"/>
+        </a:buClr>
+        <a:buSzPct val="60000"/>
+        <a:buFont typeface="Wingdings" panose="05000000000000000000"/>
+        <a:buChar char=""/>
+        <a:defRPr kumimoji="0" sz="2900" kern="1200" baseline="0">
+          <a:solidFill>
+            <a:schemeClr val="tx1"/>
+          </a:solidFill>
+          <a:latin typeface="Arial" panose="020B0604020202020204" pitchFamily="34" charset="0"/>
+          <a:ea typeface="黑体" panose="02010609060101010101" pitchFamily="49" charset="-122"/>
+          <a:cs typeface="+mn-cs"/>
+        </a:defRPr>
+      </a:lvl1pPr>
+      <a:lvl2pPr marL="640080" indent="-274320" algn="l" rtl="0" eaLnBrk="1" latinLnBrk="0" hangingPunct="1">
+        <a:spcBef>
+          <a:spcPts val="550"/>
+        </a:spcBef>
+        <a:buClr>
+          <a:schemeClr val="accent1"/>
+        </a:buClr>
+        <a:buSzPct val="70000"/>
+        <a:buFont typeface="Wingdings 2" panose="05020102010507070707"/>
+        <a:buChar char=""/>
+        <a:defRPr kumimoji="0" sz="2600" kern="1200" baseline="0">
+          <a:solidFill>
+            <a:schemeClr val="tx1"/>
+          </a:solidFill>
+          <a:latin typeface="Arial" panose="020B0604020202020204" pitchFamily="34" charset="0"/>
+          <a:ea typeface="黑体" panose="02010609060101010101" pitchFamily="49" charset="-122"/>
+          <a:cs typeface="+mn-cs"/>
+        </a:defRPr>
+      </a:lvl2pPr>
+      <a:lvl3pPr marL="914400" indent="-228600" algn="l" rtl="0" eaLnBrk="1" latinLnBrk="0" hangingPunct="1">
+        <a:spcBef>
+          <a:spcPts val="500"/>
+        </a:spcBef>
+        <a:buClr>
+          <a:schemeClr val="accent2"/>
+        </a:buClr>
+        <a:buSzPct val="75000"/>
+        <a:buFont typeface="Wingdings" panose="05000000000000000000"/>
+        <a:buChar char=""/>
+        <a:defRPr kumimoji="0" sz="2300" kern="1200" baseline="0">
+          <a:solidFill>
+            <a:schemeClr val="tx1"/>
+          </a:solidFill>
+          <a:latin typeface="Arial" panose="020B0604020202020204" pitchFamily="34" charset="0"/>
+          <a:ea typeface="黑体" panose="02010609060101010101" pitchFamily="49" charset="-122"/>
+          <a:cs typeface="+mn-cs"/>
+        </a:defRPr>
+      </a:lvl3pPr>
+      <a:lvl4pPr marL="1371600" indent="-228600" algn="l" rtl="0" eaLnBrk="1" latinLnBrk="0" hangingPunct="1">
+        <a:spcBef>
+          <a:spcPts val="400"/>
+        </a:spcBef>
+        <a:buClr>
+          <a:schemeClr val="accent3"/>
+        </a:buClr>
+        <a:buSzPct val="75000"/>
+        <a:buFont typeface="Wingdings" panose="05000000000000000000"/>
+        <a:buChar char=""/>
+        <a:defRPr kumimoji="0" sz="2000" kern="1200" baseline="0">
+          <a:solidFill>
+            <a:schemeClr val="tx1"/>
+          </a:solidFill>
+          <a:latin typeface="Arial" panose="020B0604020202020204" pitchFamily="34" charset="0"/>
+          <a:ea typeface="黑体" panose="02010609060101010101" pitchFamily="49" charset="-122"/>
+          <a:cs typeface="+mn-cs"/>
+        </a:defRPr>
+      </a:lvl4pPr>
+      <a:lvl5pPr marL="1828800" indent="-228600" algn="l" rtl="0" eaLnBrk="1" latinLnBrk="0" hangingPunct="1">
+        <a:spcBef>
+          <a:spcPts val="400"/>
+        </a:spcBef>
+        <a:buClr>
+          <a:schemeClr val="accent4"/>
+        </a:buClr>
+        <a:buSzPct val="65000"/>
+        <a:buFont typeface="Wingdings" panose="05000000000000000000"/>
+        <a:buChar char=""/>
+        <a:defRPr kumimoji="0" sz="2000" kern="1200" baseline="0">
+          <a:solidFill>
+            <a:schemeClr val="tx1"/>
+          </a:solidFill>
+          <a:latin typeface="Arial" panose="020B0604020202020204" pitchFamily="34" charset="0"/>
+          <a:ea typeface="黑体" panose="02010609060101010101" pitchFamily="49" charset="-122"/>
+          <a:cs typeface="+mn-cs"/>
+        </a:defRPr>
+      </a:lvl5pPr>
+      <a:lvl6pPr marL="2103120" indent="-228600" algn="l" rtl="0" eaLnBrk="1" latinLnBrk="0" hangingPunct="1">
         <a:spcBef>
           <a:spcPct val="20000"/>
         </a:spcBef>
-        <a:buFont typeface="Arial"/>
-        <a:buChar char="•"/>
-        <a:defRPr sz="3200" kern="1200">
-          <a:solidFill>
-            <a:schemeClr val="tx1"/>
-          </a:solidFill>
-          <a:latin typeface="+mn-lt"/>
-          <a:ea typeface="+mn-ea"/>
-          <a:cs typeface="+mn-cs"/>
-        </a:defRPr>
-      </a:lvl1pPr>
-      <a:lvl2pPr marL="742950" indent="-285750" algn="l" defTabSz="457200" rtl="0" eaLnBrk="1" latinLnBrk="0" hangingPunct="1">
-        <a:spcBef>
-          <a:spcPct val="20000"/>
-        </a:spcBef>
-        <a:buFont typeface="Arial"/>
-        <a:buChar char="–"/>
-        <a:defRPr sz="2800" kern="1200">
-          <a:solidFill>
-            <a:schemeClr val="tx1"/>
-          </a:solidFill>
-          <a:latin typeface="+mn-lt"/>
-          <a:ea typeface="+mn-ea"/>
-          <a:cs typeface="+mn-cs"/>
-        </a:defRPr>
-      </a:lvl2pPr>
-      <a:lvl3pPr marL="1143000" indent="-228600" algn="l" defTabSz="457200" rtl="0" eaLnBrk="1" latinLnBrk="0" hangingPunct="1">
-        <a:spcBef>
-          <a:spcPct val="20000"/>
-        </a:spcBef>
-        <a:buFont typeface="Arial"/>
-        <a:buChar char="•"/>
-        <a:defRPr sz="2400" kern="1200">
-          <a:solidFill>
-            <a:schemeClr val="tx1"/>
-          </a:solidFill>
-          <a:latin typeface="+mn-lt"/>
-          <a:ea typeface="+mn-ea"/>
-          <a:cs typeface="+mn-cs"/>
-        </a:defRPr>
-      </a:lvl3pPr>
-      <a:lvl4pPr marL="1600200" indent="-228600" algn="l" defTabSz="457200" rtl="0" eaLnBrk="1" latinLnBrk="0" hangingPunct="1">
-        <a:spcBef>
-          <a:spcPct val="20000"/>
-        </a:spcBef>
-        <a:buFont typeface="Arial"/>
-        <a:buChar char="–"/>
-        <a:defRPr sz="2000" kern="1200">
-          <a:solidFill>
-            <a:schemeClr val="tx1"/>
-          </a:solidFill>
-          <a:latin typeface="+mn-lt"/>
-          <a:ea typeface="+mn-ea"/>
-          <a:cs typeface="+mn-cs"/>
-        </a:defRPr>
-      </a:lvl4pPr>
-      <a:lvl5pPr marL="2057400" indent="-228600" algn="l" defTabSz="457200" rtl="0" eaLnBrk="1" latinLnBrk="0" hangingPunct="1">
-        <a:spcBef>
-          <a:spcPct val="20000"/>
-        </a:spcBef>
-        <a:buFont typeface="Arial"/>
-        <a:buChar char="»"/>
-        <a:defRPr sz="2000" kern="1200">
-          <a:solidFill>
-            <a:schemeClr val="tx1"/>
-          </a:solidFill>
-          <a:latin typeface="+mn-lt"/>
-          <a:ea typeface="+mn-ea"/>
-          <a:cs typeface="+mn-cs"/>
-        </a:defRPr>
-      </a:lvl5pPr>
-      <a:lvl6pPr marL="2514600" indent="-228600" algn="l" defTabSz="457200" rtl="0" eaLnBrk="1" latinLnBrk="0" hangingPunct="1">
-        <a:spcBef>
-          <a:spcPct val="20000"/>
-        </a:spcBef>
-        <a:buFont typeface="Arial"/>
-        <a:buChar char="•"/>
-        <a:defRPr sz="2000" kern="1200">
+        <a:buClr>
+          <a:schemeClr val="accent1"/>
+        </a:buClr>
+        <a:buFont typeface="Wingdings" panose="05000000000000000000"/>
+        <a:buChar char="§"/>
+        <a:defRPr kumimoji="0" sz="1800" kern="1200" baseline="0">
           <a:solidFill>
             <a:schemeClr val="tx1"/>
           </a:solidFill>
@@ -4054,13 +4484,16 @@
           <a:cs typeface="+mn-cs"/>
         </a:defRPr>
       </a:lvl6pPr>
-      <a:lvl7pPr marL="2971800" indent="-228600" algn="l" defTabSz="457200" rtl="0" eaLnBrk="1" latinLnBrk="0" hangingPunct="1">
+      <a:lvl7pPr marL="2377440" indent="-228600" algn="l" rtl="0" eaLnBrk="1" latinLnBrk="0" hangingPunct="1">
         <a:spcBef>
           <a:spcPct val="20000"/>
         </a:spcBef>
-        <a:buFont typeface="Arial"/>
-        <a:buChar char="•"/>
-        <a:defRPr sz="2000" kern="1200">
+        <a:buClr>
+          <a:schemeClr val="accent2"/>
+        </a:buClr>
+        <a:buFont typeface="Wingdings" panose="05000000000000000000"/>
+        <a:buChar char="§"/>
+        <a:defRPr kumimoji="0" sz="1800" kern="1200" baseline="0">
           <a:solidFill>
             <a:schemeClr val="tx1"/>
           </a:solidFill>
@@ -4069,13 +4502,16 @@
           <a:cs typeface="+mn-cs"/>
         </a:defRPr>
       </a:lvl7pPr>
-      <a:lvl8pPr marL="3429000" indent="-228600" algn="l" defTabSz="457200" rtl="0" eaLnBrk="1" latinLnBrk="0" hangingPunct="1">
+      <a:lvl8pPr marL="2651760" indent="-228600" algn="l" rtl="0" eaLnBrk="1" latinLnBrk="0" hangingPunct="1">
         <a:spcBef>
           <a:spcPct val="20000"/>
         </a:spcBef>
-        <a:buFont typeface="Arial"/>
-        <a:buChar char="•"/>
-        <a:defRPr sz="2000" kern="1200">
+        <a:buClr>
+          <a:schemeClr val="accent3"/>
+        </a:buClr>
+        <a:buFont typeface="Wingdings" panose="05000000000000000000"/>
+        <a:buChar char="§"/>
+        <a:defRPr kumimoji="0" sz="1800" kern="1200" baseline="0">
           <a:solidFill>
             <a:schemeClr val="tx1"/>
           </a:solidFill>
@@ -4084,13 +4520,16 @@
           <a:cs typeface="+mn-cs"/>
         </a:defRPr>
       </a:lvl8pPr>
-      <a:lvl9pPr marL="3886200" indent="-228600" algn="l" defTabSz="457200" rtl="0" eaLnBrk="1" latinLnBrk="0" hangingPunct="1">
+      <a:lvl9pPr marL="2926080" indent="-228600" algn="l" rtl="0" eaLnBrk="1" latinLnBrk="0" hangingPunct="1">
         <a:spcBef>
           <a:spcPct val="20000"/>
         </a:spcBef>
-        <a:buFont typeface="Arial"/>
-        <a:buChar char="•"/>
-        <a:defRPr sz="2000" kern="1200">
+        <a:buClr>
+          <a:schemeClr val="accent4"/>
+        </a:buClr>
+        <a:buFont typeface="Wingdings" panose="05000000000000000000"/>
+        <a:buChar char="§"/>
+        <a:defRPr kumimoji="0" sz="1800" kern="1200" baseline="0">
           <a:solidFill>
             <a:schemeClr val="tx1"/>
           </a:solidFill>
@@ -4101,11 +4540,8 @@
       </a:lvl9pPr>
     </p:bodyStyle>
     <p:otherStyle>
-      <a:defPPr>
-        <a:defRPr lang="en-US"/>
-      </a:defPPr>
-      <a:lvl1pPr marL="0" algn="l" defTabSz="457200" rtl="0" eaLnBrk="1" latinLnBrk="0" hangingPunct="1">
-        <a:defRPr sz="1800" kern="1200">
+      <a:lvl1pPr marL="0" algn="l" rtl="0" eaLnBrk="1" latinLnBrk="0" hangingPunct="1">
+        <a:defRPr kumimoji="0" kern="1200">
           <a:solidFill>
             <a:schemeClr val="tx1"/>
           </a:solidFill>
@@ -4114,8 +4550,8 @@
           <a:cs typeface="+mn-cs"/>
         </a:defRPr>
       </a:lvl1pPr>
-      <a:lvl2pPr marL="457200" algn="l" defTabSz="457200" rtl="0" eaLnBrk="1" latinLnBrk="0" hangingPunct="1">
-        <a:defRPr sz="1800" kern="1200">
+      <a:lvl2pPr marL="457200" algn="l" rtl="0" eaLnBrk="1" latinLnBrk="0" hangingPunct="1">
+        <a:defRPr kumimoji="0" kern="1200">
           <a:solidFill>
             <a:schemeClr val="tx1"/>
           </a:solidFill>
@@ -4124,8 +4560,8 @@
           <a:cs typeface="+mn-cs"/>
         </a:defRPr>
       </a:lvl2pPr>
-      <a:lvl3pPr marL="914400" algn="l" defTabSz="457200" rtl="0" eaLnBrk="1" latinLnBrk="0" hangingPunct="1">
-        <a:defRPr sz="1800" kern="1200">
+      <a:lvl3pPr marL="914400" algn="l" rtl="0" eaLnBrk="1" latinLnBrk="0" hangingPunct="1">
+        <a:defRPr kumimoji="0" kern="1200">
           <a:solidFill>
             <a:schemeClr val="tx1"/>
           </a:solidFill>
@@ -4134,8 +4570,8 @@
           <a:cs typeface="+mn-cs"/>
         </a:defRPr>
       </a:lvl3pPr>
-      <a:lvl4pPr marL="1371600" algn="l" defTabSz="457200" rtl="0" eaLnBrk="1" latinLnBrk="0" hangingPunct="1">
-        <a:defRPr sz="1800" kern="1200">
+      <a:lvl4pPr marL="1371600" algn="l" rtl="0" eaLnBrk="1" latinLnBrk="0" hangingPunct="1">
+        <a:defRPr kumimoji="0" kern="1200">
           <a:solidFill>
             <a:schemeClr val="tx1"/>
           </a:solidFill>
@@ -4144,8 +4580,8 @@
           <a:cs typeface="+mn-cs"/>
         </a:defRPr>
       </a:lvl4pPr>
-      <a:lvl5pPr marL="1828800" algn="l" defTabSz="457200" rtl="0" eaLnBrk="1" latinLnBrk="0" hangingPunct="1">
-        <a:defRPr sz="1800" kern="1200">
+      <a:lvl5pPr marL="1828800" algn="l" rtl="0" eaLnBrk="1" latinLnBrk="0" hangingPunct="1">
+        <a:defRPr kumimoji="0" kern="1200">
           <a:solidFill>
             <a:schemeClr val="tx1"/>
           </a:solidFill>
@@ -4154,8 +4590,8 @@
           <a:cs typeface="+mn-cs"/>
         </a:defRPr>
       </a:lvl5pPr>
-      <a:lvl6pPr marL="2286000" algn="l" defTabSz="457200" rtl="0" eaLnBrk="1" latinLnBrk="0" hangingPunct="1">
-        <a:defRPr sz="1800" kern="1200">
+      <a:lvl6pPr marL="2286000" algn="l" rtl="0" eaLnBrk="1" latinLnBrk="0" hangingPunct="1">
+        <a:defRPr kumimoji="0" kern="1200">
           <a:solidFill>
             <a:schemeClr val="tx1"/>
           </a:solidFill>
@@ -4164,8 +4600,8 @@
           <a:cs typeface="+mn-cs"/>
         </a:defRPr>
       </a:lvl6pPr>
-      <a:lvl7pPr marL="2743200" algn="l" defTabSz="457200" rtl="0" eaLnBrk="1" latinLnBrk="0" hangingPunct="1">
-        <a:defRPr sz="1800" kern="1200">
+      <a:lvl7pPr marL="2743200" algn="l" rtl="0" eaLnBrk="1" latinLnBrk="0" hangingPunct="1">
+        <a:defRPr kumimoji="0" kern="1200">
           <a:solidFill>
             <a:schemeClr val="tx1"/>
           </a:solidFill>
@@ -4174,8 +4610,8 @@
           <a:cs typeface="+mn-cs"/>
         </a:defRPr>
       </a:lvl7pPr>
-      <a:lvl8pPr marL="3200400" algn="l" defTabSz="457200" rtl="0" eaLnBrk="1" latinLnBrk="0" hangingPunct="1">
-        <a:defRPr sz="1800" kern="1200">
+      <a:lvl8pPr marL="3200400" algn="l" rtl="0" eaLnBrk="1" latinLnBrk="0" hangingPunct="1">
+        <a:defRPr kumimoji="0" kern="1200">
           <a:solidFill>
             <a:schemeClr val="tx1"/>
           </a:solidFill>
@@ -4184,8 +4620,8 @@
           <a:cs typeface="+mn-cs"/>
         </a:defRPr>
       </a:lvl8pPr>
-      <a:lvl9pPr marL="3657600" algn="l" defTabSz="457200" rtl="0" eaLnBrk="1" latinLnBrk="0" hangingPunct="1">
-        <a:defRPr sz="1800" kern="1200">
+      <a:lvl9pPr marL="3657600" algn="l" rtl="0" eaLnBrk="1" latinLnBrk="0" hangingPunct="1">
+        <a:defRPr kumimoji="0" kern="1200">
           <a:solidFill>
             <a:schemeClr val="tx1"/>
           </a:solidFill>
@@ -4220,52 +4656,22 @@
         <p:nvSpPr>
           <p:cNvPr id="2" name="Title 1"/>
           <p:cNvSpPr>
-            <a:spLocks noGrp="1"/>
+            <a:spLocks noGrp="true"/>
           </p:cNvSpPr>
           <p:nvPr>
             <p:ph type="ctrTitle"/>
           </p:nvPr>
         </p:nvSpPr>
-        <p:spPr>
-          <a:xfrm>
-            <a:off x="685800" y="2130425"/>
-            <a:ext cx="7772400" cy="1470025"/>
-          </a:xfrm>
-        </p:spPr>
-        <p:txBody>
-          <a:bodyPr/>
-          <a:lstStyle/>
-          <a:p>
-            <a:pPr lvl="0" marL="0" indent="0">
+        <p:spPr/>
+        <p:txBody>
+          <a:bodyPr/>
+          <a:lstStyle/>
+          <a:p>
+            <a:pPr marL="0" lvl="0" indent="0">
               <a:buNone/>
             </a:pPr>
             <a:r>
-              <a:rPr/>
-              <a:t>Pandoc</a:t>
-            </a:r>
-            <a:r>
-              <a:rPr/>
-              <a:t> </a:t>
-            </a:r>
-            <a:r>
-              <a:rPr/>
-              <a:t>Template</a:t>
-            </a:r>
-            <a:r>
-              <a:rPr/>
-              <a:t> </a:t>
-            </a:r>
-            <a:r>
-              <a:rPr/>
-              <a:t>for</a:t>
-            </a:r>
-            <a:r>
-              <a:rPr/>
-              <a:t> </a:t>
-            </a:r>
-            <a:r>
-              <a:rPr/>
-              <a:t>Powerpoint</a:t>
+              <a:t>Pandoc Template for Powerpoint</a:t>
             </a:r>
           </a:p>
         </p:txBody>
@@ -4274,38 +4680,24 @@
         <p:nvSpPr>
           <p:cNvPr id="3" name="Subtitle 2"/>
           <p:cNvSpPr>
-            <a:spLocks noGrp="1"/>
+            <a:spLocks noGrp="true"/>
           </p:cNvSpPr>
           <p:nvPr>
             <p:ph type="subTitle" idx="1"/>
           </p:nvPr>
         </p:nvSpPr>
-        <p:spPr>
-          <a:xfrm>
-            <a:off x="1371600" y="3886200"/>
-            <a:ext cx="6400800" cy="1752600"/>
-          </a:xfrm>
-        </p:spPr>
-        <p:txBody>
-          <a:bodyPr/>
-          <a:lstStyle/>
-          <a:p>
-            <a:pPr lvl="0" marL="0" indent="0">
+        <p:spPr/>
+        <p:txBody>
+          <a:bodyPr/>
+          <a:lstStyle/>
+          <a:p>
+            <a:pPr marL="0" lvl="0" indent="0">
               <a:buNone/>
             </a:pPr>
             <a:br/>
             <a:br/>
             <a:r>
-              <a:rPr/>
-              <a:t>Peter</a:t>
-            </a:r>
-            <a:r>
-              <a:rPr/>
-              <a:t> </a:t>
-            </a:r>
-            <a:r>
-              <a:rPr/>
-              <a:t>Conrad</a:t>
+              <a:t>Peter Conrad</a:t>
             </a:r>
           </a:p>
         </p:txBody>
@@ -4314,7 +4706,7 @@
         <p:nvSpPr>
           <p:cNvPr id="4" name="Date Placeholder 3"/>
           <p:cNvSpPr>
-            <a:spLocks noGrp="1"/>
+            <a:spLocks noGrp="true"/>
           </p:cNvSpPr>
           <p:nvPr>
             <p:ph type="dt" sz="half" idx="10"/>
@@ -4325,34 +4717,20 @@
           <a:bodyPr/>
           <a:lstStyle/>
           <a:p>
-            <a:pPr lvl="0" marL="0" indent="0">
+            <a:pPr marL="0" lvl="0" indent="0">
               <a:buNone/>
             </a:pPr>
             <a:r>
-              <a:rPr/>
-              <a:t>26</a:t>
-            </a:r>
-            <a:r>
-              <a:rPr/>
-              <a:t> </a:t>
-            </a:r>
-            <a:r>
-              <a:rPr/>
-              <a:t>November</a:t>
-            </a:r>
-            <a:r>
-              <a:rPr/>
-              <a:t> </a:t>
-            </a:r>
-            <a:r>
-              <a:rPr/>
-              <a:t>2019</a:t>
+              <a:t>26 November 2019</a:t>
             </a:r>
           </a:p>
         </p:txBody>
       </p:sp>
     </p:spTree>
   </p:cSld>
+  <p:clrMapOvr>
+    <a:masterClrMapping/>
+  </p:clrMapOvr>
 </p:sld>
 </file>
 
@@ -4377,7 +4755,7 @@
         <p:nvSpPr>
           <p:cNvPr id="2" name="Title 1"/>
           <p:cNvSpPr>
-            <a:spLocks noGrp="1"/>
+            <a:spLocks noGrp="true"/>
           </p:cNvSpPr>
           <p:nvPr>
             <p:ph type="title"/>
@@ -4388,11 +4766,10 @@
           <a:bodyPr/>
           <a:lstStyle/>
           <a:p>
-            <a:pPr lvl="0" marL="0" indent="0">
+            <a:pPr marL="0" lvl="0" indent="0">
               <a:buNone/>
             </a:pPr>
             <a:r>
-              <a:rPr/>
               <a:t>Blockquotes</a:t>
             </a:r>
           </a:p>
@@ -4402,38 +4779,41 @@
         <p:nvSpPr>
           <p:cNvPr id="3" name="Content Placeholder 2"/>
           <p:cNvSpPr>
-            <a:spLocks noGrp="1"/>
-          </p:cNvSpPr>
-          <p:nvPr>
-            <p:ph idx="1"/>
-          </p:nvPr>
-        </p:nvSpPr>
-        <p:spPr/>
-        <p:txBody>
-          <a:bodyPr/>
-          <a:lstStyle/>
-          <a:p>
-            <a:pPr lvl="0" marL="0" indent="0">
+            <a:spLocks noGrp="true"/>
+          </p:cNvSpPr>
+          <p:nvPr>
+            <p:ph sz="quarter" idx="1"/>
+          </p:nvPr>
+        </p:nvSpPr>
+        <p:spPr/>
+        <p:txBody>
+          <a:bodyPr/>
+          <a:lstStyle/>
+          <a:p>
+            <a:pPr marL="0" lvl="0" indent="0">
               <a:buNone/>
             </a:pPr>
             <a:r>
-              <a:rPr/>
               <a:t>Blockquotes look like this.</a:t>
             </a:r>
           </a:p>
           <a:p>
-            <a:pPr lvl="0" marL="1270000" indent="0">
+            <a:pPr marL="1270000" lvl="0" indent="0">
               <a:buNone/>
             </a:pPr>
             <a:r>
               <a:rPr sz="2000"/>
               <a:t>Here is a blockquote</a:t>
             </a:r>
+            <a:endParaRPr sz="2000"/>
           </a:p>
         </p:txBody>
       </p:sp>
     </p:spTree>
   </p:cSld>
+  <p:clrMapOvr>
+    <a:masterClrMapping/>
+  </p:clrMapOvr>
 </p:sld>
 </file>
 
@@ -4456,44 +4836,51 @@
       </p:grpSpPr>
       <p:sp>
         <p:nvSpPr>
+          <p:cNvPr id="3" name="文本占位符 2"/>
+          <p:cNvSpPr>
+            <a:spLocks noGrp="true"/>
+          </p:cNvSpPr>
+          <p:nvPr>
+            <p:ph type="body" idx="1"/>
+          </p:nvPr>
+        </p:nvSpPr>
+        <p:spPr/>
+        <p:txBody>
+          <a:bodyPr/>
+          <a:p>
+            <a:endParaRPr lang="zh-CN" altLang="en-US"/>
+          </a:p>
+        </p:txBody>
+      </p:sp>
+      <p:sp>
+        <p:nvSpPr>
           <p:cNvPr id="2" name="Title 1"/>
           <p:cNvSpPr>
-            <a:spLocks noGrp="1"/>
+            <a:spLocks noGrp="true"/>
           </p:cNvSpPr>
           <p:nvPr>
             <p:ph type="title"/>
           </p:nvPr>
         </p:nvSpPr>
-        <p:spPr>
-          <a:xfrm>
-            <a:off x="722313" y="4406900"/>
-            <a:ext cx="7772400" cy="1362075"/>
-          </a:xfrm>
-        </p:spPr>
-        <p:txBody>
-          <a:bodyPr/>
-          <a:lstStyle/>
-          <a:p>
-            <a:pPr lvl="0" marL="0" indent="0">
+        <p:spPr/>
+        <p:txBody>
+          <a:bodyPr/>
+          <a:lstStyle/>
+          <a:p>
+            <a:pPr marL="0" lvl="0" indent="0">
               <a:buNone/>
             </a:pPr>
             <a:r>
-              <a:rPr/>
-              <a:t>Thank</a:t>
-            </a:r>
-            <a:r>
-              <a:rPr/>
-              <a:t> </a:t>
-            </a:r>
-            <a:r>
-              <a:rPr/>
-              <a:t>you</a:t>
+              <a:t>Thank you</a:t>
             </a:r>
           </a:p>
         </p:txBody>
       </p:sp>
     </p:spTree>
   </p:cSld>
+  <p:clrMapOvr>
+    <a:masterClrMapping/>
+  </p:clrMapOvr>
 </p:sld>
 </file>
 
@@ -4516,44 +4903,51 @@
       </p:grpSpPr>
       <p:sp>
         <p:nvSpPr>
+          <p:cNvPr id="3" name="文本占位符 2"/>
+          <p:cNvSpPr>
+            <a:spLocks noGrp="true"/>
+          </p:cNvSpPr>
+          <p:nvPr>
+            <p:ph type="body" idx="1"/>
+          </p:nvPr>
+        </p:nvSpPr>
+        <p:spPr/>
+        <p:txBody>
+          <a:bodyPr/>
+          <a:p>
+            <a:endParaRPr lang="zh-CN" altLang="en-US"/>
+          </a:p>
+        </p:txBody>
+      </p:sp>
+      <p:sp>
+        <p:nvSpPr>
           <p:cNvPr id="2" name="Title 1"/>
           <p:cNvSpPr>
-            <a:spLocks noGrp="1"/>
+            <a:spLocks noGrp="true"/>
           </p:cNvSpPr>
           <p:nvPr>
             <p:ph type="title"/>
           </p:nvPr>
         </p:nvSpPr>
-        <p:spPr>
-          <a:xfrm>
-            <a:off x="722313" y="4406900"/>
-            <a:ext cx="7772400" cy="1362075"/>
-          </a:xfrm>
-        </p:spPr>
-        <p:txBody>
-          <a:bodyPr/>
-          <a:lstStyle/>
-          <a:p>
-            <a:pPr lvl="0" marL="0" indent="0">
+        <p:spPr/>
+        <p:txBody>
+          <a:bodyPr/>
+          <a:lstStyle/>
+          <a:p>
+            <a:pPr marL="0" lvl="0" indent="0">
               <a:buNone/>
             </a:pPr>
             <a:r>
-              <a:rPr/>
-              <a:t>Section</a:t>
-            </a:r>
-            <a:r>
-              <a:rPr/>
-              <a:t> </a:t>
-            </a:r>
-            <a:r>
-              <a:rPr/>
-              <a:t>Title</a:t>
+              <a:t>Section Title</a:t>
             </a:r>
           </a:p>
         </p:txBody>
       </p:sp>
     </p:spTree>
   </p:cSld>
+  <p:clrMapOvr>
+    <a:masterClrMapping/>
+  </p:clrMapOvr>
 </p:sld>
 </file>
 
@@ -4578,7 +4972,7 @@
         <p:nvSpPr>
           <p:cNvPr id="2" name="Title 1"/>
           <p:cNvSpPr>
-            <a:spLocks noGrp="1"/>
+            <a:spLocks noGrp="true"/>
           </p:cNvSpPr>
           <p:nvPr>
             <p:ph type="title"/>
@@ -4589,44 +4983,11 @@
           <a:bodyPr/>
           <a:lstStyle/>
           <a:p>
-            <a:pPr lvl="0" marL="0" indent="0">
+            <a:pPr marL="0" lvl="0" indent="0">
               <a:buNone/>
             </a:pPr>
             <a:r>
-              <a:rPr/>
-              <a:t>How</a:t>
-            </a:r>
-            <a:r>
-              <a:rPr/>
-              <a:t> </a:t>
-            </a:r>
-            <a:r>
-              <a:rPr/>
-              <a:t>to</a:t>
-            </a:r>
-            <a:r>
-              <a:rPr/>
-              <a:t> </a:t>
-            </a:r>
-            <a:r>
-              <a:rPr/>
-              <a:t>do</a:t>
-            </a:r>
-            <a:r>
-              <a:rPr/>
-              <a:t> </a:t>
-            </a:r>
-            <a:r>
-              <a:rPr/>
-              <a:t>a</a:t>
-            </a:r>
-            <a:r>
-              <a:rPr/>
-              <a:t> </a:t>
-            </a:r>
-            <a:r>
-              <a:rPr/>
-              <a:t>slide</a:t>
+              <a:t>How to do a slide</a:t>
             </a:r>
           </a:p>
         </p:txBody>
@@ -4635,43 +4996,39 @@
         <p:nvSpPr>
           <p:cNvPr id="3" name="Content Placeholder 2"/>
           <p:cNvSpPr>
-            <a:spLocks noGrp="1"/>
-          </p:cNvSpPr>
-          <p:nvPr>
-            <p:ph idx="1"/>
-          </p:nvPr>
-        </p:nvSpPr>
-        <p:spPr/>
-        <p:txBody>
-          <a:bodyPr/>
-          <a:lstStyle/>
-          <a:p>
-            <a:pPr lvl="0" marL="0" indent="0">
+            <a:spLocks noGrp="true"/>
+          </p:cNvSpPr>
+          <p:nvPr>
+            <p:ph sz="quarter" idx="1"/>
+          </p:nvPr>
+        </p:nvSpPr>
+        <p:spPr/>
+        <p:txBody>
+          <a:bodyPr/>
+          <a:lstStyle/>
+          <a:p>
+            <a:pPr marL="0" lvl="0" indent="0">
               <a:buNone/>
             </a:pPr>
             <a:r>
-              <a:rPr/>
               <a:t>I like to use:</a:t>
             </a:r>
           </a:p>
           <a:p>
             <a:pPr lvl="1"/>
             <a:r>
-              <a:rPr/>
               <a:t>H1 for section titles</a:t>
             </a:r>
           </a:p>
           <a:p>
             <a:pPr lvl="1"/>
             <a:r>
-              <a:rPr/>
               <a:t>H2 for slide titles</a:t>
             </a:r>
           </a:p>
           <a:p>
             <a:pPr lvl="1"/>
             <a:r>
-              <a:rPr/>
               <a:t>H3 for additional headings in slides</a:t>
             </a:r>
           </a:p>
@@ -4679,6 +5036,9 @@
       </p:sp>
     </p:spTree>
   </p:cSld>
+  <p:clrMapOvr>
+    <a:masterClrMapping/>
+  </p:clrMapOvr>
 </p:sld>
 </file>
 
@@ -4703,7 +5063,7 @@
         <p:nvSpPr>
           <p:cNvPr id="2" name="Title 1"/>
           <p:cNvSpPr>
-            <a:spLocks noGrp="1"/>
+            <a:spLocks noGrp="true"/>
           </p:cNvSpPr>
           <p:nvPr>
             <p:ph type="title"/>
@@ -4714,36 +5074,11 @@
           <a:bodyPr/>
           <a:lstStyle/>
           <a:p>
-            <a:pPr lvl="0" marL="0" indent="0">
+            <a:pPr marL="0" lvl="0" indent="0">
               <a:buNone/>
             </a:pPr>
             <a:r>
-              <a:rPr/>
-              <a:t>Two-column</a:t>
-            </a:r>
-            <a:r>
-              <a:rPr/>
-              <a:t> </a:t>
-            </a:r>
-            <a:r>
-              <a:rPr/>
-              <a:t>slide</a:t>
-            </a:r>
-            <a:r>
-              <a:rPr/>
-              <a:t> </a:t>
-            </a:r>
-            <a:r>
-              <a:rPr/>
-              <a:t>with</a:t>
-            </a:r>
-            <a:r>
-              <a:rPr/>
-              <a:t> </a:t>
-            </a:r>
-            <a:r>
-              <a:rPr/>
-              <a:t>image</a:t>
+              <a:t>Two-column slide with image</a:t>
             </a:r>
           </a:p>
         </p:txBody>
@@ -4752,58 +5087,72 @@
         <p:nvSpPr>
           <p:cNvPr id="3" name="Content Placeholder 2"/>
           <p:cNvSpPr>
-            <a:spLocks noGrp="1"/>
-          </p:cNvSpPr>
-          <p:nvPr>
-            <p:ph sz="half" idx="1"/>
-          </p:nvPr>
-        </p:nvSpPr>
-        <p:spPr/>
-        <p:txBody>
-          <a:bodyPr/>
-          <a:lstStyle/>
-          <a:p>
-            <a:pPr lvl="0" marL="0" indent="0">
+            <a:spLocks noGrp="true"/>
+          </p:cNvSpPr>
+          <p:nvPr>
+            <p:ph sz="quarter" idx="1"/>
+          </p:nvPr>
+        </p:nvSpPr>
+        <p:spPr/>
+        <p:txBody>
+          <a:bodyPr/>
+          <a:lstStyle/>
+          <a:p>
+            <a:pPr marL="0" lvl="0" indent="0">
               <a:buNone/>
             </a:pPr>
             <a:r>
-              <a:rPr/>
               <a:t>Left column:</a:t>
             </a:r>
           </a:p>
           <a:p>
             <a:pPr lvl="1"/>
             <a:r>
-              <a:rPr/>
               <a:t>Bullet</a:t>
             </a:r>
           </a:p>
           <a:p>
             <a:pPr lvl="1"/>
             <a:r>
-              <a:rPr/>
               <a:t>Bullet</a:t>
             </a:r>
           </a:p>
           <a:p>
             <a:pPr lvl="1"/>
             <a:r>
-              <a:rPr/>
               <a:t>Bullet</a:t>
             </a:r>
+          </a:p>
+        </p:txBody>
+      </p:sp>
+      <p:sp>
+        <p:nvSpPr>
+          <p:cNvPr id="5" name="内容占位符 4"/>
+          <p:cNvSpPr>
+            <a:spLocks noGrp="true"/>
+          </p:cNvSpPr>
+          <p:nvPr>
+            <p:ph sz="quarter" idx="2"/>
+          </p:nvPr>
+        </p:nvSpPr>
+        <p:spPr/>
+        <p:txBody>
+          <a:bodyPr/>
+          <a:p>
+            <a:endParaRPr lang="zh-CN" altLang="en-US"/>
           </a:p>
         </p:txBody>
       </p:sp>
       <p:pic>
         <p:nvPicPr>
-          <p:cNvPr descr="bench.jpg" id="0" name="Picture 1"/>
+          <p:cNvPr id="4" name="Picture 1" descr="bench.jpg"/>
           <p:cNvPicPr>
-            <a:picLocks noGrp="1" noChangeAspect="1"/>
+            <a:picLocks noGrp="true" noChangeAspect="true"/>
           </p:cNvPicPr>
           <p:nvPr/>
         </p:nvPicPr>
         <p:blipFill>
-          <a:blip r:embed="rId3"/>
+          <a:blip r:embed="rId1"/>
           <a:stretch>
             <a:fillRect/>
           </a:stretch>
@@ -4819,13 +5168,14 @@
           <a:noFill/>
           <a:ln w="9525">
             <a:noFill/>
-            <a:headEnd/>
-            <a:tailEnd/>
           </a:ln>
         </p:spPr>
       </p:pic>
     </p:spTree>
   </p:cSld>
+  <p:clrMapOvr>
+    <a:masterClrMapping/>
+  </p:clrMapOvr>
 </p:sld>
 </file>
 
@@ -4850,7 +5200,7 @@
         <p:nvSpPr>
           <p:cNvPr id="2" name="Title 1"/>
           <p:cNvSpPr>
-            <a:spLocks noGrp="1"/>
+            <a:spLocks noGrp="true"/>
           </p:cNvSpPr>
           <p:nvPr>
             <p:ph type="title"/>
@@ -4861,11 +5211,10 @@
           <a:bodyPr/>
           <a:lstStyle/>
           <a:p>
-            <a:pPr lvl="0" marL="0" indent="0">
+            <a:pPr marL="0" lvl="0" indent="0">
               <a:buNone/>
             </a:pPr>
             <a:r>
-              <a:rPr/>
               <a:t>Table</a:t>
             </a:r>
           </a:p>
@@ -4875,28 +5224,28 @@
         <p:nvGraphicFramePr>
           <p:cNvPr id="6" name="Content Placeholder 5"/>
           <p:cNvGraphicFramePr>
-            <a:graphicFrameLocks noGrp="1"/>
+            <a:graphicFrameLocks noGrp="true"/>
           </p:cNvGraphicFramePr>
           <p:nvPr>
-            <p:ph idx="1"/>
+            <p:ph sz="quarter" idx="1"/>
           </p:nvPr>
         </p:nvGraphicFramePr>
         <p:xfrm>
-          <a:off x="457200" y="1600200"/>
-          <a:ext cx="8229600" cy="4521200"/>
+          <a:off x="612648" y="1600200"/>
+          <a:ext cx="8153400" cy="2194560"/>
         </p:xfrm>
         <a:graphic>
           <a:graphicData uri="http://schemas.openxmlformats.org/drawingml/2006/table">
             <a:tbl>
-              <a:tblPr firstRow="1" bandRow="1">
+              <a:tblPr firstRow="true" bandRow="true">
                 <a:tableStyleId>{5C22544A-7EE6-4342-B048-85BDC9FD1C3A}</a:tableStyleId>
               </a:tblPr>
               <a:tblGrid>
-                <a:gridCol w="1638300"/>
-                <a:gridCol w="1638300"/>
-                <a:gridCol w="1638300"/>
-                <a:gridCol w="1638300"/>
-                <a:gridCol w="1638300"/>
+                <a:gridCol w="1630680"/>
+                <a:gridCol w="1630680"/>
+                <a:gridCol w="1630680"/>
+                <a:gridCol w="1630680"/>
+                <a:gridCol w="1630680"/>
               </a:tblGrid>
               <a:tr h="0">
                 <a:tc>
@@ -4904,11 +5253,10 @@
                     <a:bodyPr/>
                     <a:lstStyle/>
                     <a:p>
-                      <a:pPr lvl="0" marL="0" indent="0">
+                      <a:pPr marL="0" lvl="0" indent="0">
                         <a:buNone/>
                       </a:pPr>
                       <a:r>
-                        <a:rPr/>
                         <a:t>Heading</a:t>
                       </a:r>
                     </a:p>
@@ -4920,11 +5268,10 @@
                     <a:bodyPr/>
                     <a:lstStyle/>
                     <a:p>
-                      <a:pPr lvl="0" marL="0" indent="0">
+                      <a:pPr marL="0" lvl="0" indent="0">
                         <a:buNone/>
                       </a:pPr>
                       <a:r>
-                        <a:rPr/>
                         <a:t>Heading</a:t>
                       </a:r>
                     </a:p>
@@ -4936,11 +5283,10 @@
                     <a:bodyPr/>
                     <a:lstStyle/>
                     <a:p>
-                      <a:pPr lvl="0" marL="0" indent="0">
+                      <a:pPr marL="0" lvl="0" indent="0">
                         <a:buNone/>
                       </a:pPr>
                       <a:r>
-                        <a:rPr/>
                         <a:t>Heading</a:t>
                       </a:r>
                     </a:p>
@@ -4952,11 +5298,10 @@
                     <a:bodyPr/>
                     <a:lstStyle/>
                     <a:p>
-                      <a:pPr lvl="0" marL="0" indent="0">
+                      <a:pPr marL="0" lvl="0" indent="0">
                         <a:buNone/>
                       </a:pPr>
                       <a:r>
-                        <a:rPr/>
                         <a:t>Heading</a:t>
                       </a:r>
                     </a:p>
@@ -4968,11 +5313,10 @@
                     <a:bodyPr/>
                     <a:lstStyle/>
                     <a:p>
-                      <a:pPr lvl="0" marL="0" indent="0">
+                      <a:pPr marL="0" lvl="0" indent="0">
                         <a:buNone/>
                       </a:pPr>
                       <a:r>
-                        <a:rPr/>
                         <a:t>Heading</a:t>
                       </a:r>
                     </a:p>
@@ -4986,75 +5330,75 @@
                     <a:bodyPr/>
                     <a:lstStyle/>
                     <a:p>
-                      <a:pPr lvl="0" marL="0" indent="0">
+                      <a:pPr marL="0" lvl="0" indent="0">
                         <a:buNone/>
                       </a:pPr>
                       <a:r>
-                        <a:rPr/>
                         <a:t>Cell</a:t>
                       </a:r>
                     </a:p>
                   </a:txBody>
+                  <a:tcPr/>
                 </a:tc>
                 <a:tc>
                   <a:txBody>
                     <a:bodyPr/>
                     <a:lstStyle/>
                     <a:p>
-                      <a:pPr lvl="0" marL="0" indent="0">
+                      <a:pPr marL="0" lvl="0" indent="0">
                         <a:buNone/>
                       </a:pPr>
                       <a:r>
-                        <a:rPr/>
                         <a:t>Cell</a:t>
                       </a:r>
                     </a:p>
                   </a:txBody>
+                  <a:tcPr/>
                 </a:tc>
                 <a:tc>
                   <a:txBody>
                     <a:bodyPr/>
                     <a:lstStyle/>
                     <a:p>
-                      <a:pPr lvl="0" marL="0" indent="0">
+                      <a:pPr marL="0" lvl="0" indent="0">
                         <a:buNone/>
                       </a:pPr>
                       <a:r>
-                        <a:rPr/>
                         <a:t>Cell</a:t>
                       </a:r>
                     </a:p>
                   </a:txBody>
+                  <a:tcPr/>
                 </a:tc>
                 <a:tc>
                   <a:txBody>
                     <a:bodyPr/>
                     <a:lstStyle/>
                     <a:p>
-                      <a:pPr lvl="0" marL="0" indent="0">
+                      <a:pPr marL="0" lvl="0" indent="0">
                         <a:buNone/>
                       </a:pPr>
                       <a:r>
-                        <a:rPr/>
                         <a:t>Cell</a:t>
                       </a:r>
                     </a:p>
                   </a:txBody>
+                  <a:tcPr/>
                 </a:tc>
                 <a:tc>
                   <a:txBody>
                     <a:bodyPr/>
                     <a:lstStyle/>
                     <a:p>
-                      <a:pPr lvl="0" marL="0" indent="0">
+                      <a:pPr marL="0" lvl="0" indent="0">
                         <a:buNone/>
                       </a:pPr>
                       <a:r>
-                        <a:rPr/>
                         <a:t>Cell</a:t>
                       </a:r>
                     </a:p>
                   </a:txBody>
+                  <a:tcPr/>
                 </a:tc>
               </a:tr>
               <a:tr h="0">
@@ -5063,75 +5407,75 @@
                     <a:bodyPr/>
                     <a:lstStyle/>
                     <a:p>
-                      <a:pPr lvl="0" marL="0" indent="0">
+                      <a:pPr marL="0" lvl="0" indent="0">
                         <a:buNone/>
                       </a:pPr>
                       <a:r>
-                        <a:rPr/>
                         <a:t>Cell</a:t>
                       </a:r>
                     </a:p>
                   </a:txBody>
+                  <a:tcPr/>
                 </a:tc>
                 <a:tc>
                   <a:txBody>
                     <a:bodyPr/>
                     <a:lstStyle/>
                     <a:p>
-                      <a:pPr lvl="0" marL="0" indent="0">
+                      <a:pPr marL="0" lvl="0" indent="0">
                         <a:buNone/>
                       </a:pPr>
                       <a:r>
-                        <a:rPr/>
                         <a:t>Cell</a:t>
                       </a:r>
                     </a:p>
                   </a:txBody>
+                  <a:tcPr/>
                 </a:tc>
                 <a:tc>
                   <a:txBody>
                     <a:bodyPr/>
                     <a:lstStyle/>
                     <a:p>
-                      <a:pPr lvl="0" marL="0" indent="0">
+                      <a:pPr marL="0" lvl="0" indent="0">
                         <a:buNone/>
                       </a:pPr>
                       <a:r>
-                        <a:rPr/>
                         <a:t>Cell</a:t>
                       </a:r>
                     </a:p>
                   </a:txBody>
+                  <a:tcPr/>
                 </a:tc>
                 <a:tc>
                   <a:txBody>
                     <a:bodyPr/>
                     <a:lstStyle/>
                     <a:p>
-                      <a:pPr lvl="0" marL="0" indent="0">
+                      <a:pPr marL="0" lvl="0" indent="0">
                         <a:buNone/>
                       </a:pPr>
                       <a:r>
-                        <a:rPr/>
                         <a:t>Cell</a:t>
                       </a:r>
                     </a:p>
                   </a:txBody>
+                  <a:tcPr/>
                 </a:tc>
                 <a:tc>
                   <a:txBody>
                     <a:bodyPr/>
                     <a:lstStyle/>
                     <a:p>
-                      <a:pPr lvl="0" marL="0" indent="0">
+                      <a:pPr marL="0" lvl="0" indent="0">
                         <a:buNone/>
                       </a:pPr>
                       <a:r>
-                        <a:rPr/>
                         <a:t>Cell</a:t>
                       </a:r>
                     </a:p>
                   </a:txBody>
+                  <a:tcPr/>
                 </a:tc>
               </a:tr>
               <a:tr h="0">
@@ -5140,75 +5484,75 @@
                     <a:bodyPr/>
                     <a:lstStyle/>
                     <a:p>
-                      <a:pPr lvl="0" marL="0" indent="0">
+                      <a:pPr marL="0" lvl="0" indent="0">
                         <a:buNone/>
                       </a:pPr>
                       <a:r>
-                        <a:rPr/>
                         <a:t>Cell</a:t>
                       </a:r>
                     </a:p>
                   </a:txBody>
+                  <a:tcPr/>
                 </a:tc>
                 <a:tc>
                   <a:txBody>
                     <a:bodyPr/>
                     <a:lstStyle/>
                     <a:p>
-                      <a:pPr lvl="0" marL="0" indent="0">
+                      <a:pPr marL="0" lvl="0" indent="0">
                         <a:buNone/>
                       </a:pPr>
                       <a:r>
-                        <a:rPr/>
                         <a:t>Cell</a:t>
                       </a:r>
                     </a:p>
                   </a:txBody>
+                  <a:tcPr/>
                 </a:tc>
                 <a:tc>
                   <a:txBody>
                     <a:bodyPr/>
                     <a:lstStyle/>
                     <a:p>
-                      <a:pPr lvl="0" marL="0" indent="0">
+                      <a:pPr marL="0" lvl="0" indent="0">
                         <a:buNone/>
                       </a:pPr>
                       <a:r>
-                        <a:rPr/>
                         <a:t>Cell</a:t>
                       </a:r>
                     </a:p>
                   </a:txBody>
+                  <a:tcPr/>
                 </a:tc>
                 <a:tc>
                   <a:txBody>
                     <a:bodyPr/>
                     <a:lstStyle/>
                     <a:p>
-                      <a:pPr lvl="0" marL="0" indent="0">
+                      <a:pPr marL="0" lvl="0" indent="0">
                         <a:buNone/>
                       </a:pPr>
                       <a:r>
-                        <a:rPr/>
                         <a:t>Cell</a:t>
                       </a:r>
                     </a:p>
                   </a:txBody>
+                  <a:tcPr/>
                 </a:tc>
                 <a:tc>
                   <a:txBody>
                     <a:bodyPr/>
                     <a:lstStyle/>
                     <a:p>
-                      <a:pPr lvl="0" marL="0" indent="0">
+                      <a:pPr marL="0" lvl="0" indent="0">
                         <a:buNone/>
                       </a:pPr>
                       <a:r>
-                        <a:rPr/>
                         <a:t>Cell</a:t>
                       </a:r>
                     </a:p>
                   </a:txBody>
+                  <a:tcPr/>
                 </a:tc>
               </a:tr>
               <a:tr h="0">
@@ -5217,75 +5561,75 @@
                     <a:bodyPr/>
                     <a:lstStyle/>
                     <a:p>
-                      <a:pPr lvl="0" marL="0" indent="0">
+                      <a:pPr marL="0" lvl="0" indent="0">
                         <a:buNone/>
                       </a:pPr>
                       <a:r>
-                        <a:rPr/>
                         <a:t>Cell</a:t>
                       </a:r>
                     </a:p>
                   </a:txBody>
+                  <a:tcPr/>
                 </a:tc>
                 <a:tc>
                   <a:txBody>
                     <a:bodyPr/>
                     <a:lstStyle/>
                     <a:p>
-                      <a:pPr lvl="0" marL="0" indent="0">
+                      <a:pPr marL="0" lvl="0" indent="0">
                         <a:buNone/>
                       </a:pPr>
                       <a:r>
-                        <a:rPr/>
                         <a:t>Cell</a:t>
                       </a:r>
                     </a:p>
                   </a:txBody>
+                  <a:tcPr/>
                 </a:tc>
                 <a:tc>
                   <a:txBody>
                     <a:bodyPr/>
                     <a:lstStyle/>
                     <a:p>
-                      <a:pPr lvl="0" marL="0" indent="0">
+                      <a:pPr marL="0" lvl="0" indent="0">
                         <a:buNone/>
                       </a:pPr>
                       <a:r>
-                        <a:rPr/>
                         <a:t>Cell</a:t>
                       </a:r>
                     </a:p>
                   </a:txBody>
+                  <a:tcPr/>
                 </a:tc>
                 <a:tc>
                   <a:txBody>
                     <a:bodyPr/>
                     <a:lstStyle/>
                     <a:p>
-                      <a:pPr lvl="0" marL="0" indent="0">
+                      <a:pPr marL="0" lvl="0" indent="0">
                         <a:buNone/>
                       </a:pPr>
                       <a:r>
-                        <a:rPr/>
                         <a:t>Cell</a:t>
                       </a:r>
                     </a:p>
                   </a:txBody>
+                  <a:tcPr/>
                 </a:tc>
                 <a:tc>
                   <a:txBody>
                     <a:bodyPr/>
                     <a:lstStyle/>
                     <a:p>
-                      <a:pPr lvl="0" marL="0" indent="0">
+                      <a:pPr marL="0" lvl="0" indent="0">
                         <a:buNone/>
                       </a:pPr>
                       <a:r>
-                        <a:rPr/>
                         <a:t>Cell</a:t>
                       </a:r>
                     </a:p>
                   </a:txBody>
+                  <a:tcPr/>
                 </a:tc>
               </a:tr>
               <a:tr h="0">
@@ -5294,75 +5638,75 @@
                     <a:bodyPr/>
                     <a:lstStyle/>
                     <a:p>
-                      <a:pPr lvl="0" marL="0" indent="0">
+                      <a:pPr marL="0" lvl="0" indent="0">
                         <a:buNone/>
                       </a:pPr>
                       <a:r>
-                        <a:rPr/>
                         <a:t>Cell</a:t>
                       </a:r>
                     </a:p>
                   </a:txBody>
+                  <a:tcPr/>
                 </a:tc>
                 <a:tc>
                   <a:txBody>
                     <a:bodyPr/>
                     <a:lstStyle/>
                     <a:p>
-                      <a:pPr lvl="0" marL="0" indent="0">
+                      <a:pPr marL="0" lvl="0" indent="0">
                         <a:buNone/>
                       </a:pPr>
                       <a:r>
-                        <a:rPr/>
                         <a:t>Cell</a:t>
                       </a:r>
                     </a:p>
                   </a:txBody>
+                  <a:tcPr/>
                 </a:tc>
                 <a:tc>
                   <a:txBody>
                     <a:bodyPr/>
                     <a:lstStyle/>
                     <a:p>
-                      <a:pPr lvl="0" marL="0" indent="0">
+                      <a:pPr marL="0" lvl="0" indent="0">
                         <a:buNone/>
                       </a:pPr>
                       <a:r>
-                        <a:rPr/>
                         <a:t>Cell</a:t>
                       </a:r>
                     </a:p>
                   </a:txBody>
+                  <a:tcPr/>
                 </a:tc>
                 <a:tc>
                   <a:txBody>
                     <a:bodyPr/>
                     <a:lstStyle/>
                     <a:p>
-                      <a:pPr lvl="0" marL="0" indent="0">
+                      <a:pPr marL="0" lvl="0" indent="0">
                         <a:buNone/>
                       </a:pPr>
                       <a:r>
-                        <a:rPr/>
                         <a:t>Cell</a:t>
                       </a:r>
                     </a:p>
                   </a:txBody>
+                  <a:tcPr/>
                 </a:tc>
                 <a:tc>
                   <a:txBody>
                     <a:bodyPr/>
                     <a:lstStyle/>
                     <a:p>
-                      <a:pPr lvl="0" marL="0" indent="0">
+                      <a:pPr marL="0" lvl="0" indent="0">
                         <a:buNone/>
                       </a:pPr>
                       <a:r>
-                        <a:rPr/>
                         <a:t>Cell</a:t>
                       </a:r>
                     </a:p>
                   </a:txBody>
+                  <a:tcPr/>
                 </a:tc>
               </a:tr>
             </a:tbl>
@@ -5371,6 +5715,9 @@
       </p:graphicFrame>
     </p:spTree>
   </p:cSld>
+  <p:clrMapOvr>
+    <a:masterClrMapping/>
+  </p:clrMapOvr>
 </p:sld>
 </file>
 
@@ -5395,7 +5742,7 @@
         <p:nvSpPr>
           <p:cNvPr id="2" name="Title 1"/>
           <p:cNvSpPr>
-            <a:spLocks noGrp="1"/>
+            <a:spLocks noGrp="true"/>
           </p:cNvSpPr>
           <p:nvPr>
             <p:ph type="title"/>
@@ -5406,34 +5753,43 @@
           <a:bodyPr/>
           <a:lstStyle/>
           <a:p>
-            <a:pPr lvl="0" marL="0" indent="0">
+            <a:pPr marL="0" lvl="0" indent="0">
               <a:buNone/>
             </a:pPr>
             <a:r>
-              <a:rPr/>
-              <a:t>An</a:t>
-            </a:r>
-            <a:r>
-              <a:rPr/>
-              <a:t> </a:t>
-            </a:r>
-            <a:r>
-              <a:rPr/>
-              <a:t>image</a:t>
-            </a:r>
+              <a:t>An image</a:t>
+            </a:r>
+          </a:p>
+        </p:txBody>
+      </p:sp>
+      <p:sp>
+        <p:nvSpPr>
+          <p:cNvPr id="5" name="内容占位符 4"/>
+          <p:cNvSpPr>
+            <a:spLocks noGrp="true"/>
+          </p:cNvSpPr>
+          <p:nvPr>
+            <p:ph sz="quarter" idx="1"/>
+          </p:nvPr>
+        </p:nvSpPr>
+        <p:spPr/>
+        <p:txBody>
+          <a:bodyPr/>
+          <a:p>
+            <a:endParaRPr lang="zh-CN" altLang="en-US"/>
           </a:p>
         </p:txBody>
       </p:sp>
       <p:pic>
         <p:nvPicPr>
-          <p:cNvPr descr="bench.jpg" id="0" name="Picture 1"/>
+          <p:cNvPr id="4" name="Picture 1" descr="bench.jpg"/>
           <p:cNvPicPr>
-            <a:picLocks noGrp="1" noChangeAspect="1"/>
+            <a:picLocks noGrp="true" noChangeAspect="true"/>
           </p:cNvPicPr>
           <p:nvPr/>
         </p:nvPicPr>
         <p:blipFill>
-          <a:blip r:embed="rId3"/>
+          <a:blip r:embed="rId1"/>
           <a:stretch>
             <a:fillRect/>
           </a:stretch>
@@ -5449,15 +5805,13 @@
           <a:noFill/>
           <a:ln w="9525">
             <a:noFill/>
-            <a:headEnd/>
-            <a:tailEnd/>
           </a:ln>
         </p:spPr>
       </p:pic>
       <p:sp>
         <p:nvSpPr>
-          <p:cNvPr id="1" name="TextBox 3"/>
-          <p:cNvSpPr txBox="1"/>
+          <p:cNvPr id="3" name="TextBox 3"/>
+          <p:cNvSpPr txBox="true"/>
           <p:nvPr/>
         </p:nvSpPr>
         <p:spPr>
@@ -5474,50 +5828,20 @@
           <a:bodyPr/>
           <a:lstStyle/>
           <a:p>
-            <a:pPr lvl="0" marL="0" indent="0" algn="ctr">
+            <a:pPr marL="0" lvl="0" indent="0" algn="ctr">
               <a:buNone/>
             </a:pPr>
             <a:r>
-              <a:rPr/>
-              <a:t>Alt</a:t>
-            </a:r>
-            <a:r>
-              <a:rPr/>
-              <a:t> </a:t>
-            </a:r>
-            <a:r>
-              <a:rPr/>
-              <a:t>text</a:t>
-            </a:r>
-            <a:r>
-              <a:rPr/>
-              <a:t> </a:t>
-            </a:r>
-            <a:r>
-              <a:rPr/>
-              <a:t>looks</a:t>
-            </a:r>
-            <a:r>
-              <a:rPr/>
-              <a:t> </a:t>
-            </a:r>
-            <a:r>
-              <a:rPr/>
-              <a:t>like</a:t>
-            </a:r>
-            <a:r>
-              <a:rPr/>
-              <a:t> </a:t>
-            </a:r>
-            <a:r>
-              <a:rPr/>
-              <a:t>this</a:t>
+              <a:t>Alt text looks like this</a:t>
             </a:r>
           </a:p>
         </p:txBody>
       </p:sp>
     </p:spTree>
   </p:cSld>
+  <p:clrMapOvr>
+    <a:masterClrMapping/>
+  </p:clrMapOvr>
 </p:sld>
 </file>
 
@@ -5542,7 +5866,7 @@
         <p:nvSpPr>
           <p:cNvPr id="2" name="Title 1"/>
           <p:cNvSpPr>
-            <a:spLocks noGrp="1"/>
+            <a:spLocks noGrp="true"/>
           </p:cNvSpPr>
           <p:nvPr>
             <p:ph type="title"/>
@@ -5553,20 +5877,11 @@
           <a:bodyPr/>
           <a:lstStyle/>
           <a:p>
-            <a:pPr lvl="0" marL="0" indent="0">
+            <a:pPr marL="0" lvl="0" indent="0">
               <a:buNone/>
             </a:pPr>
             <a:r>
-              <a:rPr/>
-              <a:t>Bullet</a:t>
-            </a:r>
-            <a:r>
-              <a:rPr/>
-              <a:t> </a:t>
-            </a:r>
-            <a:r>
-              <a:rPr/>
-              <a:t>lists</a:t>
+              <a:t>Bullet lists</a:t>
             </a:r>
           </a:p>
         </p:txBody>
@@ -5575,10 +5890,10 @@
         <p:nvSpPr>
           <p:cNvPr id="3" name="Content Placeholder 2"/>
           <p:cNvSpPr>
-            <a:spLocks noGrp="1"/>
-          </p:cNvSpPr>
-          <p:nvPr>
-            <p:ph idx="1"/>
+            <a:spLocks noGrp="true"/>
+          </p:cNvSpPr>
+          <p:nvPr>
+            <p:ph sz="quarter" idx="1"/>
           </p:nvPr>
         </p:nvSpPr>
         <p:spPr/>
@@ -5588,14 +5903,12 @@
           <a:p>
             <a:pPr lvl="1"/>
             <a:r>
-              <a:rPr/>
               <a:t>Bullets work</a:t>
             </a:r>
           </a:p>
           <a:p>
             <a:pPr lvl="2"/>
             <a:r>
-              <a:rPr/>
               <a:t>Indenting works</a:t>
             </a:r>
           </a:p>
@@ -5603,6 +5916,9 @@
       </p:sp>
     </p:spTree>
   </p:cSld>
+  <p:clrMapOvr>
+    <a:masterClrMapping/>
+  </p:clrMapOvr>
 </p:sld>
 </file>
 
@@ -5627,7 +5943,7 @@
         <p:nvSpPr>
           <p:cNvPr id="2" name="Title 1"/>
           <p:cNvSpPr>
-            <a:spLocks noGrp="1"/>
+            <a:spLocks noGrp="true"/>
           </p:cNvSpPr>
           <p:nvPr>
             <p:ph type="title"/>
@@ -5638,20 +5954,11 @@
           <a:bodyPr/>
           <a:lstStyle/>
           <a:p>
-            <a:pPr lvl="0" marL="0" indent="0">
+            <a:pPr marL="0" lvl="0" indent="0">
               <a:buNone/>
             </a:pPr>
             <a:r>
-              <a:rPr/>
-              <a:t>Ordered</a:t>
-            </a:r>
-            <a:r>
-              <a:rPr/>
-              <a:t> </a:t>
-            </a:r>
-            <a:r>
-              <a:rPr/>
-              <a:t>lists</a:t>
+              <a:t>Ordered lists</a:t>
             </a:r>
           </a:p>
         </p:txBody>
@@ -5660,10 +5967,10 @@
         <p:nvSpPr>
           <p:cNvPr id="3" name="Content Placeholder 2"/>
           <p:cNvSpPr>
-            <a:spLocks noGrp="1"/>
-          </p:cNvSpPr>
-          <p:nvPr>
-            <p:ph idx="1"/>
+            <a:spLocks noGrp="true"/>
+          </p:cNvSpPr>
+          <p:nvPr>
+            <p:ph sz="quarter" idx="1"/>
           </p:nvPr>
         </p:nvSpPr>
         <p:spPr/>
@@ -5675,7 +5982,6 @@
               <a:buAutoNum type="arabicPeriod"/>
             </a:pPr>
             <a:r>
-              <a:rPr/>
               <a:t>Ordered lists work</a:t>
             </a:r>
           </a:p>
@@ -5684,7 +5990,6 @@
               <a:buAutoNum type="arabicPeriod"/>
             </a:pPr>
             <a:r>
-              <a:rPr/>
               <a:t>Sub-lists in ordered lists</a:t>
             </a:r>
           </a:p>
@@ -5693,7 +5998,6 @@
               <a:buAutoNum type="arabicPeriod"/>
             </a:pPr>
             <a:r>
-              <a:rPr/>
               <a:t>Next item</a:t>
             </a:r>
           </a:p>
@@ -5701,6 +6005,9 @@
       </p:sp>
     </p:spTree>
   </p:cSld>
+  <p:clrMapOvr>
+    <a:masterClrMapping/>
+  </p:clrMapOvr>
 </p:sld>
 </file>
 
@@ -5725,7 +6032,7 @@
         <p:nvSpPr>
           <p:cNvPr id="2" name="Title 1"/>
           <p:cNvSpPr>
-            <a:spLocks noGrp="1"/>
+            <a:spLocks noGrp="true"/>
           </p:cNvSpPr>
           <p:nvPr>
             <p:ph type="title"/>
@@ -5736,11 +6043,10 @@
           <a:bodyPr/>
           <a:lstStyle/>
           <a:p>
-            <a:pPr lvl="0" marL="0" indent="0">
+            <a:pPr marL="0" lvl="0" indent="0">
               <a:buNone/>
             </a:pPr>
             <a:r>
-              <a:rPr/>
               <a:t>Code</a:t>
             </a:r>
           </a:p>
@@ -5750,27 +6056,26 @@
         <p:nvSpPr>
           <p:cNvPr id="3" name="Content Placeholder 2"/>
           <p:cNvSpPr>
-            <a:spLocks noGrp="1"/>
-          </p:cNvSpPr>
-          <p:nvPr>
-            <p:ph idx="1"/>
-          </p:nvPr>
-        </p:nvSpPr>
-        <p:spPr/>
-        <p:txBody>
-          <a:bodyPr/>
-          <a:lstStyle/>
-          <a:p>
-            <a:pPr lvl="0" marL="0" indent="0">
+            <a:spLocks noGrp="true"/>
+          </p:cNvSpPr>
+          <p:nvPr>
+            <p:ph sz="quarter" idx="1"/>
+          </p:nvPr>
+        </p:nvSpPr>
+        <p:spPr/>
+        <p:txBody>
+          <a:bodyPr/>
+          <a:lstStyle/>
+          <a:p>
+            <a:pPr marL="0" lvl="0" indent="0">
               <a:buNone/>
             </a:pPr>
             <a:r>
-              <a:rPr/>
               <a:t>JavaScript:</a:t>
             </a:r>
           </a:p>
           <a:p>
-            <a:pPr lvl="0" marL="1270000" indent="0">
+            <a:pPr marL="1270000" lvl="0" indent="0">
               <a:buNone/>
             </a:pPr>
             <a:r>
@@ -5821,7 +6126,14 @@
               </a:rPr>
               <a:t>;</a:t>
             </a:r>
-            <a:br/>
+            <a:br>
+              <a:rPr sz="1800">
+                <a:solidFill>
+                  <a:srgbClr val="666666"/>
+                </a:solidFill>
+                <a:latin typeface="Courier"/>
+              </a:rPr>
+            </a:br>
             <a:r>
               <a:rPr sz="1800">
                 <a:solidFill>
@@ -5846,18 +6158,23 @@
               </a:rPr>
               <a:t>;</a:t>
             </a:r>
-          </a:p>
-          <a:p>
-            <a:pPr lvl="0" marL="0" indent="0">
+            <a:endParaRPr sz="1800">
+              <a:solidFill>
+                <a:srgbClr val="666666"/>
+              </a:solidFill>
+              <a:latin typeface="Courier"/>
+            </a:endParaRPr>
+          </a:p>
+          <a:p>
+            <a:pPr marL="0" lvl="0" indent="0">
               <a:buNone/>
             </a:pPr>
             <a:r>
-              <a:rPr/>
               <a:t>Python:</a:t>
             </a:r>
           </a:p>
           <a:p>
-            <a:pPr lvl="0" marL="1270000" indent="0">
+            <a:pPr marL="1270000" lvl="0" indent="0">
               <a:buNone/>
             </a:pPr>
             <a:r>
@@ -5890,25 +6207,34 @@
               </a:rPr>
               <a:t>"Python syntax highlighting"</a:t>
             </a:r>
-            <a:br/>
+            <a:br>
+              <a:rPr sz="1800">
+                <a:solidFill>
+                  <a:srgbClr val="4070A0"/>
+                </a:solidFill>
+                <a:latin typeface="Courier"/>
+              </a:rPr>
+            </a:br>
             <a:r>
               <a:rPr sz="1800">
                 <a:latin typeface="Courier"/>
               </a:rPr>
               <a:t>print s</a:t>
             </a:r>
-          </a:p>
-          <a:p>
-            <a:pPr lvl="0" marL="0" indent="0">
+            <a:endParaRPr sz="1800">
+              <a:latin typeface="Courier"/>
+            </a:endParaRPr>
+          </a:p>
+          <a:p>
+            <a:pPr marL="0" lvl="0" indent="0">
               <a:buNone/>
             </a:pPr>
             <a:r>
-              <a:rPr/>
               <a:t>Something else:</a:t>
             </a:r>
           </a:p>
           <a:p>
-            <a:pPr lvl="0" marL="1270000" indent="0">
+            <a:pPr marL="1270000" lvl="0" indent="0">
               <a:buNone/>
             </a:pPr>
             <a:r>
@@ -5918,15 +6244,256 @@
               <a:t>No language indicated, so no syntax highlighting. 
 But let's throw in a &lt;b&gt;tag&lt;/b&gt;.</a:t>
             </a:r>
+            <a:endParaRPr sz="1800">
+              <a:latin typeface="Courier"/>
+            </a:endParaRPr>
           </a:p>
         </p:txBody>
       </p:sp>
     </p:spTree>
   </p:cSld>
+  <p:clrMapOvr>
+    <a:masterClrMapping/>
+  </p:clrMapOvr>
 </p:sld>
 </file>
 
 <file path=ppt/theme/theme1.xml><?xml version="1.0" encoding="utf-8"?>
+<a:theme xmlns:a="http://schemas.openxmlformats.org/drawingml/2006/main" name="Median">
+  <a:themeElements>
+    <a:clrScheme name="中性">
+      <a:dk1>
+        <a:sysClr val="windowText" lastClr="000000"/>
+      </a:dk1>
+      <a:lt1>
+        <a:sysClr val="window" lastClr="FFFFFF"/>
+      </a:lt1>
+      <a:dk2>
+        <a:srgbClr val="775F55"/>
+      </a:dk2>
+      <a:lt2>
+        <a:srgbClr val="EBDDC3"/>
+      </a:lt2>
+      <a:accent1>
+        <a:srgbClr val="94B6D2"/>
+      </a:accent1>
+      <a:accent2>
+        <a:srgbClr val="DD8047"/>
+      </a:accent2>
+      <a:accent3>
+        <a:srgbClr val="A5AB81"/>
+      </a:accent3>
+      <a:accent4>
+        <a:srgbClr val="D8B25C"/>
+      </a:accent4>
+      <a:accent5>
+        <a:srgbClr val="7BA79D"/>
+      </a:accent5>
+      <a:accent6>
+        <a:srgbClr val="968C8C"/>
+      </a:accent6>
+      <a:hlink>
+        <a:srgbClr val="F7B615"/>
+      </a:hlink>
+      <a:folHlink>
+        <a:srgbClr val="704404"/>
+      </a:folHlink>
+    </a:clrScheme>
+    <a:fontScheme name="中性">
+      <a:majorFont>
+        <a:latin typeface="Tw Cen MT"/>
+        <a:ea typeface=""/>
+        <a:cs typeface=""/>
+        <a:font script="Grek" typeface="Calibri"/>
+        <a:font script="Cyrl" typeface="Calibri"/>
+        <a:font script="Jpan" typeface="HGPｺﾞｼｯｸE"/>
+        <a:font script="Hang" typeface="HY얕은샘물M"/>
+        <a:font script="Hans" typeface="华文仿宋"/>
+        <a:font script="Hant" typeface="微軟正黑體"/>
+        <a:font script="Arab" typeface="Arial"/>
+        <a:font script="Hebr" typeface="Levenim MT"/>
+        <a:font script="Thai" typeface="FreesiaUPC"/>
+        <a:font script="Ethi" typeface="Nyala"/>
+        <a:font script="Beng" typeface="Vrinda"/>
+        <a:font script="Gujr" typeface="Shruti"/>
+        <a:font script="Khmr" typeface="DaunPenh"/>
+        <a:font script="Knda" typeface="Tunga"/>
+        <a:font script="Guru" typeface="Raavi"/>
+        <a:font script="Cans" typeface="Euphemia"/>
+        <a:font script="Cher" typeface="Plantagenet Cherokee"/>
+        <a:font script="Yiii" typeface="Microsoft Yi Baiti"/>
+        <a:font script="Tibt" typeface="Microsoft Himalaya"/>
+        <a:font script="Thaa" typeface="MV Boli"/>
+        <a:font script="Deva" typeface="Mangal"/>
+        <a:font script="Telu" typeface="Gautami"/>
+        <a:font script="Taml" typeface="Latha"/>
+        <a:font script="Syrc" typeface="Estrangelo Edessa"/>
+        <a:font script="Orya" typeface="Kalinga"/>
+        <a:font script="Mlym" typeface="Kartika"/>
+        <a:font script="Laoo" typeface="DokChampa"/>
+        <a:font script="Sinh" typeface="Iskoola Pota"/>
+        <a:font script="Mong" typeface="Mongolian Baiti"/>
+        <a:font script="Viet" typeface="Tahoma"/>
+        <a:font script="Uigh" typeface="Microsoft Uighur"/>
+      </a:majorFont>
+      <a:minorFont>
+        <a:latin typeface="Tw Cen MT"/>
+        <a:ea typeface=""/>
+        <a:cs typeface=""/>
+        <a:font script="Grek" typeface="Calibri"/>
+        <a:font script="Cyrl" typeface="Calibri"/>
+        <a:font script="Jpan" typeface="HGPｺﾞｼｯｸE"/>
+        <a:font script="Hang" typeface="HY얕은샘물M"/>
+        <a:font script="Hans" typeface="华文仿宋"/>
+        <a:font script="Hant" typeface="微軟正黑體"/>
+        <a:font script="Arab" typeface="Arial"/>
+        <a:font script="Hebr" typeface="Levenim MT"/>
+        <a:font script="Thai" typeface="FreesiaUPC"/>
+        <a:font script="Ethi" typeface="Nyala"/>
+        <a:font script="Beng" typeface="Vrinda"/>
+        <a:font script="Gujr" typeface="Shruti"/>
+        <a:font script="Khmr" typeface="DaunPenh"/>
+        <a:font script="Knda" typeface="Tunga"/>
+        <a:font script="Guru" typeface="Raavi"/>
+        <a:font script="Cans" typeface="Euphemia"/>
+        <a:font script="Cher" typeface="Plantagenet Cherokee"/>
+        <a:font script="Yiii" typeface="Microsoft Yi Baiti"/>
+        <a:font script="Tibt" typeface="Microsoft Himalaya"/>
+        <a:font script="Thaa" typeface="MV Boli"/>
+        <a:font script="Deva" typeface="Mangal"/>
+        <a:font script="Telu" typeface="Gautami"/>
+        <a:font script="Taml" typeface="Latha"/>
+        <a:font script="Syrc" typeface="Estrangelo Edessa"/>
+        <a:font script="Orya" typeface="Kalinga"/>
+        <a:font script="Mlym" typeface="Kartika"/>
+        <a:font script="Laoo" typeface="DokChampa"/>
+        <a:font script="Sinh" typeface="Iskoola Pota"/>
+        <a:font script="Mong" typeface="Mongolian Baiti"/>
+        <a:font script="Viet" typeface="Tahoma"/>
+        <a:font script="Uigh" typeface="Microsoft Uighur"/>
+      </a:minorFont>
+    </a:fontScheme>
+    <a:fmtScheme name="中性">
+      <a:fillStyleLst>
+        <a:solidFill>
+          <a:schemeClr val="phClr"/>
+        </a:solidFill>
+        <a:solidFill>
+          <a:schemeClr val="phClr">
+            <a:tint val="50000"/>
+          </a:schemeClr>
+        </a:solidFill>
+        <a:solidFill>
+          <a:schemeClr val="phClr"/>
+        </a:solidFill>
+      </a:fillStyleLst>
+      <a:lnStyleLst>
+        <a:ln w="10000" cap="flat" cmpd="sng" algn="ctr">
+          <a:solidFill>
+            <a:schemeClr val="phClr"/>
+          </a:solidFill>
+          <a:prstDash val="solid"/>
+        </a:ln>
+        <a:ln w="19050" cap="flat" cmpd="sng" algn="ctr">
+          <a:solidFill>
+            <a:schemeClr val="phClr"/>
+          </a:solidFill>
+          <a:prstDash val="solid"/>
+        </a:ln>
+        <a:ln w="47625" cap="flat" cmpd="dbl" algn="ctr">
+          <a:solidFill>
+            <a:schemeClr val="phClr"/>
+          </a:solidFill>
+          <a:prstDash val="solid"/>
+        </a:ln>
+      </a:lnStyleLst>
+      <a:effectStyleLst>
+        <a:effectStyle>
+          <a:effectLst>
+            <a:outerShdw blurRad="38100" dist="30000" dir="5400000" rotWithShape="0">
+              <a:srgbClr val="000000">
+                <a:alpha val="45000"/>
+              </a:srgbClr>
+            </a:outerShdw>
+          </a:effectLst>
+        </a:effectStyle>
+        <a:effectStyle>
+          <a:effectLst>
+            <a:outerShdw blurRad="38100" dist="30000" dir="5400000" rotWithShape="0">
+              <a:srgbClr val="000000">
+                <a:alpha val="45000"/>
+              </a:srgbClr>
+            </a:outerShdw>
+          </a:effectLst>
+        </a:effectStyle>
+        <a:effectStyle>
+          <a:effectLst>
+            <a:outerShdw blurRad="38100" dist="25400" dir="5400000" rotWithShape="0">
+              <a:srgbClr val="000000">
+                <a:alpha val="35000"/>
+              </a:srgbClr>
+            </a:outerShdw>
+          </a:effectLst>
+          <a:scene3d>
+            <a:camera prst="isometricTopDown" fov="0">
+              <a:rot lat="0" lon="0" rev="0"/>
+            </a:camera>
+            <a:lightRig rig="balanced" dir="t">
+              <a:rot lat="0" lon="0" rev="13800000"/>
+            </a:lightRig>
+          </a:scene3d>
+          <a:sp3d extrusionH="12700" prstMaterial="plastic">
+            <a:bevelT w="38100" h="25400" prst="softRound"/>
+            <a:contourClr>
+              <a:schemeClr val="phClr"/>
+            </a:contourClr>
+          </a:sp3d>
+        </a:effectStyle>
+      </a:effectStyleLst>
+      <a:bgFillStyleLst>
+        <a:solidFill>
+          <a:schemeClr val="phClr"/>
+        </a:solidFill>
+        <a:blipFill>
+          <a:blip xmlns:r="http://schemas.openxmlformats.org/officeDocument/2006/relationships" r:embed="rId1">
+            <a:duotone>
+              <a:schemeClr val="phClr">
+                <a:shade val="90000"/>
+                <a:satMod val="140000"/>
+              </a:schemeClr>
+              <a:schemeClr val="phClr">
+                <a:satMod val="120000"/>
+              </a:schemeClr>
+            </a:duotone>
+          </a:blip>
+          <a:tile tx="0" ty="0" sx="100000" sy="100000" flip="none" algn="tl"/>
+        </a:blipFill>
+        <a:blipFill>
+          <a:blip xmlns:r="http://schemas.openxmlformats.org/officeDocument/2006/relationships" r:embed="rId2">
+            <a:duotone>
+              <a:schemeClr val="phClr">
+                <a:shade val="90000"/>
+                <a:satMod val="140000"/>
+              </a:schemeClr>
+              <a:schemeClr val="phClr">
+                <a:satMod val="120000"/>
+              </a:schemeClr>
+            </a:duotone>
+          </a:blip>
+          <a:tile tx="0" ty="0" sx="100000" sy="100000" flip="none" algn="tl"/>
+        </a:blipFill>
+      </a:bgFillStyleLst>
+    </a:fmtScheme>
+  </a:themeElements>
+  <a:extLst>
+    <a:ext uri="{05A4C25C-085E-4340-85A3-A5531E510DB2}">
+      <thm15:themeFamily xmlns:thm15="http://schemas.microsoft.com/office/thememl/2012/main" name="Office Theme" id="{62F939B6-93AF-4DB8-9C6B-D6C7DFDC589F}" vid="{4A3C46E8-61CC-4603-A589-7422A47A8E4A}"/>
+    </a:ext>
+  </a:extLst>
+</a:theme>
+</file>
+
+<file path=ppt/theme/theme2.xml><?xml version="1.0" encoding="utf-8"?>
 <a:theme xmlns:a="http://schemas.openxmlformats.org/drawingml/2006/main" name="Office Theme">
   <a:themeElements>
     <a:clrScheme name="Office">
@@ -5937,39 +6504,39 @@
         <a:sysClr val="window" lastClr="FFFFFF"/>
       </a:lt1>
       <a:dk2>
-        <a:srgbClr val="1F497D"/>
+        <a:srgbClr val="44546A"/>
       </a:dk2>
       <a:lt2>
-        <a:srgbClr val="EEECE1"/>
+        <a:srgbClr val="E7E6E6"/>
       </a:lt2>
       <a:accent1>
-        <a:srgbClr val="4F81BD"/>
+        <a:srgbClr val="5B9BD5"/>
       </a:accent1>
       <a:accent2>
-        <a:srgbClr val="C0504D"/>
+        <a:srgbClr val="ED7D31"/>
       </a:accent2>
       <a:accent3>
-        <a:srgbClr val="9BBB59"/>
+        <a:srgbClr val="A5A5A5"/>
       </a:accent3>
       <a:accent4>
-        <a:srgbClr val="8064A2"/>
+        <a:srgbClr val="FFC000"/>
       </a:accent4>
       <a:accent5>
-        <a:srgbClr val="4BACC6"/>
+        <a:srgbClr val="4472C4"/>
       </a:accent5>
       <a:accent6>
-        <a:srgbClr val="F79646"/>
+        <a:srgbClr val="70AD47"/>
       </a:accent6>
       <a:hlink>
-        <a:srgbClr val="0000FF"/>
+        <a:srgbClr val="0563C1"/>
       </a:hlink>
       <a:folHlink>
-        <a:srgbClr val="800080"/>
+        <a:srgbClr val="954F72"/>
       </a:folHlink>
     </a:clrScheme>
     <a:fontScheme name="Office">
       <a:majorFont>
-        <a:latin typeface="Calibri"/>
+        <a:latin typeface="Calibri Light"/>
         <a:ea typeface=""/>
         <a:cs typeface=""/>
         <a:font script="Jpan" typeface="ＭＳ Ｐゴシック"/>
@@ -6044,327 +6611,7 @@
         <a:solidFill>
           <a:schemeClr val="phClr"/>
         </a:solidFill>
-        <a:gradFill rotWithShape="1">
-          <a:gsLst>
-            <a:gs pos="0">
-              <a:schemeClr val="phClr">
-                <a:tint val="50000"/>
-                <a:satMod val="300000"/>
-              </a:schemeClr>
-            </a:gs>
-            <a:gs pos="35000">
-              <a:schemeClr val="phClr">
-                <a:tint val="37000"/>
-                <a:satMod val="300000"/>
-              </a:schemeClr>
-            </a:gs>
-            <a:gs pos="100000">
-              <a:schemeClr val="phClr">
-                <a:tint val="15000"/>
-                <a:satMod val="350000"/>
-              </a:schemeClr>
-            </a:gs>
-          </a:gsLst>
-          <a:lin ang="16200000" scaled="1"/>
-        </a:gradFill>
-        <a:gradFill rotWithShape="1">
-          <a:gsLst>
-            <a:gs pos="0">
-              <a:schemeClr val="phClr">
-                <a:tint val="100000"/>
-                <a:shade val="100000"/>
-                <a:satMod val="130000"/>
-              </a:schemeClr>
-            </a:gs>
-            <a:gs pos="100000">
-              <a:schemeClr val="phClr">
-                <a:tint val="50000"/>
-                <a:shade val="100000"/>
-                <a:satMod val="350000"/>
-              </a:schemeClr>
-            </a:gs>
-          </a:gsLst>
-          <a:lin ang="16200000" scaled="0"/>
-        </a:gradFill>
-      </a:fillStyleLst>
-      <a:lnStyleLst>
-        <a:ln w="9525" cap="flat" cmpd="sng" algn="ctr">
-          <a:solidFill>
-            <a:schemeClr val="phClr">
-              <a:shade val="95000"/>
-              <a:satMod val="105000"/>
-            </a:schemeClr>
-          </a:solidFill>
-          <a:prstDash val="solid"/>
-        </a:ln>
-        <a:ln w="25400" cap="flat" cmpd="sng" algn="ctr">
-          <a:solidFill>
-            <a:schemeClr val="phClr"/>
-          </a:solidFill>
-          <a:prstDash val="solid"/>
-        </a:ln>
-        <a:ln w="38100" cap="flat" cmpd="sng" algn="ctr">
-          <a:solidFill>
-            <a:schemeClr val="phClr"/>
-          </a:solidFill>
-          <a:prstDash val="solid"/>
-        </a:ln>
-      </a:lnStyleLst>
-      <a:effectStyleLst>
-        <a:effectStyle>
-          <a:effectLst>
-            <a:outerShdw blurRad="40000" dist="20000" dir="5400000" rotWithShape="0">
-              <a:srgbClr val="000000">
-                <a:alpha val="38000"/>
-              </a:srgbClr>
-            </a:outerShdw>
-          </a:effectLst>
-        </a:effectStyle>
-        <a:effectStyle>
-          <a:effectLst>
-            <a:outerShdw blurRad="40000" dist="23000" dir="5400000" rotWithShape="0">
-              <a:srgbClr val="000000">
-                <a:alpha val="35000"/>
-              </a:srgbClr>
-            </a:outerShdw>
-          </a:effectLst>
-        </a:effectStyle>
-        <a:effectStyle>
-          <a:effectLst>
-            <a:outerShdw blurRad="40000" dist="23000" dir="5400000" rotWithShape="0">
-              <a:srgbClr val="000000">
-                <a:alpha val="35000"/>
-              </a:srgbClr>
-            </a:outerShdw>
-          </a:effectLst>
-          <a:scene3d>
-            <a:camera prst="orthographicFront">
-              <a:rot lat="0" lon="0" rev="0"/>
-            </a:camera>
-            <a:lightRig rig="threePt" dir="t">
-              <a:rot lat="0" lon="0" rev="1200000"/>
-            </a:lightRig>
-          </a:scene3d>
-          <a:sp3d>
-            <a:bevelT w="63500" h="25400"/>
-          </a:sp3d>
-        </a:effectStyle>
-      </a:effectStyleLst>
-      <a:bgFillStyleLst>
-        <a:solidFill>
-          <a:schemeClr val="phClr"/>
-        </a:solidFill>
-        <a:gradFill rotWithShape="1">
-          <a:gsLst>
-            <a:gs pos="0">
-              <a:schemeClr val="phClr">
-                <a:tint val="40000"/>
-                <a:satMod val="350000"/>
-              </a:schemeClr>
-            </a:gs>
-            <a:gs pos="40000">
-              <a:schemeClr val="phClr">
-                <a:tint val="45000"/>
-                <a:shade val="99000"/>
-                <a:satMod val="350000"/>
-              </a:schemeClr>
-            </a:gs>
-            <a:gs pos="100000">
-              <a:schemeClr val="phClr">
-                <a:shade val="20000"/>
-                <a:satMod val="255000"/>
-              </a:schemeClr>
-            </a:gs>
-          </a:gsLst>
-          <a:path path="circle">
-            <a:fillToRect l="50000" t="-80000" r="50000" b="180000"/>
-          </a:path>
-        </a:gradFill>
-        <a:gradFill rotWithShape="1">
-          <a:gsLst>
-            <a:gs pos="0">
-              <a:schemeClr val="phClr">
-                <a:tint val="80000"/>
-                <a:satMod val="300000"/>
-              </a:schemeClr>
-            </a:gs>
-            <a:gs pos="100000">
-              <a:schemeClr val="phClr">
-                <a:shade val="30000"/>
-                <a:satMod val="200000"/>
-              </a:schemeClr>
-            </a:gs>
-          </a:gsLst>
-          <a:path path="circle">
-            <a:fillToRect l="50000" t="50000" r="50000" b="50000"/>
-          </a:path>
-        </a:gradFill>
-      </a:bgFillStyleLst>
-    </a:fmtScheme>
-  </a:themeElements>
-  <a:objectDefaults>
-    <a:spDef>
-      <a:spPr/>
-      <a:bodyPr/>
-      <a:lstStyle/>
-      <a:style>
-        <a:lnRef idx="1">
-          <a:schemeClr val="accent1"/>
-        </a:lnRef>
-        <a:fillRef idx="3">
-          <a:schemeClr val="accent1"/>
-        </a:fillRef>
-        <a:effectRef idx="2">
-          <a:schemeClr val="accent1"/>
-        </a:effectRef>
-        <a:fontRef idx="minor">
-          <a:schemeClr val="lt1"/>
-        </a:fontRef>
-      </a:style>
-    </a:spDef>
-    <a:lnDef>
-      <a:spPr/>
-      <a:bodyPr/>
-      <a:lstStyle/>
-      <a:style>
-        <a:lnRef idx="2">
-          <a:schemeClr val="accent1"/>
-        </a:lnRef>
-        <a:fillRef idx="0">
-          <a:schemeClr val="accent1"/>
-        </a:fillRef>
-        <a:effectRef idx="1">
-          <a:schemeClr val="accent1"/>
-        </a:effectRef>
-        <a:fontRef idx="minor">
-          <a:schemeClr val="tx1"/>
-        </a:fontRef>
-      </a:style>
-    </a:lnDef>
-  </a:objectDefaults>
-  <a:extraClrSchemeLst/>
-</a:theme>
-</file>
-
-<file path=ppt/theme/theme2.xml><?xml version="1.0" encoding="utf-8"?>
-<a:theme xmlns:a="http://schemas.openxmlformats.org/drawingml/2006/main" name="Office Theme">
-  <a:themeElements>
-    <a:clrScheme name="Office">
-      <a:dk1>
-        <a:sysClr val="windowText" lastClr="000000"/>
-      </a:dk1>
-      <a:lt1>
-        <a:sysClr val="window" lastClr="FFFFFF"/>
-      </a:lt1>
-      <a:dk2>
-        <a:srgbClr val="44546A"/>
-      </a:dk2>
-      <a:lt2>
-        <a:srgbClr val="E7E6E6"/>
-      </a:lt2>
-      <a:accent1>
-        <a:srgbClr val="5B9BD5"/>
-      </a:accent1>
-      <a:accent2>
-        <a:srgbClr val="ED7D31"/>
-      </a:accent2>
-      <a:accent3>
-        <a:srgbClr val="A5A5A5"/>
-      </a:accent3>
-      <a:accent4>
-        <a:srgbClr val="FFC000"/>
-      </a:accent4>
-      <a:accent5>
-        <a:srgbClr val="4472C4"/>
-      </a:accent5>
-      <a:accent6>
-        <a:srgbClr val="70AD47"/>
-      </a:accent6>
-      <a:hlink>
-        <a:srgbClr val="0563C1"/>
-      </a:hlink>
-      <a:folHlink>
-        <a:srgbClr val="954F72"/>
-      </a:folHlink>
-    </a:clrScheme>
-    <a:fontScheme name="Office">
-      <a:majorFont>
-        <a:latin typeface="Calibri Light" panose="020F0302020204030204"/>
-        <a:ea typeface=""/>
-        <a:cs typeface=""/>
-        <a:font script="Jpan" typeface="ＭＳ Ｐゴシック"/>
-        <a:font script="Hang" typeface="맑은 고딕"/>
-        <a:font script="Hans" typeface="宋体"/>
-        <a:font script="Hant" typeface="新細明體"/>
-        <a:font script="Arab" typeface="Times New Roman"/>
-        <a:font script="Hebr" typeface="Times New Roman"/>
-        <a:font script="Thai" typeface="Angsana New"/>
-        <a:font script="Ethi" typeface="Nyala"/>
-        <a:font script="Beng" typeface="Vrinda"/>
-        <a:font script="Gujr" typeface="Shruti"/>
-        <a:font script="Khmr" typeface="MoolBoran"/>
-        <a:font script="Knda" typeface="Tunga"/>
-        <a:font script="Guru" typeface="Raavi"/>
-        <a:font script="Cans" typeface="Euphemia"/>
-        <a:font script="Cher" typeface="Plantagenet Cherokee"/>
-        <a:font script="Yiii" typeface="Microsoft Yi Baiti"/>
-        <a:font script="Tibt" typeface="Microsoft Himalaya"/>
-        <a:font script="Thaa" typeface="MV Boli"/>
-        <a:font script="Deva" typeface="Mangal"/>
-        <a:font script="Telu" typeface="Gautami"/>
-        <a:font script="Taml" typeface="Latha"/>
-        <a:font script="Syrc" typeface="Estrangelo Edessa"/>
-        <a:font script="Orya" typeface="Kalinga"/>
-        <a:font script="Mlym" typeface="Kartika"/>
-        <a:font script="Laoo" typeface="DokChampa"/>
-        <a:font script="Sinh" typeface="Iskoola Pota"/>
-        <a:font script="Mong" typeface="Mongolian Baiti"/>
-        <a:font script="Viet" typeface="Times New Roman"/>
-        <a:font script="Uigh" typeface="Microsoft Uighur"/>
-        <a:font script="Geor" typeface="Sylfaen"/>
-      </a:majorFont>
-      <a:minorFont>
-        <a:latin typeface="Calibri" panose="020F0502020204030204"/>
-        <a:ea typeface=""/>
-        <a:cs typeface=""/>
-        <a:font script="Jpan" typeface="ＭＳ Ｐゴシック"/>
-        <a:font script="Hang" typeface="맑은 고딕"/>
-        <a:font script="Hans" typeface="宋体"/>
-        <a:font script="Hant" typeface="新細明體"/>
-        <a:font script="Arab" typeface="Arial"/>
-        <a:font script="Hebr" typeface="Arial"/>
-        <a:font script="Thai" typeface="Cordia New"/>
-        <a:font script="Ethi" typeface="Nyala"/>
-        <a:font script="Beng" typeface="Vrinda"/>
-        <a:font script="Gujr" typeface="Shruti"/>
-        <a:font script="Khmr" typeface="DaunPenh"/>
-        <a:font script="Knda" typeface="Tunga"/>
-        <a:font script="Guru" typeface="Raavi"/>
-        <a:font script="Cans" typeface="Euphemia"/>
-        <a:font script="Cher" typeface="Plantagenet Cherokee"/>
-        <a:font script="Yiii" typeface="Microsoft Yi Baiti"/>
-        <a:font script="Tibt" typeface="Microsoft Himalaya"/>
-        <a:font script="Thaa" typeface="MV Boli"/>
-        <a:font script="Deva" typeface="Mangal"/>
-        <a:font script="Telu" typeface="Gautami"/>
-        <a:font script="Taml" typeface="Latha"/>
-        <a:font script="Syrc" typeface="Estrangelo Edessa"/>
-        <a:font script="Orya" typeface="Kalinga"/>
-        <a:font script="Mlym" typeface="Kartika"/>
-        <a:font script="Laoo" typeface="DokChampa"/>
-        <a:font script="Sinh" typeface="Iskoola Pota"/>
-        <a:font script="Mong" typeface="Mongolian Baiti"/>
-        <a:font script="Viet" typeface="Arial"/>
-        <a:font script="Uigh" typeface="Microsoft Uighur"/>
-        <a:font script="Geor" typeface="Sylfaen"/>
-      </a:minorFont>
-    </a:fontScheme>
-    <a:fmtScheme name="Office">
-      <a:fillStyleLst>
-        <a:solidFill>
-          <a:schemeClr val="phClr"/>
-        </a:solidFill>
-        <a:gradFill rotWithShape="1">
+        <a:gradFill rotWithShape="true">
           <a:gsLst>
             <a:gs pos="0">
               <a:schemeClr val="phClr">
@@ -6388,9 +6635,9 @@
               </a:schemeClr>
             </a:gs>
           </a:gsLst>
-          <a:lin ang="5400000" scaled="0"/>
+          <a:lin ang="5400000" scaled="false"/>
         </a:gradFill>
-        <a:gradFill rotWithShape="1">
+        <a:gradFill rotWithShape="true">
           <a:gsLst>
             <a:gs pos="0">
               <a:schemeClr val="phClr">
@@ -6414,7 +6661,7 @@
               </a:schemeClr>
             </a:gs>
           </a:gsLst>
-          <a:lin ang="5400000" scaled="0"/>
+          <a:lin ang="5400000" scaled="false"/>
         </a:gradFill>
       </a:fillStyleLst>
       <a:lnStyleLst>
@@ -6467,7 +6714,7 @@
             <a:satMod val="170000"/>
           </a:schemeClr>
         </a:solidFill>
-        <a:gradFill rotWithShape="1">
+        <a:gradFill rotWithShape="true">
           <a:gsLst>
             <a:gs pos="0">
               <a:schemeClr val="phClr">
@@ -6492,13 +6739,11 @@
               </a:schemeClr>
             </a:gs>
           </a:gsLst>
-          <a:lin ang="5400000" scaled="0"/>
+          <a:lin ang="5400000" scaled="false"/>
         </a:gradFill>
       </a:bgFillStyleLst>
     </a:fmtScheme>
   </a:themeElements>
-  <a:objectDefaults/>
-  <a:extraClrSchemeLst/>
   <a:extLst>
     <a:ext uri="{05A4C25C-085E-4340-85A3-A5531E510DB2}">
       <thm15:themeFamily xmlns:thm15="http://schemas.microsoft.com/office/thememl/2012/main" name="Office Theme" id="{62F939B6-93AF-4DB8-9C6B-D6C7DFDC589F}" vid="{4A3C46E8-61CC-4603-A589-7422A47A8E4A}"/>

--- a/dotfiles/.pandoc/reference.pptx
+++ b/dotfiles/.pandoc/reference.pptx
@@ -1050,7 +1050,7 @@
 
 <file path=ppt/slideLayouts/slideLayout1.xml><?xml version="1.0" encoding="utf-8"?>
 <p:sldLayout xmlns:a="http://schemas.openxmlformats.org/drawingml/2006/main" xmlns:r="http://schemas.openxmlformats.org/officeDocument/2006/relationships" xmlns:p="http://schemas.openxmlformats.org/presentationml/2006/main" type="title" preserve="1" showMasterSp="0">
-  <p:cSld name="标题幻灯片">
+  <p:cSld name="Title Slide">
     <p:bg>
       <p:bgRef idx="1001">
         <a:schemeClr val="bg2"/>
@@ -1236,10 +1236,6 @@
             </a:lvl1pPr>
           </a:lstStyle>
           <a:p>
-            <a:r>
-              <a:rPr kumimoji="0" lang="zh-CN" altLang="en-US" smtClean="0"/>
-              <a:t>单击此处编辑母版标题样式</a:t>
-            </a:r>
             <a:endParaRPr kumimoji="0" lang="en-US"/>
           </a:p>
         </p:txBody>
@@ -1267,7 +1263,7 @@
           <a:lstStyle>
             <a:lvl1pPr marL="0" indent="0" algn="l">
               <a:buNone/>
-              <a:defRPr sz="1600" baseline="0">
+              <a:defRPr sz="2600">
                 <a:solidFill>
                   <a:srgbClr val="FFFFFF"/>
                 </a:solidFill>
@@ -1299,11 +1295,7 @@
             </a:lvl9pPr>
           </a:lstStyle>
           <a:p>
-            <a:r>
-              <a:rPr kumimoji="0" lang="zh-CN" altLang="en-US" dirty="0" smtClean="0"/>
-              <a:t>单击此处编辑母版副标题样式</a:t>
-            </a:r>
-            <a:endParaRPr kumimoji="0" lang="en-US" dirty="0"/>
+            <a:endParaRPr kumimoji="0" lang="en-US"/>
           </a:p>
         </p:txBody>
       </p:sp>
@@ -1422,7 +1414,7 @@
 
 <file path=ppt/slideLayouts/slideLayout10.xml><?xml version="1.0" encoding="utf-8"?>
 <p:sldLayout xmlns:a="http://schemas.openxmlformats.org/drawingml/2006/main" xmlns:r="http://schemas.openxmlformats.org/officeDocument/2006/relationships" xmlns:p="http://schemas.openxmlformats.org/presentationml/2006/main" type="vertTx" preserve="1">
-  <p:cSld name="标题和竖排文字">
+  <p:cSld name="Title and Vertical Text">
     <p:spTree>
       <p:nvGrpSpPr>
         <p:cNvPr id="1" name=""/>
@@ -1452,22 +1444,18 @@
           <a:bodyPr/>
           <a:lstStyle/>
           <a:p>
-            <a:r>
-              <a:rPr kumimoji="0" lang="zh-CN" altLang="en-US" smtClean="0"/>
-              <a:t>单击此处编辑母版标题样式</a:t>
-            </a:r>
             <a:endParaRPr kumimoji="0" lang="en-US"/>
           </a:p>
         </p:txBody>
       </p:sp>
       <p:sp>
         <p:nvSpPr>
-          <p:cNvPr id="3" name="竖排文字占位符 2"/>
-          <p:cNvSpPr>
-            <a:spLocks noGrp="true"/>
-          </p:cNvSpPr>
-          <p:nvPr>
-            <p:ph type="body" orient="vert" idx="1"/>
+          <p:cNvPr id="3" name="文本占位符 2"/>
+          <p:cNvSpPr>
+            <a:spLocks noGrp="true"/>
+          </p:cNvSpPr>
+          <p:nvPr>
+            <p:ph type="body" orient="vert" idx="1" hasCustomPrompt="true"/>
           </p:nvPr>
         </p:nvSpPr>
         <p:spPr/>
@@ -1476,42 +1464,18 @@
           <a:lstStyle/>
           <a:p>
             <a:pPr lvl="0" eaLnBrk="1" latinLnBrk="0" hangingPunct="1"/>
-            <a:r>
-              <a:rPr lang="zh-CN" altLang="en-US" smtClean="0"/>
-              <a:t>单击此处编辑母版文本样式</a:t>
-            </a:r>
-            <a:endParaRPr lang="zh-CN" altLang="en-US" smtClean="0"/>
           </a:p>
           <a:p>
             <a:pPr lvl="1" eaLnBrk="1" latinLnBrk="0" hangingPunct="1"/>
-            <a:r>
-              <a:rPr lang="zh-CN" altLang="en-US" smtClean="0"/>
-              <a:t>第二级</a:t>
-            </a:r>
-            <a:endParaRPr lang="zh-CN" altLang="en-US" smtClean="0"/>
           </a:p>
           <a:p>
             <a:pPr lvl="2" eaLnBrk="1" latinLnBrk="0" hangingPunct="1"/>
-            <a:r>
-              <a:rPr lang="zh-CN" altLang="en-US" smtClean="0"/>
-              <a:t>第三级</a:t>
-            </a:r>
-            <a:endParaRPr lang="zh-CN" altLang="en-US" smtClean="0"/>
           </a:p>
           <a:p>
             <a:pPr lvl="3" eaLnBrk="1" latinLnBrk="0" hangingPunct="1"/>
-            <a:r>
-              <a:rPr lang="zh-CN" altLang="en-US" smtClean="0"/>
-              <a:t>第四级</a:t>
-            </a:r>
-            <a:endParaRPr lang="zh-CN" altLang="en-US" smtClean="0"/>
           </a:p>
           <a:p>
             <a:pPr lvl="4" eaLnBrk="1" latinLnBrk="0" hangingPunct="1"/>
-            <a:r>
-              <a:rPr lang="zh-CN" altLang="en-US" smtClean="0"/>
-              <a:t>第五级</a:t>
-            </a:r>
             <a:endParaRPr kumimoji="0" lang="en-US"/>
           </a:p>
         </p:txBody>
@@ -1590,7 +1554,7 @@
 
 <file path=ppt/slideLayouts/slideLayout11.xml><?xml version="1.0" encoding="utf-8"?>
 <p:sldLayout xmlns:a="http://schemas.openxmlformats.org/drawingml/2006/main" xmlns:r="http://schemas.openxmlformats.org/officeDocument/2006/relationships" xmlns:p="http://schemas.openxmlformats.org/presentationml/2006/main" type="vertTitleAndTx" preserve="1" showMasterSp="0">
-  <p:cSld name="垂直排列标题与文本">
+  <p:cSld name="Vertical Title and Text">
     <p:bg>
       <p:bgRef idx="1001">
         <a:schemeClr val="bg1"/>
@@ -1612,7 +1576,7 @@
       </p:grpSpPr>
       <p:sp>
         <p:nvSpPr>
-          <p:cNvPr id="2" name="竖排标题 1"/>
+          <p:cNvPr id="2" name="标题 1"/>
           <p:cNvSpPr>
             <a:spLocks noGrp="true"/>
           </p:cNvSpPr>
@@ -1630,22 +1594,18 @@
           <a:bodyPr vert="eaVert"/>
           <a:lstStyle/>
           <a:p>
-            <a:r>
-              <a:rPr kumimoji="0" lang="zh-CN" altLang="en-US" smtClean="0"/>
-              <a:t>单击此处编辑母版标题样式</a:t>
-            </a:r>
             <a:endParaRPr kumimoji="0" lang="en-US"/>
           </a:p>
         </p:txBody>
       </p:sp>
       <p:sp>
         <p:nvSpPr>
-          <p:cNvPr id="3" name="竖排文字占位符 2"/>
-          <p:cNvSpPr>
-            <a:spLocks noGrp="true"/>
-          </p:cNvSpPr>
-          <p:nvPr>
-            <p:ph type="body" orient="vert" idx="1"/>
+          <p:cNvPr id="3" name="文本占位符 2"/>
+          <p:cNvSpPr>
+            <a:spLocks noGrp="true"/>
+          </p:cNvSpPr>
+          <p:nvPr>
+            <p:ph type="body" orient="vert" idx="1" hasCustomPrompt="true"/>
           </p:nvPr>
         </p:nvSpPr>
         <p:spPr>
@@ -1659,42 +1619,18 @@
           <a:lstStyle/>
           <a:p>
             <a:pPr lvl="0" eaLnBrk="1" latinLnBrk="0" hangingPunct="1"/>
-            <a:r>
-              <a:rPr lang="zh-CN" altLang="en-US" smtClean="0"/>
-              <a:t>单击此处编辑母版文本样式</a:t>
-            </a:r>
-            <a:endParaRPr lang="zh-CN" altLang="en-US" smtClean="0"/>
           </a:p>
           <a:p>
             <a:pPr lvl="1" eaLnBrk="1" latinLnBrk="0" hangingPunct="1"/>
-            <a:r>
-              <a:rPr lang="zh-CN" altLang="en-US" smtClean="0"/>
-              <a:t>第二级</a:t>
-            </a:r>
-            <a:endParaRPr lang="zh-CN" altLang="en-US" smtClean="0"/>
           </a:p>
           <a:p>
             <a:pPr lvl="2" eaLnBrk="1" latinLnBrk="0" hangingPunct="1"/>
-            <a:r>
-              <a:rPr lang="zh-CN" altLang="en-US" smtClean="0"/>
-              <a:t>第三级</a:t>
-            </a:r>
-            <a:endParaRPr lang="zh-CN" altLang="en-US" smtClean="0"/>
           </a:p>
           <a:p>
             <a:pPr lvl="3" eaLnBrk="1" latinLnBrk="0" hangingPunct="1"/>
-            <a:r>
-              <a:rPr lang="zh-CN" altLang="en-US" smtClean="0"/>
-              <a:t>第四级</a:t>
-            </a:r>
-            <a:endParaRPr lang="zh-CN" altLang="en-US" smtClean="0"/>
           </a:p>
           <a:p>
             <a:pPr lvl="4" eaLnBrk="1" latinLnBrk="0" hangingPunct="1"/>
-            <a:r>
-              <a:rPr lang="zh-CN" altLang="en-US" smtClean="0"/>
-              <a:t>第五级</a:t>
-            </a:r>
             <a:endParaRPr kumimoji="0" lang="en-US"/>
           </a:p>
         </p:txBody>
@@ -1923,7 +1859,7 @@
 
 <file path=ppt/slideLayouts/slideLayout2.xml><?xml version="1.0" encoding="utf-8"?>
 <p:sldLayout xmlns:a="http://schemas.openxmlformats.org/drawingml/2006/main" xmlns:r="http://schemas.openxmlformats.org/officeDocument/2006/relationships" xmlns:p="http://schemas.openxmlformats.org/presentationml/2006/main" type="obj" preserve="1">
-  <p:cSld name="标题和内容">
+  <p:cSld name="Title and Content">
     <p:spTree>
       <p:nvGrpSpPr>
         <p:cNvPr id="1" name=""/>
@@ -1958,10 +1894,6 @@
           <a:bodyPr/>
           <a:lstStyle/>
           <a:p>
-            <a:r>
-              <a:rPr kumimoji="0" lang="zh-CN" altLang="en-US" smtClean="0"/>
-              <a:t>单击此处编辑母版标题样式</a:t>
-            </a:r>
             <a:endParaRPr kumimoji="0" lang="en-US"/>
           </a:p>
         </p:txBody>
@@ -2044,7 +1976,7 @@
             <a:spLocks noGrp="true"/>
           </p:cNvSpPr>
           <p:nvPr>
-            <p:ph sz="quarter" idx="1"/>
+            <p:ph sz="quarter" idx="1" hasCustomPrompt="true"/>
           </p:nvPr>
         </p:nvSpPr>
         <p:spPr>
@@ -2058,42 +1990,18 @@
           <a:lstStyle/>
           <a:p>
             <a:pPr lvl="0" eaLnBrk="1" latinLnBrk="0" hangingPunct="1"/>
-            <a:r>
-              <a:rPr lang="zh-CN" altLang="en-US" smtClean="0"/>
-              <a:t>单击此处编辑母版文本样式</a:t>
-            </a:r>
-            <a:endParaRPr lang="zh-CN" altLang="en-US" smtClean="0"/>
           </a:p>
           <a:p>
             <a:pPr lvl="1" eaLnBrk="1" latinLnBrk="0" hangingPunct="1"/>
-            <a:r>
-              <a:rPr lang="zh-CN" altLang="en-US" smtClean="0"/>
-              <a:t>第二级</a:t>
-            </a:r>
-            <a:endParaRPr lang="zh-CN" altLang="en-US" smtClean="0"/>
           </a:p>
           <a:p>
             <a:pPr lvl="2" eaLnBrk="1" latinLnBrk="0" hangingPunct="1"/>
-            <a:r>
-              <a:rPr lang="zh-CN" altLang="en-US" smtClean="0"/>
-              <a:t>第三级</a:t>
-            </a:r>
-            <a:endParaRPr lang="zh-CN" altLang="en-US" smtClean="0"/>
           </a:p>
           <a:p>
             <a:pPr lvl="3" eaLnBrk="1" latinLnBrk="0" hangingPunct="1"/>
-            <a:r>
-              <a:rPr lang="zh-CN" altLang="en-US" smtClean="0"/>
-              <a:t>第四级</a:t>
-            </a:r>
-            <a:endParaRPr lang="zh-CN" altLang="en-US" smtClean="0"/>
           </a:p>
           <a:p>
             <a:pPr lvl="4" eaLnBrk="1" latinLnBrk="0" hangingPunct="1"/>
-            <a:r>
-              <a:rPr lang="zh-CN" altLang="en-US" smtClean="0"/>
-              <a:t>第五级</a:t>
-            </a:r>
             <a:endParaRPr kumimoji="0" lang="en-US"/>
           </a:p>
         </p:txBody>
@@ -2109,7 +2017,7 @@
 
 <file path=ppt/slideLayouts/slideLayout3.xml><?xml version="1.0" encoding="utf-8"?>
 <p:sldLayout xmlns:a="http://schemas.openxmlformats.org/drawingml/2006/main" xmlns:r="http://schemas.openxmlformats.org/officeDocument/2006/relationships" xmlns:p="http://schemas.openxmlformats.org/presentationml/2006/main" type="secHead" preserve="1" showMasterSp="0">
-  <p:cSld name="节标题">
+  <p:cSld name="Section Header">
     <p:bg>
       <p:bgRef idx="1003">
         <a:schemeClr val="bg1"/>
@@ -2199,11 +2107,7 @@
           </a:lstStyle>
           <a:p>
             <a:pPr lvl="0" eaLnBrk="1" latinLnBrk="0" hangingPunct="1"/>
-            <a:r>
-              <a:rPr kumimoji="0" lang="zh-CN" altLang="en-US" smtClean="0"/>
-              <a:t>单击此处编辑母版文本样式</a:t>
-            </a:r>
-            <a:endParaRPr kumimoji="0" lang="zh-CN" altLang="en-US" smtClean="0"/>
+            <a:endParaRPr kumimoji="0" lang="en-US"/>
           </a:p>
         </p:txBody>
       </p:sp>
@@ -2378,10 +2282,6 @@
             </a:lvl1pPr>
           </a:lstStyle>
           <a:p>
-            <a:r>
-              <a:rPr kumimoji="0" lang="zh-CN" altLang="en-US" smtClean="0"/>
-              <a:t>单击此处编辑母版标题样式</a:t>
-            </a:r>
             <a:endParaRPr kumimoji="0" lang="en-US"/>
           </a:p>
         </p:txBody>
@@ -2475,7 +2375,7 @@
 
 <file path=ppt/slideLayouts/slideLayout4.xml><?xml version="1.0" encoding="utf-8"?>
 <p:sldLayout xmlns:a="http://schemas.openxmlformats.org/drawingml/2006/main" xmlns:r="http://schemas.openxmlformats.org/officeDocument/2006/relationships" xmlns:p="http://schemas.openxmlformats.org/presentationml/2006/main" type="twoObj" preserve="1">
-  <p:cSld name="两栏内容">
+  <p:cSld name="Two Content">
     <p:spTree>
       <p:nvGrpSpPr>
         <p:cNvPr id="1" name=""/>
@@ -2505,10 +2405,6 @@
           <a:bodyPr/>
           <a:lstStyle/>
           <a:p>
-            <a:r>
-              <a:rPr kumimoji="0" lang="zh-CN" altLang="en-US" smtClean="0"/>
-              <a:t>单击此处编辑母版标题样式</a:t>
-            </a:r>
             <a:endParaRPr kumimoji="0" lang="en-US"/>
           </a:p>
         </p:txBody>
@@ -2520,7 +2416,7 @@
             <a:spLocks noGrp="true"/>
           </p:cNvSpPr>
           <p:nvPr>
-            <p:ph sz="quarter" idx="1"/>
+            <p:ph sz="quarter" idx="1" hasCustomPrompt="true"/>
           </p:nvPr>
         </p:nvSpPr>
         <p:spPr>
@@ -2534,42 +2430,18 @@
           <a:lstStyle/>
           <a:p>
             <a:pPr lvl="0" eaLnBrk="1" latinLnBrk="0" hangingPunct="1"/>
-            <a:r>
-              <a:rPr lang="zh-CN" altLang="en-US" smtClean="0"/>
-              <a:t>单击此处编辑母版文本样式</a:t>
-            </a:r>
-            <a:endParaRPr lang="zh-CN" altLang="en-US" smtClean="0"/>
           </a:p>
           <a:p>
             <a:pPr lvl="1" eaLnBrk="1" latinLnBrk="0" hangingPunct="1"/>
-            <a:r>
-              <a:rPr lang="zh-CN" altLang="en-US" smtClean="0"/>
-              <a:t>第二级</a:t>
-            </a:r>
-            <a:endParaRPr lang="zh-CN" altLang="en-US" smtClean="0"/>
           </a:p>
           <a:p>
             <a:pPr lvl="2" eaLnBrk="1" latinLnBrk="0" hangingPunct="1"/>
-            <a:r>
-              <a:rPr lang="zh-CN" altLang="en-US" smtClean="0"/>
-              <a:t>第三级</a:t>
-            </a:r>
-            <a:endParaRPr lang="zh-CN" altLang="en-US" smtClean="0"/>
           </a:p>
           <a:p>
             <a:pPr lvl="3" eaLnBrk="1" latinLnBrk="0" hangingPunct="1"/>
-            <a:r>
-              <a:rPr lang="zh-CN" altLang="en-US" smtClean="0"/>
-              <a:t>第四级</a:t>
-            </a:r>
-            <a:endParaRPr lang="zh-CN" altLang="en-US" smtClean="0"/>
           </a:p>
           <a:p>
             <a:pPr lvl="4" eaLnBrk="1" latinLnBrk="0" hangingPunct="1"/>
-            <a:r>
-              <a:rPr lang="zh-CN" altLang="en-US" smtClean="0"/>
-              <a:t>第五级</a:t>
-            </a:r>
             <a:endParaRPr kumimoji="0" lang="en-US"/>
           </a:p>
         </p:txBody>
@@ -2581,7 +2453,7 @@
             <a:spLocks noGrp="true"/>
           </p:cNvSpPr>
           <p:nvPr>
-            <p:ph sz="quarter" idx="2"/>
+            <p:ph sz="quarter" idx="2" hasCustomPrompt="true"/>
           </p:nvPr>
         </p:nvSpPr>
         <p:spPr>
@@ -2595,42 +2467,18 @@
           <a:lstStyle/>
           <a:p>
             <a:pPr lvl="0" eaLnBrk="1" latinLnBrk="0" hangingPunct="1"/>
-            <a:r>
-              <a:rPr lang="zh-CN" altLang="en-US" smtClean="0"/>
-              <a:t>单击此处编辑母版文本样式</a:t>
-            </a:r>
-            <a:endParaRPr lang="zh-CN" altLang="en-US" smtClean="0"/>
           </a:p>
           <a:p>
             <a:pPr lvl="1" eaLnBrk="1" latinLnBrk="0" hangingPunct="1"/>
-            <a:r>
-              <a:rPr lang="zh-CN" altLang="en-US" smtClean="0"/>
-              <a:t>第二级</a:t>
-            </a:r>
-            <a:endParaRPr lang="zh-CN" altLang="en-US" smtClean="0"/>
           </a:p>
           <a:p>
             <a:pPr lvl="2" eaLnBrk="1" latinLnBrk="0" hangingPunct="1"/>
-            <a:r>
-              <a:rPr lang="zh-CN" altLang="en-US" smtClean="0"/>
-              <a:t>第三级</a:t>
-            </a:r>
-            <a:endParaRPr lang="zh-CN" altLang="en-US" smtClean="0"/>
           </a:p>
           <a:p>
             <a:pPr lvl="3" eaLnBrk="1" latinLnBrk="0" hangingPunct="1"/>
-            <a:r>
-              <a:rPr lang="zh-CN" altLang="en-US" smtClean="0"/>
-              <a:t>第四级</a:t>
-            </a:r>
-            <a:endParaRPr lang="zh-CN" altLang="en-US" smtClean="0"/>
           </a:p>
           <a:p>
             <a:pPr lvl="4" eaLnBrk="1" latinLnBrk="0" hangingPunct="1"/>
-            <a:r>
-              <a:rPr lang="zh-CN" altLang="en-US" smtClean="0"/>
-              <a:t>第五级</a:t>
-            </a:r>
             <a:endParaRPr kumimoji="0" lang="en-US"/>
           </a:p>
         </p:txBody>
@@ -2709,7 +2557,7 @@
 
 <file path=ppt/slideLayouts/slideLayout5.xml><?xml version="1.0" encoding="utf-8"?>
 <p:sldLayout xmlns:a="http://schemas.openxmlformats.org/drawingml/2006/main" xmlns:r="http://schemas.openxmlformats.org/officeDocument/2006/relationships" xmlns:p="http://schemas.openxmlformats.org/presentationml/2006/main" type="twoTxTwoObj" preserve="1">
-  <p:cSld name="比较">
+  <p:cSld name="Comparison">
     <p:spTree>
       <p:nvGrpSpPr>
         <p:cNvPr id="1" name=""/>
@@ -2748,10 +2596,6 @@
             </a:lvl1pPr>
           </a:lstStyle>
           <a:p>
-            <a:r>
-              <a:rPr kumimoji="0" lang="zh-CN" altLang="en-US" smtClean="0"/>
-              <a:t>单击此处编辑母版标题样式</a:t>
-            </a:r>
             <a:endParaRPr kumimoji="0" lang="en-US"/>
           </a:p>
         </p:txBody>
@@ -2763,7 +2607,7 @@
             <a:spLocks noGrp="true"/>
           </p:cNvSpPr>
           <p:nvPr>
-            <p:ph sz="quarter" idx="2"/>
+            <p:ph sz="quarter" idx="2" hasCustomPrompt="true"/>
           </p:nvPr>
         </p:nvSpPr>
         <p:spPr>
@@ -2777,42 +2621,18 @@
           <a:lstStyle/>
           <a:p>
             <a:pPr lvl="0" eaLnBrk="1" latinLnBrk="0" hangingPunct="1"/>
-            <a:r>
-              <a:rPr lang="zh-CN" altLang="en-US" smtClean="0"/>
-              <a:t>单击此处编辑母版文本样式</a:t>
-            </a:r>
-            <a:endParaRPr lang="zh-CN" altLang="en-US" smtClean="0"/>
           </a:p>
           <a:p>
             <a:pPr lvl="1" eaLnBrk="1" latinLnBrk="0" hangingPunct="1"/>
-            <a:r>
-              <a:rPr lang="zh-CN" altLang="en-US" smtClean="0"/>
-              <a:t>第二级</a:t>
-            </a:r>
-            <a:endParaRPr lang="zh-CN" altLang="en-US" smtClean="0"/>
           </a:p>
           <a:p>
             <a:pPr lvl="2" eaLnBrk="1" latinLnBrk="0" hangingPunct="1"/>
-            <a:r>
-              <a:rPr lang="zh-CN" altLang="en-US" smtClean="0"/>
-              <a:t>第三级</a:t>
-            </a:r>
-            <a:endParaRPr lang="zh-CN" altLang="en-US" smtClean="0"/>
           </a:p>
           <a:p>
             <a:pPr lvl="3" eaLnBrk="1" latinLnBrk="0" hangingPunct="1"/>
-            <a:r>
-              <a:rPr lang="zh-CN" altLang="en-US" smtClean="0"/>
-              <a:t>第四级</a:t>
-            </a:r>
-            <a:endParaRPr lang="zh-CN" altLang="en-US" smtClean="0"/>
           </a:p>
           <a:p>
             <a:pPr lvl="4" eaLnBrk="1" latinLnBrk="0" hangingPunct="1"/>
-            <a:r>
-              <a:rPr lang="zh-CN" altLang="en-US" smtClean="0"/>
-              <a:t>第五级</a:t>
-            </a:r>
             <a:endParaRPr kumimoji="0" lang="en-US"/>
           </a:p>
         </p:txBody>
@@ -2824,7 +2644,7 @@
             <a:spLocks noGrp="true"/>
           </p:cNvSpPr>
           <p:nvPr>
-            <p:ph sz="quarter" idx="4"/>
+            <p:ph sz="quarter" idx="4" hasCustomPrompt="true"/>
           </p:nvPr>
         </p:nvSpPr>
         <p:spPr>
@@ -2838,42 +2658,18 @@
           <a:lstStyle/>
           <a:p>
             <a:pPr lvl="0" eaLnBrk="1" latinLnBrk="0" hangingPunct="1"/>
-            <a:r>
-              <a:rPr lang="zh-CN" altLang="en-US" smtClean="0"/>
-              <a:t>单击此处编辑母版文本样式</a:t>
-            </a:r>
-            <a:endParaRPr lang="zh-CN" altLang="en-US" smtClean="0"/>
           </a:p>
           <a:p>
             <a:pPr lvl="1" eaLnBrk="1" latinLnBrk="0" hangingPunct="1"/>
-            <a:r>
-              <a:rPr lang="zh-CN" altLang="en-US" smtClean="0"/>
-              <a:t>第二级</a:t>
-            </a:r>
-            <a:endParaRPr lang="zh-CN" altLang="en-US" smtClean="0"/>
           </a:p>
           <a:p>
             <a:pPr lvl="2" eaLnBrk="1" latinLnBrk="0" hangingPunct="1"/>
-            <a:r>
-              <a:rPr lang="zh-CN" altLang="en-US" smtClean="0"/>
-              <a:t>第三级</a:t>
-            </a:r>
-            <a:endParaRPr lang="zh-CN" altLang="en-US" smtClean="0"/>
           </a:p>
           <a:p>
             <a:pPr lvl="3" eaLnBrk="1" latinLnBrk="0" hangingPunct="1"/>
-            <a:r>
-              <a:rPr lang="zh-CN" altLang="en-US" smtClean="0"/>
-              <a:t>第四级</a:t>
-            </a:r>
-            <a:endParaRPr lang="zh-CN" altLang="en-US" smtClean="0"/>
           </a:p>
           <a:p>
             <a:pPr lvl="4" eaLnBrk="1" latinLnBrk="0" hangingPunct="1"/>
-            <a:r>
-              <a:rPr lang="zh-CN" altLang="en-US" smtClean="0"/>
-              <a:t>第五级</a:t>
-            </a:r>
             <a:endParaRPr kumimoji="0" lang="en-US"/>
           </a:p>
         </p:txBody>
@@ -2975,11 +2771,7 @@
           </a:lstStyle>
           <a:p>
             <a:pPr lvl="0" eaLnBrk="1" latinLnBrk="0" hangingPunct="1"/>
-            <a:r>
-              <a:rPr kumimoji="0" lang="zh-CN" altLang="en-US" smtClean="0"/>
-              <a:t>单击此处编辑母版文本样式</a:t>
-            </a:r>
-            <a:endParaRPr kumimoji="0" lang="zh-CN" altLang="en-US" smtClean="0"/>
+            <a:endParaRPr kumimoji="0" lang="en-US"/>
           </a:p>
         </p:txBody>
       </p:sp>
@@ -3017,11 +2809,7 @@
           </a:lstStyle>
           <a:p>
             <a:pPr lvl="0" eaLnBrk="1" latinLnBrk="0" hangingPunct="1"/>
-            <a:r>
-              <a:rPr kumimoji="0" lang="zh-CN" altLang="en-US" smtClean="0"/>
-              <a:t>单击此处编辑母版文本样式</a:t>
-            </a:r>
-            <a:endParaRPr kumimoji="0" lang="zh-CN" altLang="en-US" smtClean="0"/>
+            <a:endParaRPr kumimoji="0" lang="en-US"/>
           </a:p>
         </p:txBody>
       </p:sp>
@@ -3036,7 +2824,7 @@
 
 <file path=ppt/slideLayouts/slideLayout6.xml><?xml version="1.0" encoding="utf-8"?>
 <p:sldLayout xmlns:a="http://schemas.openxmlformats.org/drawingml/2006/main" xmlns:r="http://schemas.openxmlformats.org/officeDocument/2006/relationships" xmlns:p="http://schemas.openxmlformats.org/presentationml/2006/main" type="titleOnly" preserve="1">
-  <p:cSld name="仅标题">
+  <p:cSld name="Title Only">
     <p:spTree>
       <p:nvGrpSpPr>
         <p:cNvPr id="1" name=""/>
@@ -3066,10 +2854,6 @@
           <a:bodyPr/>
           <a:lstStyle/>
           <a:p>
-            <a:r>
-              <a:rPr kumimoji="0" lang="zh-CN" altLang="en-US" smtClean="0"/>
-              <a:t>单击此处编辑母版标题样式</a:t>
-            </a:r>
             <a:endParaRPr kumimoji="0" lang="en-US"/>
           </a:p>
         </p:txBody>
@@ -3156,7 +2940,7 @@
 
 <file path=ppt/slideLayouts/slideLayout7.xml><?xml version="1.0" encoding="utf-8"?>
 <p:sldLayout xmlns:a="http://schemas.openxmlformats.org/drawingml/2006/main" xmlns:r="http://schemas.openxmlformats.org/officeDocument/2006/relationships" xmlns:p="http://schemas.openxmlformats.org/presentationml/2006/main" type="blank" preserve="1" showMasterSp="0">
-  <p:cSld name="空白">
+  <p:cSld name="Blank">
     <p:spTree>
       <p:nvGrpSpPr>
         <p:cNvPr id="1" name=""/>
@@ -3258,7 +3042,7 @@
 
 <file path=ppt/slideLayouts/slideLayout8.xml><?xml version="1.0" encoding="utf-8"?>
 <p:sldLayout xmlns:a="http://schemas.openxmlformats.org/drawingml/2006/main" xmlns:r="http://schemas.openxmlformats.org/officeDocument/2006/relationships" xmlns:p="http://schemas.openxmlformats.org/presentationml/2006/main" type="objTx" preserve="1">
-  <p:cSld name="内容与标题">
+  <p:cSld name="Content with Caption">
     <p:spTree>
       <p:nvGrpSpPr>
         <p:cNvPr id="1" name=""/>
@@ -3298,10 +3082,6 @@
             </a:lvl1pPr>
           </a:lstStyle>
           <a:p>
-            <a:r>
-              <a:rPr kumimoji="0" lang="zh-CN" altLang="en-US" smtClean="0"/>
-              <a:t>单击此处编辑母版标题样式</a:t>
-            </a:r>
             <a:endParaRPr kumimoji="0" lang="en-US"/>
           </a:p>
         </p:txBody>
@@ -3444,11 +3224,7 @@
           </a:lstStyle>
           <a:p>
             <a:pPr lvl="0" eaLnBrk="1" latinLnBrk="0" hangingPunct="1"/>
-            <a:r>
-              <a:rPr kumimoji="0" lang="zh-CN" altLang="en-US" smtClean="0"/>
-              <a:t>单击此处编辑母版文本样式</a:t>
-            </a:r>
-            <a:endParaRPr kumimoji="0" lang="zh-CN" altLang="en-US" smtClean="0"/>
+            <a:endParaRPr kumimoji="0" lang="en-US"/>
           </a:p>
         </p:txBody>
       </p:sp>
@@ -3459,7 +3235,7 @@
             <a:spLocks noGrp="true"/>
           </p:cNvSpPr>
           <p:nvPr>
-            <p:ph sz="quarter" idx="1"/>
+            <p:ph sz="quarter" idx="1" hasCustomPrompt="true"/>
           </p:nvPr>
         </p:nvSpPr>
         <p:spPr>
@@ -3473,42 +3249,18 @@
           <a:lstStyle/>
           <a:p>
             <a:pPr lvl="0" eaLnBrk="1" latinLnBrk="0" hangingPunct="1"/>
-            <a:r>
-              <a:rPr lang="zh-CN" altLang="en-US" smtClean="0"/>
-              <a:t>单击此处编辑母版文本样式</a:t>
-            </a:r>
-            <a:endParaRPr lang="zh-CN" altLang="en-US" smtClean="0"/>
           </a:p>
           <a:p>
             <a:pPr lvl="1" eaLnBrk="1" latinLnBrk="0" hangingPunct="1"/>
-            <a:r>
-              <a:rPr lang="zh-CN" altLang="en-US" smtClean="0"/>
-              <a:t>第二级</a:t>
-            </a:r>
-            <a:endParaRPr lang="zh-CN" altLang="en-US" smtClean="0"/>
           </a:p>
           <a:p>
             <a:pPr lvl="2" eaLnBrk="1" latinLnBrk="0" hangingPunct="1"/>
-            <a:r>
-              <a:rPr lang="zh-CN" altLang="en-US" smtClean="0"/>
-              <a:t>第三级</a:t>
-            </a:r>
-            <a:endParaRPr lang="zh-CN" altLang="en-US" smtClean="0"/>
           </a:p>
           <a:p>
             <a:pPr lvl="3" eaLnBrk="1" latinLnBrk="0" hangingPunct="1"/>
-            <a:r>
-              <a:rPr lang="zh-CN" altLang="en-US" smtClean="0"/>
-              <a:t>第四级</a:t>
-            </a:r>
-            <a:endParaRPr lang="zh-CN" altLang="en-US" smtClean="0"/>
           </a:p>
           <a:p>
             <a:pPr lvl="4" eaLnBrk="1" latinLnBrk="0" hangingPunct="1"/>
-            <a:r>
-              <a:rPr lang="zh-CN" altLang="en-US" smtClean="0"/>
-              <a:t>第五级</a:t>
-            </a:r>
             <a:endParaRPr kumimoji="0" lang="en-US"/>
           </a:p>
         </p:txBody>
@@ -3524,7 +3276,7 @@
 
 <file path=ppt/slideLayouts/slideLayout9.xml><?xml version="1.0" encoding="utf-8"?>
 <p:sldLayout xmlns:a="http://schemas.openxmlformats.org/drawingml/2006/main" xmlns:r="http://schemas.openxmlformats.org/officeDocument/2006/relationships" xmlns:p="http://schemas.openxmlformats.org/presentationml/2006/main" type="picTx" preserve="1" showMasterSp="0">
-  <p:cSld name="图片与标题">
+  <p:cSld name="Picture with Caption">
     <p:bg>
       <p:bgRef idx="1003">
         <a:schemeClr val="bg2"/>
@@ -3591,11 +3343,7 @@
           </a:lstStyle>
           <a:p>
             <a:pPr lvl="0" eaLnBrk="1" latinLnBrk="0" hangingPunct="1"/>
-            <a:r>
-              <a:rPr kumimoji="0" lang="zh-CN" altLang="en-US" smtClean="0"/>
-              <a:t>单击此处编辑母版文本样式</a:t>
-            </a:r>
-            <a:endParaRPr kumimoji="0" lang="zh-CN" altLang="en-US" smtClean="0"/>
+            <a:endParaRPr kumimoji="0" lang="en-US"/>
           </a:p>
         </p:txBody>
       </p:sp>
@@ -3770,10 +3518,6 @@
             </a:lvl1pPr>
           </a:lstStyle>
           <a:p>
-            <a:r>
-              <a:rPr kumimoji="0" lang="zh-CN" altLang="en-US" smtClean="0"/>
-              <a:t>单击此处编辑母版标题样式</a:t>
-            </a:r>
             <a:endParaRPr kumimoji="0" lang="en-US"/>
           </a:p>
         </p:txBody>
@@ -3939,10 +3683,6 @@
             </a:lvl1pPr>
           </a:lstStyle>
           <a:p>
-            <a:r>
-              <a:rPr kumimoji="0" lang="zh-CN" altLang="en-US" smtClean="0"/>
-              <a:t>单击图标添加图片</a:t>
-            </a:r>
             <a:endParaRPr kumimoji="0" lang="en-US" dirty="0"/>
           </a:p>
         </p:txBody>
@@ -3980,7 +3720,7 @@
       </p:grpSpPr>
       <p:sp>
         <p:nvSpPr>
-          <p:cNvPr id="22" name="标题占位符 21"/>
+          <p:cNvPr id="22" name="标题 21"/>
           <p:cNvSpPr>
             <a:spLocks noGrp="true"/>
           </p:cNvSpPr>
@@ -4004,10 +3744,10 @@
           <a:lstStyle/>
           <a:p>
             <a:r>
-              <a:rPr kumimoji="0" lang="zh-CN" altLang="en-US" dirty="0" smtClean="0"/>
-              <a:t>单击此处编辑母版标题样式</a:t>
+              <a:rPr kumimoji="0" lang="en-US" smtClean="0"/>
+              <a:t>Click to edit Master title style</a:t>
             </a:r>
-            <a:endParaRPr kumimoji="0" lang="en-US" dirty="0"/>
+            <a:endParaRPr kumimoji="0" lang="en-US"/>
           </a:p>
         </p:txBody>
       </p:sp>
@@ -4038,42 +3778,42 @@
           <a:p>
             <a:pPr lvl="0" eaLnBrk="1" latinLnBrk="0" hangingPunct="1"/>
             <a:r>
-              <a:rPr kumimoji="0" lang="zh-CN" altLang="en-US" dirty="0" smtClean="0"/>
-              <a:t>单击此处编辑母版文本样式</a:t>
+              <a:rPr kumimoji="0" lang="en-US" smtClean="0"/>
+              <a:t>Click to edit Master text styles</a:t>
             </a:r>
-            <a:endParaRPr kumimoji="0" lang="zh-CN" altLang="en-US" dirty="0" smtClean="0"/>
+            <a:endParaRPr kumimoji="0" lang="en-US" smtClean="0"/>
           </a:p>
           <a:p>
             <a:pPr lvl="1" eaLnBrk="1" latinLnBrk="0" hangingPunct="1"/>
             <a:r>
-              <a:rPr kumimoji="0" lang="zh-CN" altLang="en-US" dirty="0" smtClean="0"/>
-              <a:t>第二级</a:t>
+              <a:rPr kumimoji="0" lang="en-US" smtClean="0"/>
+              <a:t>Second level</a:t>
             </a:r>
-            <a:endParaRPr kumimoji="0" lang="zh-CN" altLang="en-US" dirty="0" smtClean="0"/>
+            <a:endParaRPr kumimoji="0" lang="en-US" smtClean="0"/>
           </a:p>
           <a:p>
             <a:pPr lvl="2" eaLnBrk="1" latinLnBrk="0" hangingPunct="1"/>
             <a:r>
-              <a:rPr kumimoji="0" lang="zh-CN" altLang="en-US" dirty="0" smtClean="0"/>
-              <a:t>第三级</a:t>
+              <a:rPr kumimoji="0" lang="en-US" smtClean="0"/>
+              <a:t>Third level</a:t>
             </a:r>
-            <a:endParaRPr kumimoji="0" lang="zh-CN" altLang="en-US" dirty="0" smtClean="0"/>
+            <a:endParaRPr kumimoji="0" lang="en-US" smtClean="0"/>
           </a:p>
           <a:p>
             <a:pPr lvl="3" eaLnBrk="1" latinLnBrk="0" hangingPunct="1"/>
             <a:r>
-              <a:rPr kumimoji="0" lang="zh-CN" altLang="en-US" dirty="0" smtClean="0"/>
-              <a:t>第四级</a:t>
+              <a:rPr kumimoji="0" lang="en-US" smtClean="0"/>
+              <a:t>Fourth level</a:t>
             </a:r>
-            <a:endParaRPr kumimoji="0" lang="zh-CN" altLang="en-US" dirty="0" smtClean="0"/>
+            <a:endParaRPr kumimoji="0" lang="en-US" smtClean="0"/>
           </a:p>
           <a:p>
             <a:pPr lvl="4" eaLnBrk="1" latinLnBrk="0" hangingPunct="1"/>
             <a:r>
-              <a:rPr kumimoji="0" lang="zh-CN" altLang="en-US" dirty="0" smtClean="0"/>
-              <a:t>第五级</a:t>
+              <a:rPr kumimoji="0" lang="en-US" smtClean="0"/>
+              <a:t>Fifth level</a:t>
             </a:r>
-            <a:endParaRPr kumimoji="0" lang="en-US" dirty="0"/>
+            <a:endParaRPr kumimoji="0" lang="en-US"/>
           </a:p>
         </p:txBody>
       </p:sp>
@@ -4100,12 +3840,10 @@
           <a:bodyPr vert="horz" anchor="ctr" anchorCtr="false"/>
           <a:lstStyle>
             <a:lvl1pPr algn="l" eaLnBrk="1" latinLnBrk="0" hangingPunct="1">
-              <a:defRPr kumimoji="0" sz="1400" baseline="0">
+              <a:defRPr kumimoji="0" sz="1400">
                 <a:solidFill>
                   <a:schemeClr val="tx2"/>
                 </a:solidFill>
-                <a:latin typeface="Arial" panose="020B0604020202020204" pitchFamily="34" charset="0"/>
-                <a:ea typeface="黑体" panose="02010609060101010101" pitchFamily="49" charset="-122"/>
               </a:defRPr>
             </a:lvl1pPr>
           </a:lstStyle>
@@ -4140,12 +3878,10 @@
           <a:bodyPr vert="horz" anchor="ctr"/>
           <a:lstStyle>
             <a:lvl1pPr algn="r" eaLnBrk="1" latinLnBrk="0" hangingPunct="1">
-              <a:defRPr kumimoji="0" sz="1400" baseline="0">
+              <a:defRPr kumimoji="0" sz="1400">
                 <a:solidFill>
                   <a:schemeClr val="tx2"/>
                 </a:solidFill>
-                <a:latin typeface="Arial" panose="020B0604020202020204" pitchFamily="34" charset="0"/>
-                <a:ea typeface="黑体" panose="02010609060101010101" pitchFamily="49" charset="-122"/>
               </a:defRPr>
             </a:lvl1pPr>
           </a:lstStyle>
@@ -4360,12 +4096,12 @@
           <a:spcPct val="0"/>
         </a:spcBef>
         <a:buNone/>
-        <a:defRPr kumimoji="0" sz="4400" kern="1200" baseline="0">
+        <a:defRPr kumimoji="0" sz="4400" kern="1200">
           <a:solidFill>
             <a:schemeClr val="tx2"/>
           </a:solidFill>
-          <a:latin typeface="Arial" panose="020B0604020202020204" pitchFamily="34" charset="0"/>
-          <a:ea typeface="黑体" panose="02010609060101010101" pitchFamily="49" charset="-122"/>
+          <a:latin typeface="+mj-lt"/>
+          <a:ea typeface="+mj-ea"/>
           <a:cs typeface="+mj-cs"/>
         </a:defRPr>
       </a:lvl1pPr>
@@ -4381,12 +4117,12 @@
         <a:buSzPct val="60000"/>
         <a:buFont typeface="Wingdings" panose="05000000000000000000"/>
         <a:buChar char=""/>
-        <a:defRPr kumimoji="0" sz="2900" kern="1200" baseline="0">
+        <a:defRPr kumimoji="0" sz="2800" kern="1200">
           <a:solidFill>
             <a:schemeClr val="tx1"/>
           </a:solidFill>
-          <a:latin typeface="Arial" panose="020B0604020202020204" pitchFamily="34" charset="0"/>
-          <a:ea typeface="黑体" panose="02010609060101010101" pitchFamily="49" charset="-122"/>
+          <a:latin typeface="+mn-lt"/>
+          <a:ea typeface="+mn-ea"/>
           <a:cs typeface="+mn-cs"/>
         </a:defRPr>
       </a:lvl1pPr>
@@ -4400,12 +4136,12 @@
         <a:buSzPct val="70000"/>
         <a:buFont typeface="Wingdings 2" panose="05020102010507070707"/>
         <a:buChar char=""/>
-        <a:defRPr kumimoji="0" sz="2600" kern="1200" baseline="0">
+        <a:defRPr kumimoji="0" sz="2400" kern="1200">
           <a:solidFill>
             <a:schemeClr val="tx1"/>
           </a:solidFill>
-          <a:latin typeface="Arial" panose="020B0604020202020204" pitchFamily="34" charset="0"/>
-          <a:ea typeface="黑体" panose="02010609060101010101" pitchFamily="49" charset="-122"/>
+          <a:latin typeface="+mn-lt"/>
+          <a:ea typeface="+mn-ea"/>
           <a:cs typeface="+mn-cs"/>
         </a:defRPr>
       </a:lvl2pPr>
@@ -4419,12 +4155,12 @@
         <a:buSzPct val="75000"/>
         <a:buFont typeface="Wingdings" panose="05000000000000000000"/>
         <a:buChar char=""/>
-        <a:defRPr kumimoji="0" sz="2300" kern="1200" baseline="0">
+        <a:defRPr kumimoji="0" sz="2000" kern="1200">
           <a:solidFill>
             <a:schemeClr val="tx1"/>
           </a:solidFill>
-          <a:latin typeface="Arial" panose="020B0604020202020204" pitchFamily="34" charset="0"/>
-          <a:ea typeface="黑体" panose="02010609060101010101" pitchFamily="49" charset="-122"/>
+          <a:latin typeface="+mn-lt"/>
+          <a:ea typeface="+mn-ea"/>
           <a:cs typeface="+mn-cs"/>
         </a:defRPr>
       </a:lvl3pPr>
@@ -4438,12 +4174,12 @@
         <a:buSzPct val="75000"/>
         <a:buFont typeface="Wingdings" panose="05000000000000000000"/>
         <a:buChar char=""/>
-        <a:defRPr kumimoji="0" sz="2000" kern="1200" baseline="0">
+        <a:defRPr kumimoji="0" sz="2000" kern="1200">
           <a:solidFill>
             <a:schemeClr val="tx1"/>
           </a:solidFill>
-          <a:latin typeface="Arial" panose="020B0604020202020204" pitchFamily="34" charset="0"/>
-          <a:ea typeface="黑体" panose="02010609060101010101" pitchFamily="49" charset="-122"/>
+          <a:latin typeface="+mn-lt"/>
+          <a:ea typeface="+mn-ea"/>
           <a:cs typeface="+mn-cs"/>
         </a:defRPr>
       </a:lvl4pPr>
@@ -4457,12 +4193,12 @@
         <a:buSzPct val="65000"/>
         <a:buFont typeface="Wingdings" panose="05000000000000000000"/>
         <a:buChar char=""/>
-        <a:defRPr kumimoji="0" sz="2000" kern="1200" baseline="0">
+        <a:defRPr kumimoji="0" sz="2000" kern="1200">
           <a:solidFill>
             <a:schemeClr val="tx1"/>
           </a:solidFill>
-          <a:latin typeface="Arial" panose="020B0604020202020204" pitchFamily="34" charset="0"/>
-          <a:ea typeface="黑体" panose="02010609060101010101" pitchFamily="49" charset="-122"/>
+          <a:latin typeface="+mn-lt"/>
+          <a:ea typeface="+mn-ea"/>
           <a:cs typeface="+mn-cs"/>
         </a:defRPr>
       </a:lvl5pPr>
@@ -6261,7 +5997,7 @@
 <file path=ppt/theme/theme1.xml><?xml version="1.0" encoding="utf-8"?>
 <a:theme xmlns:a="http://schemas.openxmlformats.org/drawingml/2006/main" name="Median">
   <a:themeElements>
-    <a:clrScheme name="中性">
+    <a:clrScheme name="Median">
       <a:dk1>
         <a:sysClr val="windowText" lastClr="000000"/>
       </a:dk1>
@@ -6299,7 +6035,7 @@
         <a:srgbClr val="704404"/>
       </a:folHlink>
     </a:clrScheme>
-    <a:fontScheme name="中性">
+    <a:fontScheme name="Median">
       <a:majorFont>
         <a:latin typeface="Tw Cen MT"/>
         <a:ea typeface=""/>
@@ -6373,7 +6109,7 @@
         <a:font script="Uigh" typeface="Microsoft Uighur"/>
       </a:minorFont>
     </a:fontScheme>
-    <a:fmtScheme name="中性">
+    <a:fmtScheme name="Median">
       <a:fillStyleLst>
         <a:solidFill>
           <a:schemeClr val="phClr"/>
